--- a/BERT.pptx
+++ b/BERT.pptx
@@ -6,44 +6,45 @@
     <p:sldMasterId id="2147487443" r:id="rId2"/>
   </p:sldMasterIdLst>
   <p:notesMasterIdLst>
-    <p:notesMasterId r:id="rId5"/>
+    <p:notesMasterId r:id="rId6"/>
   </p:notesMasterIdLst>
   <p:handoutMasterIdLst>
-    <p:handoutMasterId r:id="rId6"/>
+    <p:handoutMasterId r:id="rId7"/>
   </p:handoutMasterIdLst>
   <p:sldIdLst>
     <p:sldId id="256" r:id="rId3"/>
     <p:sldId id="257" r:id="rId4"/>
+    <p:sldId id="258" r:id="rId5"/>
   </p:sldIdLst>
   <p:sldSz cx="10440988" cy="6858000"/>
   <p:notesSz cx="6797675" cy="9926638"/>
   <p:embeddedFontLst>
     <p:embeddedFont>
       <p:font typeface="Cambria Math" panose="02040503050406030204" pitchFamily="18" charset="0"/>
-      <p:regular r:id="rId7"/>
+      <p:regular r:id="rId8"/>
     </p:embeddedFont>
     <p:embeddedFont>
       <p:font typeface="Candara" panose="020E0502030303020204" pitchFamily="34" charset="0"/>
-      <p:regular r:id="rId8"/>
-      <p:bold r:id="rId9"/>
-      <p:italic r:id="rId10"/>
-      <p:boldItalic r:id="rId11"/>
+      <p:regular r:id="rId9"/>
+      <p:bold r:id="rId10"/>
+      <p:italic r:id="rId11"/>
+      <p:boldItalic r:id="rId12"/>
     </p:embeddedFont>
     <p:embeddedFont>
       <p:font typeface="Consolas" panose="020B0609020204030204" pitchFamily="49" charset="0"/>
-      <p:regular r:id="rId12"/>
-      <p:bold r:id="rId13"/>
-      <p:italic r:id="rId14"/>
-      <p:boldItalic r:id="rId15"/>
+      <p:regular r:id="rId13"/>
+      <p:bold r:id="rId14"/>
+      <p:italic r:id="rId15"/>
+      <p:boldItalic r:id="rId16"/>
     </p:embeddedFont>
     <p:embeddedFont>
       <p:font typeface="Microsoft Sans Serif" panose="020B0604020202020204" pitchFamily="34" charset="0"/>
-      <p:regular r:id="rId16"/>
+      <p:regular r:id="rId17"/>
     </p:embeddedFont>
     <p:embeddedFont>
       <p:font typeface="맑은 고딕" panose="020B0503020000020004" pitchFamily="50" charset="-127"/>
-      <p:regular r:id="rId17"/>
-      <p:bold r:id="rId18"/>
+      <p:regular r:id="rId18"/>
+      <p:bold r:id="rId19"/>
     </p:embeddedFont>
   </p:embeddedFontLst>
   <p:defaultTextStyle>
@@ -4378,8 +4379,8 @@
           </a:p>
         </p:txBody>
       </p:sp>
-      <mc:AlternateContent xmlns:mc="http://schemas.openxmlformats.org/markup-compatibility/2006">
-        <mc:Choice xmlns:a14="http://schemas.microsoft.com/office/drawing/2010/main" Requires="a14">
+      <mc:AlternateContent xmlns:mc="http://schemas.openxmlformats.org/markup-compatibility/2006" xmlns:a14="http://schemas.microsoft.com/office/drawing/2010/main">
+        <mc:Choice Requires="a14">
           <p:sp>
             <p:nvSpPr>
               <p:cNvPr id="20" name="TextBox 19">
@@ -4490,7 +4491,7 @@
             </p:txBody>
           </p:sp>
         </mc:Choice>
-        <mc:Fallback>
+        <mc:Fallback xmlns="">
           <p:sp>
             <p:nvSpPr>
               <p:cNvPr id="20" name="TextBox 19">
@@ -5383,8 +5384,8 @@
           </a:p>
         </p:txBody>
       </p:sp>
-      <mc:AlternateContent xmlns:mc="http://schemas.openxmlformats.org/markup-compatibility/2006">
-        <mc:Choice xmlns:a14="http://schemas.microsoft.com/office/drawing/2010/main" Requires="a14">
+      <mc:AlternateContent xmlns:mc="http://schemas.openxmlformats.org/markup-compatibility/2006" xmlns:a14="http://schemas.microsoft.com/office/drawing/2010/main">
+        <mc:Choice Requires="a14">
           <p:sp>
             <p:nvSpPr>
               <p:cNvPr id="130" name="TextBox 129">
@@ -5505,7 +5506,7 @@
             </p:txBody>
           </p:sp>
         </mc:Choice>
-        <mc:Fallback>
+        <mc:Fallback xmlns="">
           <p:sp>
             <p:nvSpPr>
               <p:cNvPr id="130" name="TextBox 129">
@@ -6053,8 +6054,8 @@
           </a:p>
         </p:txBody>
       </p:sp>
-      <mc:AlternateContent xmlns:mc="http://schemas.openxmlformats.org/markup-compatibility/2006">
-        <mc:Choice xmlns:a14="http://schemas.microsoft.com/office/drawing/2010/main" Requires="a14">
+      <mc:AlternateContent xmlns:mc="http://schemas.openxmlformats.org/markup-compatibility/2006" xmlns:a14="http://schemas.microsoft.com/office/drawing/2010/main">
+        <mc:Choice Requires="a14">
           <p:sp>
             <p:nvSpPr>
               <p:cNvPr id="38" name="TextBox 37">
@@ -6100,7 +6101,7 @@
                       <m:f>
                         <m:fPr>
                           <m:ctrlPr>
-                            <a:rPr lang="en-US" altLang="ko-KR" sz="1800" b="0" i="0" smtClean="0">
+                            <a:rPr lang="en-US" altLang="ko-KR" sz="1800" b="0" i="1" smtClean="0">
                               <a:solidFill>
                                 <a:schemeClr val="tx1"/>
                               </a:solidFill>
@@ -6262,7 +6263,7 @@
             </p:txBody>
           </p:sp>
         </mc:Choice>
-        <mc:Fallback>
+        <mc:Fallback xmlns="">
           <p:sp>
             <p:nvSpPr>
               <p:cNvPr id="38" name="TextBox 37">
@@ -6307,8 +6308,8 @@
           </p:sp>
         </mc:Fallback>
       </mc:AlternateContent>
-      <mc:AlternateContent xmlns:mc="http://schemas.openxmlformats.org/markup-compatibility/2006">
-        <mc:Choice xmlns:a14="http://schemas.microsoft.com/office/drawing/2010/main" Requires="a14">
+      <mc:AlternateContent xmlns:mc="http://schemas.openxmlformats.org/markup-compatibility/2006" xmlns:a14="http://schemas.microsoft.com/office/drawing/2010/main">
+        <mc:Choice Requires="a14">
           <p:sp>
             <p:nvSpPr>
               <p:cNvPr id="41" name="TextBox 40">
@@ -6452,7 +6453,7 @@
             </p:txBody>
           </p:sp>
         </mc:Choice>
-        <mc:Fallback>
+        <mc:Fallback xmlns="">
           <p:sp>
             <p:nvSpPr>
               <p:cNvPr id="41" name="TextBox 40">
@@ -6627,6 +6628,4830 @@
     <p:extLst>
       <p:ext uri="{BB962C8B-B14F-4D97-AF65-F5344CB8AC3E}">
         <p14:creationId xmlns:p14="http://schemas.microsoft.com/office/powerpoint/2010/main" val="3959675971"/>
+      </p:ext>
+    </p:extLst>
+  </p:cSld>
+  <p:clrMapOvr>
+    <a:masterClrMapping/>
+  </p:clrMapOvr>
+</p:sld>
+</file>
+
+<file path=ppt/slides/slide3.xml><?xml version="1.0" encoding="utf-8"?>
+<p:sld xmlns:a="http://schemas.openxmlformats.org/drawingml/2006/main" xmlns:r="http://schemas.openxmlformats.org/officeDocument/2006/relationships" xmlns:p="http://schemas.openxmlformats.org/presentationml/2006/main">
+  <p:cSld>
+    <p:spTree>
+      <p:nvGrpSpPr>
+        <p:cNvPr id="1" name=""/>
+        <p:cNvGrpSpPr/>
+        <p:nvPr/>
+      </p:nvGrpSpPr>
+      <p:grpSpPr>
+        <a:xfrm>
+          <a:off x="0" y="0"/>
+          <a:ext cx="0" cy="0"/>
+          <a:chOff x="0" y="0"/>
+          <a:chExt cx="0" cy="0"/>
+        </a:xfrm>
+      </p:grpSpPr>
+      <p:sp>
+        <p:nvSpPr>
+          <p:cNvPr id="2" name="TextBox 1">
+            <a:extLst>
+              <a:ext uri="{FF2B5EF4-FFF2-40B4-BE49-F238E27FC236}">
+                <a16:creationId xmlns:a16="http://schemas.microsoft.com/office/drawing/2014/main" id="{28439AF0-8D1B-4EAC-8952-82308637CDD0}"/>
+              </a:ext>
+            </a:extLst>
+          </p:cNvPr>
+          <p:cNvSpPr txBox="1"/>
+          <p:nvPr/>
+        </p:nvSpPr>
+        <p:spPr>
+          <a:xfrm>
+            <a:off x="310678" y="165062"/>
+            <a:ext cx="6008376" cy="419923"/>
+          </a:xfrm>
+          <a:prstGeom prst="rect">
+            <a:avLst/>
+          </a:prstGeom>
+          <a:noFill/>
+        </p:spPr>
+        <p:txBody>
+          <a:bodyPr wrap="none" rtlCol="0">
+            <a:spAutoFit/>
+          </a:bodyPr>
+          <a:lstStyle/>
+          <a:p>
+            <a:pPr algn="l">
+              <a:lnSpc>
+                <a:spcPct val="130000"/>
+              </a:lnSpc>
+              <a:buClr>
+                <a:srgbClr val="C5003D"/>
+              </a:buClr>
+            </a:pPr>
+            <a:r>
+              <a:rPr lang="en-US" altLang="ko-KR" sz="1800">
+                <a:solidFill>
+                  <a:schemeClr val="tx1"/>
+                </a:solidFill>
+                <a:latin typeface="Consolas" panose="020B0609020204030204" pitchFamily="49" charset="0"/>
+                <a:ea typeface="+mn-ea"/>
+              </a:rPr>
+              <a:t>1989</a:t>
+            </a:r>
+            <a:r>
+              <a:rPr lang="ko-KR" altLang="en-US" sz="1800">
+                <a:solidFill>
+                  <a:schemeClr val="tx1"/>
+                </a:solidFill>
+                <a:latin typeface="Consolas" panose="020B0609020204030204" pitchFamily="49" charset="0"/>
+                <a:ea typeface="+mn-ea"/>
+              </a:rPr>
+              <a:t>년 </a:t>
+            </a:r>
+            <a:r>
+              <a:rPr lang="en-US" altLang="ko-KR" sz="1800">
+                <a:solidFill>
+                  <a:schemeClr val="tx1"/>
+                </a:solidFill>
+                <a:latin typeface="Consolas" panose="020B0609020204030204" pitchFamily="49" charset="0"/>
+                <a:ea typeface="+mn-ea"/>
+              </a:rPr>
+              <a:t>6</a:t>
+            </a:r>
+            <a:r>
+              <a:rPr lang="ko-KR" altLang="en-US" sz="1800">
+                <a:solidFill>
+                  <a:schemeClr val="tx1"/>
+                </a:solidFill>
+                <a:latin typeface="Consolas" panose="020B0609020204030204" pitchFamily="49" charset="0"/>
+                <a:ea typeface="+mn-ea"/>
+              </a:rPr>
+              <a:t>월 </a:t>
+            </a:r>
+            <a:r>
+              <a:rPr lang="en-US" altLang="ko-KR" sz="1800">
+                <a:solidFill>
+                  <a:schemeClr val="tx1"/>
+                </a:solidFill>
+                <a:latin typeface="Consolas" panose="020B0609020204030204" pitchFamily="49" charset="0"/>
+                <a:ea typeface="+mn-ea"/>
+              </a:rPr>
+              <a:t>30</a:t>
+            </a:r>
+            <a:r>
+              <a:rPr lang="ko-KR" altLang="en-US" sz="1800">
+                <a:solidFill>
+                  <a:schemeClr val="tx1"/>
+                </a:solidFill>
+                <a:latin typeface="Consolas" panose="020B0609020204030204" pitchFamily="49" charset="0"/>
+                <a:ea typeface="+mn-ea"/>
+              </a:rPr>
+              <a:t>일 평양축전에 대표로 파견 된 인물은</a:t>
+            </a:r>
+            <a:r>
+              <a:rPr lang="en-US" altLang="ko-KR" sz="1800">
+                <a:solidFill>
+                  <a:schemeClr val="tx1"/>
+                </a:solidFill>
+                <a:latin typeface="Consolas" panose="020B0609020204030204" pitchFamily="49" charset="0"/>
+                <a:ea typeface="+mn-ea"/>
+              </a:rPr>
+              <a:t>?</a:t>
+            </a:r>
+            <a:endParaRPr lang="ko-KR" altLang="en-US" sz="1800">
+              <a:solidFill>
+                <a:schemeClr val="tx1"/>
+              </a:solidFill>
+              <a:latin typeface="Consolas" panose="020B0609020204030204" pitchFamily="49" charset="0"/>
+              <a:ea typeface="+mn-ea"/>
+            </a:endParaRPr>
+          </a:p>
+        </p:txBody>
+      </p:sp>
+      <p:sp>
+        <p:nvSpPr>
+          <p:cNvPr id="18" name="TextBox 17">
+            <a:extLst>
+              <a:ext uri="{FF2B5EF4-FFF2-40B4-BE49-F238E27FC236}">
+                <a16:creationId xmlns:a16="http://schemas.microsoft.com/office/drawing/2014/main" id="{EA4663AC-C459-4F2C-9EC0-29912CCDEC22}"/>
+              </a:ext>
+            </a:extLst>
+          </p:cNvPr>
+          <p:cNvSpPr txBox="1"/>
+          <p:nvPr/>
+        </p:nvSpPr>
+        <p:spPr>
+          <a:xfrm>
+            <a:off x="153618" y="1770279"/>
+            <a:ext cx="10315644" cy="1141979"/>
+          </a:xfrm>
+          <a:prstGeom prst="rect">
+            <a:avLst/>
+          </a:prstGeom>
+          <a:noFill/>
+        </p:spPr>
+        <p:txBody>
+          <a:bodyPr wrap="none" rtlCol="0">
+            <a:spAutoFit/>
+          </a:bodyPr>
+          <a:lstStyle/>
+          <a:p>
+            <a:pPr algn="l">
+              <a:lnSpc>
+                <a:spcPct val="130000"/>
+              </a:lnSpc>
+              <a:buClr>
+                <a:srgbClr val="C5003D"/>
+              </a:buClr>
+            </a:pPr>
+            <a:r>
+              <a:rPr lang="en-US" altLang="ko-KR" sz="1800">
+                <a:solidFill>
+                  <a:schemeClr val="tx1"/>
+                </a:solidFill>
+                <a:latin typeface="Consolas" panose="020B0609020204030204" pitchFamily="49" charset="0"/>
+                <a:ea typeface="+mn-ea"/>
+              </a:rPr>
+              <a:t>[(0, 0), (0, 5), (6, 8), (9, 12), </a:t>
+            </a:r>
+            <a:r>
+              <a:rPr lang="en-US" altLang="ko-KR" sz="1800">
+                <a:solidFill>
+                  <a:srgbClr val="FF0000"/>
+                </a:solidFill>
+                <a:latin typeface="Consolas" panose="020B0609020204030204" pitchFamily="49" charset="0"/>
+                <a:ea typeface="+mn-ea"/>
+              </a:rPr>
+              <a:t>(13, 14), (14, 15), (15, 16), (16, 18), </a:t>
+            </a:r>
+          </a:p>
+          <a:p>
+            <a:pPr algn="l">
+              <a:lnSpc>
+                <a:spcPct val="130000"/>
+              </a:lnSpc>
+              <a:buClr>
+                <a:srgbClr val="C5003D"/>
+              </a:buClr>
+            </a:pPr>
+            <a:r>
+              <a:rPr lang="en-US" altLang="ko-KR" sz="1800">
+                <a:solidFill>
+                  <a:schemeClr val="tx1"/>
+                </a:solidFill>
+                <a:latin typeface="Consolas" panose="020B0609020204030204" pitchFamily="49" charset="0"/>
+                <a:ea typeface="+mn-ea"/>
+              </a:rPr>
+              <a:t>(19, 20), (20, 21), (21, 22), (23, 24), (24, 25), (26, 27), (28, 29), (29, 30), </a:t>
+            </a:r>
+          </a:p>
+          <a:p>
+            <a:pPr algn="l">
+              <a:lnSpc>
+                <a:spcPct val="130000"/>
+              </a:lnSpc>
+              <a:buClr>
+                <a:srgbClr val="C5003D"/>
+              </a:buClr>
+            </a:pPr>
+            <a:r>
+              <a:rPr lang="en-US" altLang="ko-KR" sz="1800">
+                <a:solidFill>
+                  <a:schemeClr val="tx1"/>
+                </a:solidFill>
+                <a:latin typeface="Consolas" panose="020B0609020204030204" pitchFamily="49" charset="0"/>
+                <a:ea typeface="+mn-ea"/>
+              </a:rPr>
+              <a:t>(30, 31), (31, 32), (0, 0)]</a:t>
+            </a:r>
+            <a:endParaRPr lang="ko-KR" altLang="en-US" sz="1800">
+              <a:solidFill>
+                <a:schemeClr val="tx1"/>
+              </a:solidFill>
+              <a:latin typeface="Consolas" panose="020B0609020204030204" pitchFamily="49" charset="0"/>
+              <a:ea typeface="+mn-ea"/>
+            </a:endParaRPr>
+          </a:p>
+        </p:txBody>
+      </p:sp>
+      <p:sp>
+        <p:nvSpPr>
+          <p:cNvPr id="19" name="TextBox 18">
+            <a:extLst>
+              <a:ext uri="{FF2B5EF4-FFF2-40B4-BE49-F238E27FC236}">
+                <a16:creationId xmlns:a16="http://schemas.microsoft.com/office/drawing/2014/main" id="{DDBA5A5C-2CFB-4BBE-850B-DD0E378CA125}"/>
+              </a:ext>
+            </a:extLst>
+          </p:cNvPr>
+          <p:cNvSpPr txBox="1"/>
+          <p:nvPr/>
+        </p:nvSpPr>
+        <p:spPr>
+          <a:xfrm>
+            <a:off x="124971" y="4607731"/>
+            <a:ext cx="10187404" cy="419923"/>
+          </a:xfrm>
+          <a:prstGeom prst="rect">
+            <a:avLst/>
+          </a:prstGeom>
+          <a:noFill/>
+        </p:spPr>
+        <p:txBody>
+          <a:bodyPr wrap="none" rtlCol="0">
+            <a:spAutoFit/>
+          </a:bodyPr>
+          <a:lstStyle/>
+          <a:p>
+            <a:pPr algn="l">
+              <a:lnSpc>
+                <a:spcPct val="130000"/>
+              </a:lnSpc>
+              <a:buClr>
+                <a:srgbClr val="C5003D"/>
+              </a:buClr>
+            </a:pPr>
+            <a:r>
+              <a:rPr lang="en-US" altLang="ko-KR" sz="1800">
+                <a:solidFill>
+                  <a:schemeClr val="tx1"/>
+                </a:solidFill>
+                <a:latin typeface="Consolas" panose="020B0609020204030204" pitchFamily="49" charset="0"/>
+                <a:ea typeface="+mn-ea"/>
+              </a:rPr>
+              <a:t>CLS 1989</a:t>
+            </a:r>
+            <a:r>
+              <a:rPr lang="ko-KR" altLang="en-US" sz="1800">
+                <a:solidFill>
+                  <a:schemeClr val="tx1"/>
+                </a:solidFill>
+                <a:latin typeface="Consolas" panose="020B0609020204030204" pitchFamily="49" charset="0"/>
+                <a:ea typeface="+mn-ea"/>
+              </a:rPr>
+              <a:t>년 </a:t>
+            </a:r>
+            <a:r>
+              <a:rPr lang="en-US" altLang="ko-KR" sz="1800">
+                <a:solidFill>
+                  <a:schemeClr val="tx1"/>
+                </a:solidFill>
+                <a:latin typeface="Consolas" panose="020B0609020204030204" pitchFamily="49" charset="0"/>
+                <a:ea typeface="+mn-ea"/>
+              </a:rPr>
+              <a:t>6</a:t>
+            </a:r>
+            <a:r>
+              <a:rPr lang="ko-KR" altLang="en-US" sz="1800">
+                <a:solidFill>
+                  <a:schemeClr val="tx1"/>
+                </a:solidFill>
+                <a:latin typeface="Consolas" panose="020B0609020204030204" pitchFamily="49" charset="0"/>
+                <a:ea typeface="+mn-ea"/>
+              </a:rPr>
+              <a:t>월 </a:t>
+            </a:r>
+            <a:r>
+              <a:rPr lang="en-US" altLang="ko-KR" sz="1800">
+                <a:solidFill>
+                  <a:schemeClr val="tx1"/>
+                </a:solidFill>
+                <a:latin typeface="Consolas" panose="020B0609020204030204" pitchFamily="49" charset="0"/>
+                <a:ea typeface="+mn-ea"/>
+              </a:rPr>
+              <a:t>30</a:t>
+            </a:r>
+            <a:r>
+              <a:rPr lang="ko-KR" altLang="en-US" sz="1800">
+                <a:solidFill>
+                  <a:schemeClr val="tx1"/>
+                </a:solidFill>
+                <a:latin typeface="Consolas" panose="020B0609020204030204" pitchFamily="49" charset="0"/>
+                <a:ea typeface="+mn-ea"/>
+              </a:rPr>
+              <a:t>일 평 </a:t>
+            </a:r>
+            <a:r>
+              <a:rPr lang="en-US" altLang="ko-KR" sz="1800">
+                <a:solidFill>
+                  <a:schemeClr val="tx1"/>
+                </a:solidFill>
+                <a:latin typeface="Consolas" panose="020B0609020204030204" pitchFamily="49" charset="0"/>
+                <a:ea typeface="+mn-ea"/>
+              </a:rPr>
+              <a:t>##</a:t>
+            </a:r>
+            <a:r>
+              <a:rPr lang="ko-KR" altLang="en-US" sz="1800">
+                <a:solidFill>
+                  <a:schemeClr val="tx1"/>
+                </a:solidFill>
+                <a:latin typeface="Consolas" panose="020B0609020204030204" pitchFamily="49" charset="0"/>
+                <a:ea typeface="+mn-ea"/>
+              </a:rPr>
+              <a:t>양 </a:t>
+            </a:r>
+            <a:r>
+              <a:rPr lang="en-US" altLang="ko-KR" sz="1800">
+                <a:solidFill>
+                  <a:schemeClr val="tx1"/>
+                </a:solidFill>
+                <a:latin typeface="Consolas" panose="020B0609020204030204" pitchFamily="49" charset="0"/>
+                <a:ea typeface="+mn-ea"/>
+              </a:rPr>
+              <a:t>##</a:t>
+            </a:r>
+            <a:r>
+              <a:rPr lang="ko-KR" altLang="en-US" sz="1800">
+                <a:solidFill>
+                  <a:schemeClr val="tx1"/>
+                </a:solidFill>
+                <a:latin typeface="Consolas" panose="020B0609020204030204" pitchFamily="49" charset="0"/>
+                <a:ea typeface="+mn-ea"/>
+              </a:rPr>
+              <a:t>축 </a:t>
+            </a:r>
+            <a:r>
+              <a:rPr lang="en-US" altLang="ko-KR" sz="1800">
+                <a:solidFill>
+                  <a:schemeClr val="tx1"/>
+                </a:solidFill>
+                <a:latin typeface="Consolas" panose="020B0609020204030204" pitchFamily="49" charset="0"/>
+                <a:ea typeface="+mn-ea"/>
+              </a:rPr>
+              <a:t>##</a:t>
+            </a:r>
+            <a:r>
+              <a:rPr lang="ko-KR" altLang="en-US" sz="1800">
+                <a:solidFill>
+                  <a:schemeClr val="tx1"/>
+                </a:solidFill>
+                <a:latin typeface="Consolas" panose="020B0609020204030204" pitchFamily="49" charset="0"/>
+                <a:ea typeface="+mn-ea"/>
+              </a:rPr>
+              <a:t>전에 대 </a:t>
+            </a:r>
+            <a:r>
+              <a:rPr lang="en-US" altLang="ko-KR" sz="1800">
+                <a:solidFill>
+                  <a:schemeClr val="tx1"/>
+                </a:solidFill>
+                <a:latin typeface="Consolas" panose="020B0609020204030204" pitchFamily="49" charset="0"/>
+                <a:ea typeface="+mn-ea"/>
+              </a:rPr>
+              <a:t>##</a:t>
+            </a:r>
+            <a:r>
+              <a:rPr lang="ko-KR" altLang="en-US" sz="1800">
+                <a:solidFill>
+                  <a:schemeClr val="tx1"/>
+                </a:solidFill>
+                <a:latin typeface="Consolas" panose="020B0609020204030204" pitchFamily="49" charset="0"/>
+                <a:ea typeface="+mn-ea"/>
+              </a:rPr>
+              <a:t>표 </a:t>
+            </a:r>
+            <a:r>
+              <a:rPr lang="en-US" altLang="ko-KR" sz="1800">
+                <a:solidFill>
+                  <a:schemeClr val="tx1"/>
+                </a:solidFill>
+                <a:latin typeface="Consolas" panose="020B0609020204030204" pitchFamily="49" charset="0"/>
+                <a:ea typeface="+mn-ea"/>
+              </a:rPr>
+              <a:t>##</a:t>
+            </a:r>
+            <a:r>
+              <a:rPr lang="ko-KR" altLang="en-US" sz="1800">
+                <a:solidFill>
+                  <a:schemeClr val="tx1"/>
+                </a:solidFill>
+                <a:latin typeface="Consolas" panose="020B0609020204030204" pitchFamily="49" charset="0"/>
+                <a:ea typeface="+mn-ea"/>
+              </a:rPr>
+              <a:t>로 파 </a:t>
+            </a:r>
+            <a:r>
+              <a:rPr lang="en-US" altLang="ko-KR" sz="1800">
+                <a:solidFill>
+                  <a:schemeClr val="tx1"/>
+                </a:solidFill>
+                <a:latin typeface="Consolas" panose="020B0609020204030204" pitchFamily="49" charset="0"/>
+                <a:ea typeface="+mn-ea"/>
+              </a:rPr>
+              <a:t>##</a:t>
+            </a:r>
+            <a:r>
+              <a:rPr lang="ko-KR" altLang="en-US" sz="1800">
+                <a:solidFill>
+                  <a:schemeClr val="tx1"/>
+                </a:solidFill>
+                <a:latin typeface="Consolas" panose="020B0609020204030204" pitchFamily="49" charset="0"/>
+                <a:ea typeface="+mn-ea"/>
+              </a:rPr>
+              <a:t>견 된 인 </a:t>
+            </a:r>
+            <a:r>
+              <a:rPr lang="en-US" altLang="ko-KR" sz="1800">
+                <a:solidFill>
+                  <a:schemeClr val="tx1"/>
+                </a:solidFill>
+                <a:latin typeface="Consolas" panose="020B0609020204030204" pitchFamily="49" charset="0"/>
+                <a:ea typeface="+mn-ea"/>
+              </a:rPr>
+              <a:t>##</a:t>
+            </a:r>
+            <a:r>
+              <a:rPr lang="ko-KR" altLang="en-US" sz="1800">
+                <a:solidFill>
+                  <a:schemeClr val="tx1"/>
+                </a:solidFill>
+                <a:latin typeface="Consolas" panose="020B0609020204030204" pitchFamily="49" charset="0"/>
+                <a:ea typeface="+mn-ea"/>
+              </a:rPr>
+              <a:t>물 </a:t>
+            </a:r>
+            <a:r>
+              <a:rPr lang="en-US" altLang="ko-KR" sz="1800">
+                <a:solidFill>
+                  <a:schemeClr val="tx1"/>
+                </a:solidFill>
+                <a:latin typeface="Consolas" panose="020B0609020204030204" pitchFamily="49" charset="0"/>
+                <a:ea typeface="+mn-ea"/>
+              </a:rPr>
+              <a:t>##</a:t>
+            </a:r>
+            <a:r>
+              <a:rPr lang="ko-KR" altLang="en-US" sz="1800">
+                <a:solidFill>
+                  <a:schemeClr val="tx1"/>
+                </a:solidFill>
+                <a:latin typeface="Consolas" panose="020B0609020204030204" pitchFamily="49" charset="0"/>
+                <a:ea typeface="+mn-ea"/>
+              </a:rPr>
+              <a:t>은 </a:t>
+            </a:r>
+            <a:r>
+              <a:rPr lang="en-US" altLang="ko-KR" sz="1800">
+                <a:solidFill>
+                  <a:schemeClr val="tx1"/>
+                </a:solidFill>
+                <a:latin typeface="Consolas" panose="020B0609020204030204" pitchFamily="49" charset="0"/>
+                <a:ea typeface="+mn-ea"/>
+              </a:rPr>
+              <a:t>? SEP</a:t>
+            </a:r>
+            <a:endParaRPr lang="ko-KR" altLang="en-US" sz="1800">
+              <a:solidFill>
+                <a:schemeClr val="tx1"/>
+              </a:solidFill>
+              <a:latin typeface="Consolas" panose="020B0609020204030204" pitchFamily="49" charset="0"/>
+              <a:ea typeface="+mn-ea"/>
+            </a:endParaRPr>
+          </a:p>
+        </p:txBody>
+      </p:sp>
+      <p:sp>
+        <p:nvSpPr>
+          <p:cNvPr id="3" name="직사각형 2">
+            <a:extLst>
+              <a:ext uri="{FF2B5EF4-FFF2-40B4-BE49-F238E27FC236}">
+                <a16:creationId xmlns:a16="http://schemas.microsoft.com/office/drawing/2014/main" id="{52F34A18-DC7B-436A-B081-720DB55579C8}"/>
+              </a:ext>
+            </a:extLst>
+          </p:cNvPr>
+          <p:cNvSpPr/>
+          <p:nvPr/>
+        </p:nvSpPr>
+        <p:spPr>
+          <a:xfrm>
+            <a:off x="307238" y="877823"/>
+            <a:ext cx="307072" cy="307072"/>
+          </a:xfrm>
+          <a:prstGeom prst="rect">
+            <a:avLst/>
+          </a:prstGeom>
+          <a:solidFill>
+            <a:srgbClr val="FFFFCC"/>
+          </a:solidFill>
+          <a:ln w="19050">
+            <a:solidFill>
+              <a:srgbClr val="FFC000"/>
+            </a:solidFill>
+          </a:ln>
+        </p:spPr>
+        <p:style>
+          <a:lnRef idx="2">
+            <a:schemeClr val="accent1">
+              <a:shade val="50000"/>
+            </a:schemeClr>
+          </a:lnRef>
+          <a:fillRef idx="1">
+            <a:schemeClr val="accent1"/>
+          </a:fillRef>
+          <a:effectRef idx="0">
+            <a:schemeClr val="accent1"/>
+          </a:effectRef>
+          <a:fontRef idx="minor">
+            <a:schemeClr val="lt1"/>
+          </a:fontRef>
+        </p:style>
+        <p:txBody>
+          <a:bodyPr lIns="36000" rIns="36000" rtlCol="0" anchor="ctr"/>
+          <a:lstStyle/>
+          <a:p>
+            <a:pPr algn="ctr"/>
+            <a:r>
+              <a:rPr lang="en-US" altLang="ko-KR" sz="1800">
+                <a:solidFill>
+                  <a:schemeClr val="tx1"/>
+                </a:solidFill>
+                <a:latin typeface="Consolas" panose="020B0609020204030204" pitchFamily="49" charset="0"/>
+              </a:rPr>
+              <a:t>1</a:t>
+            </a:r>
+            <a:endParaRPr lang="ko-KR" altLang="en-US" sz="1800">
+              <a:solidFill>
+                <a:schemeClr val="tx1"/>
+              </a:solidFill>
+              <a:latin typeface="Consolas" panose="020B0609020204030204" pitchFamily="49" charset="0"/>
+            </a:endParaRPr>
+          </a:p>
+        </p:txBody>
+      </p:sp>
+      <p:sp>
+        <p:nvSpPr>
+          <p:cNvPr id="5" name="직사각형 4">
+            <a:extLst>
+              <a:ext uri="{FF2B5EF4-FFF2-40B4-BE49-F238E27FC236}">
+                <a16:creationId xmlns:a16="http://schemas.microsoft.com/office/drawing/2014/main" id="{21F9AF8B-29F4-459E-96A3-B178E9A2C3E3}"/>
+              </a:ext>
+            </a:extLst>
+          </p:cNvPr>
+          <p:cNvSpPr/>
+          <p:nvPr/>
+        </p:nvSpPr>
+        <p:spPr>
+          <a:xfrm>
+            <a:off x="614310" y="877823"/>
+            <a:ext cx="307072" cy="307072"/>
+          </a:xfrm>
+          <a:prstGeom prst="rect">
+            <a:avLst/>
+          </a:prstGeom>
+          <a:solidFill>
+            <a:srgbClr val="FFFFCC"/>
+          </a:solidFill>
+          <a:ln w="19050">
+            <a:solidFill>
+              <a:srgbClr val="FFC000"/>
+            </a:solidFill>
+          </a:ln>
+        </p:spPr>
+        <p:style>
+          <a:lnRef idx="2">
+            <a:schemeClr val="accent1">
+              <a:shade val="50000"/>
+            </a:schemeClr>
+          </a:lnRef>
+          <a:fillRef idx="1">
+            <a:schemeClr val="accent1"/>
+          </a:fillRef>
+          <a:effectRef idx="0">
+            <a:schemeClr val="accent1"/>
+          </a:effectRef>
+          <a:fontRef idx="minor">
+            <a:schemeClr val="lt1"/>
+          </a:fontRef>
+        </p:style>
+        <p:txBody>
+          <a:bodyPr lIns="36000" rIns="36000" rtlCol="0" anchor="ctr"/>
+          <a:lstStyle/>
+          <a:p>
+            <a:pPr algn="ctr"/>
+            <a:r>
+              <a:rPr lang="en-US" altLang="ko-KR" sz="1800">
+                <a:solidFill>
+                  <a:schemeClr val="tx1"/>
+                </a:solidFill>
+                <a:latin typeface="Consolas" panose="020B0609020204030204" pitchFamily="49" charset="0"/>
+              </a:rPr>
+              <a:t>9</a:t>
+            </a:r>
+            <a:endParaRPr lang="ko-KR" altLang="en-US" sz="1800">
+              <a:solidFill>
+                <a:schemeClr val="tx1"/>
+              </a:solidFill>
+              <a:latin typeface="Consolas" panose="020B0609020204030204" pitchFamily="49" charset="0"/>
+            </a:endParaRPr>
+          </a:p>
+        </p:txBody>
+      </p:sp>
+      <p:sp>
+        <p:nvSpPr>
+          <p:cNvPr id="6" name="직사각형 5">
+            <a:extLst>
+              <a:ext uri="{FF2B5EF4-FFF2-40B4-BE49-F238E27FC236}">
+                <a16:creationId xmlns:a16="http://schemas.microsoft.com/office/drawing/2014/main" id="{30DB7224-7BE1-4775-BC6F-7BC6135A0488}"/>
+              </a:ext>
+            </a:extLst>
+          </p:cNvPr>
+          <p:cNvSpPr/>
+          <p:nvPr/>
+        </p:nvSpPr>
+        <p:spPr>
+          <a:xfrm>
+            <a:off x="921382" y="877823"/>
+            <a:ext cx="307072" cy="307072"/>
+          </a:xfrm>
+          <a:prstGeom prst="rect">
+            <a:avLst/>
+          </a:prstGeom>
+          <a:solidFill>
+            <a:srgbClr val="FFFFCC"/>
+          </a:solidFill>
+          <a:ln w="19050">
+            <a:solidFill>
+              <a:srgbClr val="FFC000"/>
+            </a:solidFill>
+          </a:ln>
+        </p:spPr>
+        <p:style>
+          <a:lnRef idx="2">
+            <a:schemeClr val="accent1">
+              <a:shade val="50000"/>
+            </a:schemeClr>
+          </a:lnRef>
+          <a:fillRef idx="1">
+            <a:schemeClr val="accent1"/>
+          </a:fillRef>
+          <a:effectRef idx="0">
+            <a:schemeClr val="accent1"/>
+          </a:effectRef>
+          <a:fontRef idx="minor">
+            <a:schemeClr val="lt1"/>
+          </a:fontRef>
+        </p:style>
+        <p:txBody>
+          <a:bodyPr lIns="36000" rIns="36000" rtlCol="0" anchor="ctr"/>
+          <a:lstStyle/>
+          <a:p>
+            <a:pPr algn="ctr"/>
+            <a:r>
+              <a:rPr lang="en-US" altLang="ko-KR" sz="1800">
+                <a:solidFill>
+                  <a:schemeClr val="tx1"/>
+                </a:solidFill>
+                <a:latin typeface="Consolas" panose="020B0609020204030204" pitchFamily="49" charset="0"/>
+              </a:rPr>
+              <a:t>8</a:t>
+            </a:r>
+            <a:endParaRPr lang="ko-KR" altLang="en-US" sz="1800">
+              <a:solidFill>
+                <a:schemeClr val="tx1"/>
+              </a:solidFill>
+              <a:latin typeface="Consolas" panose="020B0609020204030204" pitchFamily="49" charset="0"/>
+            </a:endParaRPr>
+          </a:p>
+        </p:txBody>
+      </p:sp>
+      <p:sp>
+        <p:nvSpPr>
+          <p:cNvPr id="7" name="직사각형 6">
+            <a:extLst>
+              <a:ext uri="{FF2B5EF4-FFF2-40B4-BE49-F238E27FC236}">
+                <a16:creationId xmlns:a16="http://schemas.microsoft.com/office/drawing/2014/main" id="{FE603EE9-6942-4CF5-A572-0D2959A9E6B6}"/>
+              </a:ext>
+            </a:extLst>
+          </p:cNvPr>
+          <p:cNvSpPr/>
+          <p:nvPr/>
+        </p:nvSpPr>
+        <p:spPr>
+          <a:xfrm>
+            <a:off x="1228455" y="877823"/>
+            <a:ext cx="307072" cy="307072"/>
+          </a:xfrm>
+          <a:prstGeom prst="rect">
+            <a:avLst/>
+          </a:prstGeom>
+          <a:solidFill>
+            <a:srgbClr val="FFFFCC"/>
+          </a:solidFill>
+          <a:ln w="19050">
+            <a:solidFill>
+              <a:srgbClr val="FFC000"/>
+            </a:solidFill>
+          </a:ln>
+        </p:spPr>
+        <p:style>
+          <a:lnRef idx="2">
+            <a:schemeClr val="accent1">
+              <a:shade val="50000"/>
+            </a:schemeClr>
+          </a:lnRef>
+          <a:fillRef idx="1">
+            <a:schemeClr val="accent1"/>
+          </a:fillRef>
+          <a:effectRef idx="0">
+            <a:schemeClr val="accent1"/>
+          </a:effectRef>
+          <a:fontRef idx="minor">
+            <a:schemeClr val="lt1"/>
+          </a:fontRef>
+        </p:style>
+        <p:txBody>
+          <a:bodyPr lIns="36000" rIns="36000" rtlCol="0" anchor="ctr"/>
+          <a:lstStyle/>
+          <a:p>
+            <a:pPr algn="ctr"/>
+            <a:r>
+              <a:rPr lang="en-US" altLang="ko-KR" sz="1800">
+                <a:solidFill>
+                  <a:schemeClr val="tx1"/>
+                </a:solidFill>
+                <a:latin typeface="Consolas" panose="020B0609020204030204" pitchFamily="49" charset="0"/>
+              </a:rPr>
+              <a:t>9</a:t>
+            </a:r>
+            <a:endParaRPr lang="ko-KR" altLang="en-US" sz="1800">
+              <a:solidFill>
+                <a:schemeClr val="tx1"/>
+              </a:solidFill>
+              <a:latin typeface="Consolas" panose="020B0609020204030204" pitchFamily="49" charset="0"/>
+            </a:endParaRPr>
+          </a:p>
+        </p:txBody>
+      </p:sp>
+      <p:sp>
+        <p:nvSpPr>
+          <p:cNvPr id="8" name="직사각형 7">
+            <a:extLst>
+              <a:ext uri="{FF2B5EF4-FFF2-40B4-BE49-F238E27FC236}">
+                <a16:creationId xmlns:a16="http://schemas.microsoft.com/office/drawing/2014/main" id="{C5E6C804-A94F-46E8-8B76-0F4BE9BABC18}"/>
+              </a:ext>
+            </a:extLst>
+          </p:cNvPr>
+          <p:cNvSpPr/>
+          <p:nvPr/>
+        </p:nvSpPr>
+        <p:spPr>
+          <a:xfrm>
+            <a:off x="1535527" y="877823"/>
+            <a:ext cx="307072" cy="307072"/>
+          </a:xfrm>
+          <a:prstGeom prst="rect">
+            <a:avLst/>
+          </a:prstGeom>
+          <a:solidFill>
+            <a:srgbClr val="FFFFCC"/>
+          </a:solidFill>
+          <a:ln w="19050">
+            <a:solidFill>
+              <a:srgbClr val="FFC000"/>
+            </a:solidFill>
+          </a:ln>
+        </p:spPr>
+        <p:style>
+          <a:lnRef idx="2">
+            <a:schemeClr val="accent1">
+              <a:shade val="50000"/>
+            </a:schemeClr>
+          </a:lnRef>
+          <a:fillRef idx="1">
+            <a:schemeClr val="accent1"/>
+          </a:fillRef>
+          <a:effectRef idx="0">
+            <a:schemeClr val="accent1"/>
+          </a:effectRef>
+          <a:fontRef idx="minor">
+            <a:schemeClr val="lt1"/>
+          </a:fontRef>
+        </p:style>
+        <p:txBody>
+          <a:bodyPr lIns="36000" rIns="36000" rtlCol="0" anchor="ctr"/>
+          <a:lstStyle/>
+          <a:p>
+            <a:pPr algn="ctr"/>
+            <a:r>
+              <a:rPr lang="ko-KR" altLang="en-US" sz="1800">
+                <a:solidFill>
+                  <a:schemeClr val="tx1"/>
+                </a:solidFill>
+                <a:latin typeface="Consolas" panose="020B0609020204030204" pitchFamily="49" charset="0"/>
+              </a:rPr>
+              <a:t>년</a:t>
+            </a:r>
+          </a:p>
+        </p:txBody>
+      </p:sp>
+      <p:sp>
+        <p:nvSpPr>
+          <p:cNvPr id="9" name="직사각형 8">
+            <a:extLst>
+              <a:ext uri="{FF2B5EF4-FFF2-40B4-BE49-F238E27FC236}">
+                <a16:creationId xmlns:a16="http://schemas.microsoft.com/office/drawing/2014/main" id="{96036307-B3E6-4849-90BE-096C653A8E3B}"/>
+              </a:ext>
+            </a:extLst>
+          </p:cNvPr>
+          <p:cNvSpPr/>
+          <p:nvPr/>
+        </p:nvSpPr>
+        <p:spPr>
+          <a:xfrm>
+            <a:off x="1842599" y="877823"/>
+            <a:ext cx="307072" cy="307072"/>
+          </a:xfrm>
+          <a:prstGeom prst="rect">
+            <a:avLst/>
+          </a:prstGeom>
+          <a:solidFill>
+            <a:srgbClr val="FFFFCC"/>
+          </a:solidFill>
+          <a:ln w="19050">
+            <a:solidFill>
+              <a:srgbClr val="FFC000"/>
+            </a:solidFill>
+          </a:ln>
+        </p:spPr>
+        <p:style>
+          <a:lnRef idx="2">
+            <a:schemeClr val="accent1">
+              <a:shade val="50000"/>
+            </a:schemeClr>
+          </a:lnRef>
+          <a:fillRef idx="1">
+            <a:schemeClr val="accent1"/>
+          </a:fillRef>
+          <a:effectRef idx="0">
+            <a:schemeClr val="accent1"/>
+          </a:effectRef>
+          <a:fontRef idx="minor">
+            <a:schemeClr val="lt1"/>
+          </a:fontRef>
+        </p:style>
+        <p:txBody>
+          <a:bodyPr lIns="36000" rIns="36000" rtlCol="0" anchor="ctr"/>
+          <a:lstStyle/>
+          <a:p>
+            <a:pPr algn="ctr"/>
+            <a:endParaRPr lang="ko-KR" altLang="en-US" sz="1800">
+              <a:solidFill>
+                <a:schemeClr val="tx1"/>
+              </a:solidFill>
+              <a:latin typeface="Consolas" panose="020B0609020204030204" pitchFamily="49" charset="0"/>
+            </a:endParaRPr>
+          </a:p>
+        </p:txBody>
+      </p:sp>
+      <p:sp>
+        <p:nvSpPr>
+          <p:cNvPr id="10" name="직사각형 9">
+            <a:extLst>
+              <a:ext uri="{FF2B5EF4-FFF2-40B4-BE49-F238E27FC236}">
+                <a16:creationId xmlns:a16="http://schemas.microsoft.com/office/drawing/2014/main" id="{47D734FD-0294-486A-B267-AB3101BF149E}"/>
+              </a:ext>
+            </a:extLst>
+          </p:cNvPr>
+          <p:cNvSpPr/>
+          <p:nvPr/>
+        </p:nvSpPr>
+        <p:spPr>
+          <a:xfrm>
+            <a:off x="2149671" y="877823"/>
+            <a:ext cx="307072" cy="307072"/>
+          </a:xfrm>
+          <a:prstGeom prst="rect">
+            <a:avLst/>
+          </a:prstGeom>
+          <a:solidFill>
+            <a:srgbClr val="FFFFCC"/>
+          </a:solidFill>
+          <a:ln w="19050">
+            <a:solidFill>
+              <a:srgbClr val="FFC000"/>
+            </a:solidFill>
+          </a:ln>
+        </p:spPr>
+        <p:style>
+          <a:lnRef idx="2">
+            <a:schemeClr val="accent1">
+              <a:shade val="50000"/>
+            </a:schemeClr>
+          </a:lnRef>
+          <a:fillRef idx="1">
+            <a:schemeClr val="accent1"/>
+          </a:fillRef>
+          <a:effectRef idx="0">
+            <a:schemeClr val="accent1"/>
+          </a:effectRef>
+          <a:fontRef idx="minor">
+            <a:schemeClr val="lt1"/>
+          </a:fontRef>
+        </p:style>
+        <p:txBody>
+          <a:bodyPr lIns="36000" rIns="36000" rtlCol="0" anchor="ctr"/>
+          <a:lstStyle/>
+          <a:p>
+            <a:pPr algn="ctr"/>
+            <a:r>
+              <a:rPr lang="en-US" altLang="ko-KR" sz="1800">
+                <a:solidFill>
+                  <a:schemeClr val="tx1"/>
+                </a:solidFill>
+                <a:latin typeface="Consolas" panose="020B0609020204030204" pitchFamily="49" charset="0"/>
+              </a:rPr>
+              <a:t>6</a:t>
+            </a:r>
+            <a:endParaRPr lang="ko-KR" altLang="en-US" sz="1800">
+              <a:solidFill>
+                <a:schemeClr val="tx1"/>
+              </a:solidFill>
+              <a:latin typeface="Consolas" panose="020B0609020204030204" pitchFamily="49" charset="0"/>
+            </a:endParaRPr>
+          </a:p>
+        </p:txBody>
+      </p:sp>
+      <p:sp>
+        <p:nvSpPr>
+          <p:cNvPr id="11" name="직사각형 10">
+            <a:extLst>
+              <a:ext uri="{FF2B5EF4-FFF2-40B4-BE49-F238E27FC236}">
+                <a16:creationId xmlns:a16="http://schemas.microsoft.com/office/drawing/2014/main" id="{F40730F0-DF8A-416F-84B3-B78C736919CC}"/>
+              </a:ext>
+            </a:extLst>
+          </p:cNvPr>
+          <p:cNvSpPr/>
+          <p:nvPr/>
+        </p:nvSpPr>
+        <p:spPr>
+          <a:xfrm>
+            <a:off x="2456743" y="877823"/>
+            <a:ext cx="307072" cy="307072"/>
+          </a:xfrm>
+          <a:prstGeom prst="rect">
+            <a:avLst/>
+          </a:prstGeom>
+          <a:solidFill>
+            <a:srgbClr val="FFFFCC"/>
+          </a:solidFill>
+          <a:ln w="19050">
+            <a:solidFill>
+              <a:srgbClr val="FFC000"/>
+            </a:solidFill>
+          </a:ln>
+        </p:spPr>
+        <p:style>
+          <a:lnRef idx="2">
+            <a:schemeClr val="accent1">
+              <a:shade val="50000"/>
+            </a:schemeClr>
+          </a:lnRef>
+          <a:fillRef idx="1">
+            <a:schemeClr val="accent1"/>
+          </a:fillRef>
+          <a:effectRef idx="0">
+            <a:schemeClr val="accent1"/>
+          </a:effectRef>
+          <a:fontRef idx="minor">
+            <a:schemeClr val="lt1"/>
+          </a:fontRef>
+        </p:style>
+        <p:txBody>
+          <a:bodyPr lIns="36000" rIns="36000" rtlCol="0" anchor="ctr"/>
+          <a:lstStyle/>
+          <a:p>
+            <a:pPr algn="ctr"/>
+            <a:r>
+              <a:rPr lang="ko-KR" altLang="en-US" sz="1800">
+                <a:solidFill>
+                  <a:schemeClr val="tx1"/>
+                </a:solidFill>
+                <a:latin typeface="Consolas" panose="020B0609020204030204" pitchFamily="49" charset="0"/>
+              </a:rPr>
+              <a:t>월</a:t>
+            </a:r>
+          </a:p>
+        </p:txBody>
+      </p:sp>
+      <p:sp>
+        <p:nvSpPr>
+          <p:cNvPr id="12" name="직사각형 11">
+            <a:extLst>
+              <a:ext uri="{FF2B5EF4-FFF2-40B4-BE49-F238E27FC236}">
+                <a16:creationId xmlns:a16="http://schemas.microsoft.com/office/drawing/2014/main" id="{D19F1FA9-1710-4F23-8257-D9C58A8391A9}"/>
+              </a:ext>
+            </a:extLst>
+          </p:cNvPr>
+          <p:cNvSpPr/>
+          <p:nvPr/>
+        </p:nvSpPr>
+        <p:spPr>
+          <a:xfrm>
+            <a:off x="2763815" y="877823"/>
+            <a:ext cx="307072" cy="307072"/>
+          </a:xfrm>
+          <a:prstGeom prst="rect">
+            <a:avLst/>
+          </a:prstGeom>
+          <a:solidFill>
+            <a:srgbClr val="FFFFCC"/>
+          </a:solidFill>
+          <a:ln w="19050">
+            <a:solidFill>
+              <a:srgbClr val="FFC000"/>
+            </a:solidFill>
+          </a:ln>
+        </p:spPr>
+        <p:style>
+          <a:lnRef idx="2">
+            <a:schemeClr val="accent1">
+              <a:shade val="50000"/>
+            </a:schemeClr>
+          </a:lnRef>
+          <a:fillRef idx="1">
+            <a:schemeClr val="accent1"/>
+          </a:fillRef>
+          <a:effectRef idx="0">
+            <a:schemeClr val="accent1"/>
+          </a:effectRef>
+          <a:fontRef idx="minor">
+            <a:schemeClr val="lt1"/>
+          </a:fontRef>
+        </p:style>
+        <p:txBody>
+          <a:bodyPr lIns="36000" rIns="36000" rtlCol="0" anchor="ctr"/>
+          <a:lstStyle/>
+          <a:p>
+            <a:pPr algn="ctr"/>
+            <a:endParaRPr lang="ko-KR" altLang="en-US" sz="1800">
+              <a:solidFill>
+                <a:schemeClr val="tx1"/>
+              </a:solidFill>
+              <a:latin typeface="Consolas" panose="020B0609020204030204" pitchFamily="49" charset="0"/>
+            </a:endParaRPr>
+          </a:p>
+        </p:txBody>
+      </p:sp>
+      <p:sp>
+        <p:nvSpPr>
+          <p:cNvPr id="13" name="직사각형 12">
+            <a:extLst>
+              <a:ext uri="{FF2B5EF4-FFF2-40B4-BE49-F238E27FC236}">
+                <a16:creationId xmlns:a16="http://schemas.microsoft.com/office/drawing/2014/main" id="{5AF45D0D-7785-4210-ADA8-AFE739A1CBF5}"/>
+              </a:ext>
+            </a:extLst>
+          </p:cNvPr>
+          <p:cNvSpPr/>
+          <p:nvPr/>
+        </p:nvSpPr>
+        <p:spPr>
+          <a:xfrm>
+            <a:off x="3070888" y="877823"/>
+            <a:ext cx="307072" cy="307072"/>
+          </a:xfrm>
+          <a:prstGeom prst="rect">
+            <a:avLst/>
+          </a:prstGeom>
+          <a:solidFill>
+            <a:srgbClr val="FFFFCC"/>
+          </a:solidFill>
+          <a:ln w="19050">
+            <a:solidFill>
+              <a:srgbClr val="FFC000"/>
+            </a:solidFill>
+          </a:ln>
+        </p:spPr>
+        <p:style>
+          <a:lnRef idx="2">
+            <a:schemeClr val="accent1">
+              <a:shade val="50000"/>
+            </a:schemeClr>
+          </a:lnRef>
+          <a:fillRef idx="1">
+            <a:schemeClr val="accent1"/>
+          </a:fillRef>
+          <a:effectRef idx="0">
+            <a:schemeClr val="accent1"/>
+          </a:effectRef>
+          <a:fontRef idx="minor">
+            <a:schemeClr val="lt1"/>
+          </a:fontRef>
+        </p:style>
+        <p:txBody>
+          <a:bodyPr lIns="36000" rIns="36000" rtlCol="0" anchor="ctr"/>
+          <a:lstStyle/>
+          <a:p>
+            <a:pPr algn="ctr"/>
+            <a:r>
+              <a:rPr lang="en-US" altLang="ko-KR" sz="1800">
+                <a:solidFill>
+                  <a:schemeClr val="tx1"/>
+                </a:solidFill>
+                <a:latin typeface="Consolas" panose="020B0609020204030204" pitchFamily="49" charset="0"/>
+              </a:rPr>
+              <a:t>3</a:t>
+            </a:r>
+            <a:endParaRPr lang="ko-KR" altLang="en-US" sz="1800">
+              <a:solidFill>
+                <a:schemeClr val="tx1"/>
+              </a:solidFill>
+              <a:latin typeface="Consolas" panose="020B0609020204030204" pitchFamily="49" charset="0"/>
+            </a:endParaRPr>
+          </a:p>
+        </p:txBody>
+      </p:sp>
+      <p:sp>
+        <p:nvSpPr>
+          <p:cNvPr id="14" name="직사각형 13">
+            <a:extLst>
+              <a:ext uri="{FF2B5EF4-FFF2-40B4-BE49-F238E27FC236}">
+                <a16:creationId xmlns:a16="http://schemas.microsoft.com/office/drawing/2014/main" id="{455BAFCA-B2FB-499B-8EA8-D50445EF7A64}"/>
+              </a:ext>
+            </a:extLst>
+          </p:cNvPr>
+          <p:cNvSpPr/>
+          <p:nvPr/>
+        </p:nvSpPr>
+        <p:spPr>
+          <a:xfrm>
+            <a:off x="3377960" y="877823"/>
+            <a:ext cx="307072" cy="307072"/>
+          </a:xfrm>
+          <a:prstGeom prst="rect">
+            <a:avLst/>
+          </a:prstGeom>
+          <a:solidFill>
+            <a:srgbClr val="FFFFCC"/>
+          </a:solidFill>
+          <a:ln w="19050">
+            <a:solidFill>
+              <a:srgbClr val="FFC000"/>
+            </a:solidFill>
+          </a:ln>
+        </p:spPr>
+        <p:style>
+          <a:lnRef idx="2">
+            <a:schemeClr val="accent1">
+              <a:shade val="50000"/>
+            </a:schemeClr>
+          </a:lnRef>
+          <a:fillRef idx="1">
+            <a:schemeClr val="accent1"/>
+          </a:fillRef>
+          <a:effectRef idx="0">
+            <a:schemeClr val="accent1"/>
+          </a:effectRef>
+          <a:fontRef idx="minor">
+            <a:schemeClr val="lt1"/>
+          </a:fontRef>
+        </p:style>
+        <p:txBody>
+          <a:bodyPr lIns="36000" rIns="36000" rtlCol="0" anchor="ctr"/>
+          <a:lstStyle/>
+          <a:p>
+            <a:pPr algn="ctr"/>
+            <a:r>
+              <a:rPr lang="en-US" altLang="ko-KR" sz="1800">
+                <a:solidFill>
+                  <a:schemeClr val="tx1"/>
+                </a:solidFill>
+                <a:latin typeface="Consolas" panose="020B0609020204030204" pitchFamily="49" charset="0"/>
+              </a:rPr>
+              <a:t>0</a:t>
+            </a:r>
+            <a:endParaRPr lang="ko-KR" altLang="en-US" sz="1800">
+              <a:solidFill>
+                <a:schemeClr val="tx1"/>
+              </a:solidFill>
+              <a:latin typeface="Consolas" panose="020B0609020204030204" pitchFamily="49" charset="0"/>
+            </a:endParaRPr>
+          </a:p>
+        </p:txBody>
+      </p:sp>
+      <p:sp>
+        <p:nvSpPr>
+          <p:cNvPr id="15" name="직사각형 14">
+            <a:extLst>
+              <a:ext uri="{FF2B5EF4-FFF2-40B4-BE49-F238E27FC236}">
+                <a16:creationId xmlns:a16="http://schemas.microsoft.com/office/drawing/2014/main" id="{7C502FD3-2174-407A-A226-26CD4342200E}"/>
+              </a:ext>
+            </a:extLst>
+          </p:cNvPr>
+          <p:cNvSpPr/>
+          <p:nvPr/>
+        </p:nvSpPr>
+        <p:spPr>
+          <a:xfrm>
+            <a:off x="3685032" y="877823"/>
+            <a:ext cx="307072" cy="307072"/>
+          </a:xfrm>
+          <a:prstGeom prst="rect">
+            <a:avLst/>
+          </a:prstGeom>
+          <a:solidFill>
+            <a:srgbClr val="FFFFCC"/>
+          </a:solidFill>
+          <a:ln w="19050">
+            <a:solidFill>
+              <a:srgbClr val="FFC000"/>
+            </a:solidFill>
+          </a:ln>
+        </p:spPr>
+        <p:style>
+          <a:lnRef idx="2">
+            <a:schemeClr val="accent1">
+              <a:shade val="50000"/>
+            </a:schemeClr>
+          </a:lnRef>
+          <a:fillRef idx="1">
+            <a:schemeClr val="accent1"/>
+          </a:fillRef>
+          <a:effectRef idx="0">
+            <a:schemeClr val="accent1"/>
+          </a:effectRef>
+          <a:fontRef idx="minor">
+            <a:schemeClr val="lt1"/>
+          </a:fontRef>
+        </p:style>
+        <p:txBody>
+          <a:bodyPr lIns="36000" rIns="36000" rtlCol="0" anchor="ctr"/>
+          <a:lstStyle/>
+          <a:p>
+            <a:pPr algn="ctr"/>
+            <a:r>
+              <a:rPr lang="ko-KR" altLang="en-US" sz="1800">
+                <a:solidFill>
+                  <a:schemeClr val="tx1"/>
+                </a:solidFill>
+                <a:latin typeface="Consolas" panose="020B0609020204030204" pitchFamily="49" charset="0"/>
+              </a:rPr>
+              <a:t>일</a:t>
+            </a:r>
+          </a:p>
+        </p:txBody>
+      </p:sp>
+      <p:sp>
+        <p:nvSpPr>
+          <p:cNvPr id="16" name="직사각형 15">
+            <a:extLst>
+              <a:ext uri="{FF2B5EF4-FFF2-40B4-BE49-F238E27FC236}">
+                <a16:creationId xmlns:a16="http://schemas.microsoft.com/office/drawing/2014/main" id="{FE7CD1DF-8AE7-45F3-BB66-810920CA184E}"/>
+              </a:ext>
+            </a:extLst>
+          </p:cNvPr>
+          <p:cNvSpPr/>
+          <p:nvPr/>
+        </p:nvSpPr>
+        <p:spPr>
+          <a:xfrm>
+            <a:off x="3992104" y="877823"/>
+            <a:ext cx="307072" cy="307072"/>
+          </a:xfrm>
+          <a:prstGeom prst="rect">
+            <a:avLst/>
+          </a:prstGeom>
+          <a:solidFill>
+            <a:srgbClr val="FFFFCC"/>
+          </a:solidFill>
+          <a:ln w="19050">
+            <a:solidFill>
+              <a:srgbClr val="FFC000"/>
+            </a:solidFill>
+          </a:ln>
+        </p:spPr>
+        <p:style>
+          <a:lnRef idx="2">
+            <a:schemeClr val="accent1">
+              <a:shade val="50000"/>
+            </a:schemeClr>
+          </a:lnRef>
+          <a:fillRef idx="1">
+            <a:schemeClr val="accent1"/>
+          </a:fillRef>
+          <a:effectRef idx="0">
+            <a:schemeClr val="accent1"/>
+          </a:effectRef>
+          <a:fontRef idx="minor">
+            <a:schemeClr val="lt1"/>
+          </a:fontRef>
+        </p:style>
+        <p:txBody>
+          <a:bodyPr lIns="36000" rIns="36000" rtlCol="0" anchor="ctr"/>
+          <a:lstStyle/>
+          <a:p>
+            <a:pPr algn="ctr"/>
+            <a:endParaRPr lang="ko-KR" altLang="en-US" sz="1800">
+              <a:solidFill>
+                <a:schemeClr val="tx1"/>
+              </a:solidFill>
+              <a:latin typeface="Consolas" panose="020B0609020204030204" pitchFamily="49" charset="0"/>
+            </a:endParaRPr>
+          </a:p>
+        </p:txBody>
+      </p:sp>
+      <p:sp>
+        <p:nvSpPr>
+          <p:cNvPr id="17" name="직사각형 16">
+            <a:extLst>
+              <a:ext uri="{FF2B5EF4-FFF2-40B4-BE49-F238E27FC236}">
+                <a16:creationId xmlns:a16="http://schemas.microsoft.com/office/drawing/2014/main" id="{351FCFC7-7E10-4578-8E63-E260ADA4B6E7}"/>
+              </a:ext>
+            </a:extLst>
+          </p:cNvPr>
+          <p:cNvSpPr/>
+          <p:nvPr/>
+        </p:nvSpPr>
+        <p:spPr>
+          <a:xfrm>
+            <a:off x="4299176" y="877823"/>
+            <a:ext cx="307072" cy="307072"/>
+          </a:xfrm>
+          <a:prstGeom prst="rect">
+            <a:avLst/>
+          </a:prstGeom>
+          <a:solidFill>
+            <a:srgbClr val="FFFF00"/>
+          </a:solidFill>
+          <a:ln w="19050">
+            <a:solidFill>
+              <a:srgbClr val="FFC000"/>
+            </a:solidFill>
+          </a:ln>
+        </p:spPr>
+        <p:style>
+          <a:lnRef idx="2">
+            <a:schemeClr val="accent1">
+              <a:shade val="50000"/>
+            </a:schemeClr>
+          </a:lnRef>
+          <a:fillRef idx="1">
+            <a:schemeClr val="accent1"/>
+          </a:fillRef>
+          <a:effectRef idx="0">
+            <a:schemeClr val="accent1"/>
+          </a:effectRef>
+          <a:fontRef idx="minor">
+            <a:schemeClr val="lt1"/>
+          </a:fontRef>
+        </p:style>
+        <p:txBody>
+          <a:bodyPr lIns="36000" rIns="36000" rtlCol="0" anchor="ctr"/>
+          <a:lstStyle/>
+          <a:p>
+            <a:pPr algn="ctr"/>
+            <a:r>
+              <a:rPr lang="ko-KR" altLang="en-US" sz="1800">
+                <a:solidFill>
+                  <a:schemeClr val="tx1"/>
+                </a:solidFill>
+                <a:latin typeface="Consolas" panose="020B0609020204030204" pitchFamily="49" charset="0"/>
+              </a:rPr>
+              <a:t>평</a:t>
+            </a:r>
+          </a:p>
+        </p:txBody>
+      </p:sp>
+      <p:sp>
+        <p:nvSpPr>
+          <p:cNvPr id="21" name="직사각형 20">
+            <a:extLst>
+              <a:ext uri="{FF2B5EF4-FFF2-40B4-BE49-F238E27FC236}">
+                <a16:creationId xmlns:a16="http://schemas.microsoft.com/office/drawing/2014/main" id="{7A1474B6-8174-43D5-8B4B-F6128B0B3795}"/>
+              </a:ext>
+            </a:extLst>
+          </p:cNvPr>
+          <p:cNvSpPr/>
+          <p:nvPr/>
+        </p:nvSpPr>
+        <p:spPr>
+          <a:xfrm>
+            <a:off x="4606249" y="877823"/>
+            <a:ext cx="307072" cy="307072"/>
+          </a:xfrm>
+          <a:prstGeom prst="rect">
+            <a:avLst/>
+          </a:prstGeom>
+          <a:solidFill>
+            <a:srgbClr val="FFFF00"/>
+          </a:solidFill>
+          <a:ln w="19050">
+            <a:solidFill>
+              <a:srgbClr val="FFC000"/>
+            </a:solidFill>
+          </a:ln>
+        </p:spPr>
+        <p:style>
+          <a:lnRef idx="2">
+            <a:schemeClr val="accent1">
+              <a:shade val="50000"/>
+            </a:schemeClr>
+          </a:lnRef>
+          <a:fillRef idx="1">
+            <a:schemeClr val="accent1"/>
+          </a:fillRef>
+          <a:effectRef idx="0">
+            <a:schemeClr val="accent1"/>
+          </a:effectRef>
+          <a:fontRef idx="minor">
+            <a:schemeClr val="lt1"/>
+          </a:fontRef>
+        </p:style>
+        <p:txBody>
+          <a:bodyPr lIns="36000" rIns="36000" rtlCol="0" anchor="ctr"/>
+          <a:lstStyle/>
+          <a:p>
+            <a:pPr algn="ctr"/>
+            <a:r>
+              <a:rPr lang="ko-KR" altLang="en-US" sz="1800">
+                <a:solidFill>
+                  <a:schemeClr val="tx1"/>
+                </a:solidFill>
+                <a:latin typeface="Consolas" panose="020B0609020204030204" pitchFamily="49" charset="0"/>
+              </a:rPr>
+              <a:t>양</a:t>
+            </a:r>
+          </a:p>
+        </p:txBody>
+      </p:sp>
+      <p:sp>
+        <p:nvSpPr>
+          <p:cNvPr id="22" name="직사각형 21">
+            <a:extLst>
+              <a:ext uri="{FF2B5EF4-FFF2-40B4-BE49-F238E27FC236}">
+                <a16:creationId xmlns:a16="http://schemas.microsoft.com/office/drawing/2014/main" id="{A84E18C8-BAB6-4C66-9D4C-B8C9B9E0C625}"/>
+              </a:ext>
+            </a:extLst>
+          </p:cNvPr>
+          <p:cNvSpPr/>
+          <p:nvPr/>
+        </p:nvSpPr>
+        <p:spPr>
+          <a:xfrm>
+            <a:off x="4913321" y="877823"/>
+            <a:ext cx="307072" cy="307072"/>
+          </a:xfrm>
+          <a:prstGeom prst="rect">
+            <a:avLst/>
+          </a:prstGeom>
+          <a:solidFill>
+            <a:srgbClr val="FFFF00"/>
+          </a:solidFill>
+          <a:ln w="19050">
+            <a:solidFill>
+              <a:srgbClr val="FFC000"/>
+            </a:solidFill>
+          </a:ln>
+        </p:spPr>
+        <p:style>
+          <a:lnRef idx="2">
+            <a:schemeClr val="accent1">
+              <a:shade val="50000"/>
+            </a:schemeClr>
+          </a:lnRef>
+          <a:fillRef idx="1">
+            <a:schemeClr val="accent1"/>
+          </a:fillRef>
+          <a:effectRef idx="0">
+            <a:schemeClr val="accent1"/>
+          </a:effectRef>
+          <a:fontRef idx="minor">
+            <a:schemeClr val="lt1"/>
+          </a:fontRef>
+        </p:style>
+        <p:txBody>
+          <a:bodyPr lIns="36000" rIns="36000" rtlCol="0" anchor="ctr"/>
+          <a:lstStyle/>
+          <a:p>
+            <a:pPr algn="ctr"/>
+            <a:r>
+              <a:rPr lang="ko-KR" altLang="en-US" sz="1800">
+                <a:solidFill>
+                  <a:schemeClr val="tx1"/>
+                </a:solidFill>
+                <a:latin typeface="Consolas" panose="020B0609020204030204" pitchFamily="49" charset="0"/>
+              </a:rPr>
+              <a:t>축</a:t>
+            </a:r>
+          </a:p>
+        </p:txBody>
+      </p:sp>
+      <p:sp>
+        <p:nvSpPr>
+          <p:cNvPr id="23" name="직사각형 22">
+            <a:extLst>
+              <a:ext uri="{FF2B5EF4-FFF2-40B4-BE49-F238E27FC236}">
+                <a16:creationId xmlns:a16="http://schemas.microsoft.com/office/drawing/2014/main" id="{7A126FDA-4790-48F1-9BB6-3AD861B5FB50}"/>
+              </a:ext>
+            </a:extLst>
+          </p:cNvPr>
+          <p:cNvSpPr/>
+          <p:nvPr/>
+        </p:nvSpPr>
+        <p:spPr>
+          <a:xfrm>
+            <a:off x="5220393" y="877823"/>
+            <a:ext cx="307072" cy="307072"/>
+          </a:xfrm>
+          <a:prstGeom prst="rect">
+            <a:avLst/>
+          </a:prstGeom>
+          <a:solidFill>
+            <a:srgbClr val="FFFF00"/>
+          </a:solidFill>
+          <a:ln w="19050">
+            <a:solidFill>
+              <a:srgbClr val="FFC000"/>
+            </a:solidFill>
+          </a:ln>
+        </p:spPr>
+        <p:style>
+          <a:lnRef idx="2">
+            <a:schemeClr val="accent1">
+              <a:shade val="50000"/>
+            </a:schemeClr>
+          </a:lnRef>
+          <a:fillRef idx="1">
+            <a:schemeClr val="accent1"/>
+          </a:fillRef>
+          <a:effectRef idx="0">
+            <a:schemeClr val="accent1"/>
+          </a:effectRef>
+          <a:fontRef idx="minor">
+            <a:schemeClr val="lt1"/>
+          </a:fontRef>
+        </p:style>
+        <p:txBody>
+          <a:bodyPr lIns="36000" rIns="36000" rtlCol="0" anchor="ctr"/>
+          <a:lstStyle/>
+          <a:p>
+            <a:pPr algn="ctr"/>
+            <a:r>
+              <a:rPr lang="ko-KR" altLang="en-US" sz="1800">
+                <a:solidFill>
+                  <a:schemeClr val="tx1"/>
+                </a:solidFill>
+                <a:latin typeface="Consolas" panose="020B0609020204030204" pitchFamily="49" charset="0"/>
+              </a:rPr>
+              <a:t>전</a:t>
+            </a:r>
+          </a:p>
+        </p:txBody>
+      </p:sp>
+      <p:sp>
+        <p:nvSpPr>
+          <p:cNvPr id="24" name="직사각형 23">
+            <a:extLst>
+              <a:ext uri="{FF2B5EF4-FFF2-40B4-BE49-F238E27FC236}">
+                <a16:creationId xmlns:a16="http://schemas.microsoft.com/office/drawing/2014/main" id="{72E07763-3936-4091-8704-CE00D2F07B7A}"/>
+              </a:ext>
+            </a:extLst>
+          </p:cNvPr>
+          <p:cNvSpPr/>
+          <p:nvPr/>
+        </p:nvSpPr>
+        <p:spPr>
+          <a:xfrm>
+            <a:off x="5527465" y="877823"/>
+            <a:ext cx="307072" cy="307072"/>
+          </a:xfrm>
+          <a:prstGeom prst="rect">
+            <a:avLst/>
+          </a:prstGeom>
+          <a:solidFill>
+            <a:srgbClr val="FFFF00"/>
+          </a:solidFill>
+          <a:ln w="19050">
+            <a:solidFill>
+              <a:srgbClr val="FFC000"/>
+            </a:solidFill>
+          </a:ln>
+        </p:spPr>
+        <p:style>
+          <a:lnRef idx="2">
+            <a:schemeClr val="accent1">
+              <a:shade val="50000"/>
+            </a:schemeClr>
+          </a:lnRef>
+          <a:fillRef idx="1">
+            <a:schemeClr val="accent1"/>
+          </a:fillRef>
+          <a:effectRef idx="0">
+            <a:schemeClr val="accent1"/>
+          </a:effectRef>
+          <a:fontRef idx="minor">
+            <a:schemeClr val="lt1"/>
+          </a:fontRef>
+        </p:style>
+        <p:txBody>
+          <a:bodyPr lIns="36000" rIns="36000" rtlCol="0" anchor="ctr"/>
+          <a:lstStyle/>
+          <a:p>
+            <a:pPr algn="ctr"/>
+            <a:r>
+              <a:rPr lang="ko-KR" altLang="en-US" sz="1800">
+                <a:solidFill>
+                  <a:schemeClr val="tx1"/>
+                </a:solidFill>
+                <a:latin typeface="Consolas" panose="020B0609020204030204" pitchFamily="49" charset="0"/>
+              </a:rPr>
+              <a:t>에</a:t>
+            </a:r>
+          </a:p>
+        </p:txBody>
+      </p:sp>
+      <p:sp>
+        <p:nvSpPr>
+          <p:cNvPr id="25" name="직사각형 24">
+            <a:extLst>
+              <a:ext uri="{FF2B5EF4-FFF2-40B4-BE49-F238E27FC236}">
+                <a16:creationId xmlns:a16="http://schemas.microsoft.com/office/drawing/2014/main" id="{3C2D3016-80BC-4100-9FF3-32EDAE850EA3}"/>
+              </a:ext>
+            </a:extLst>
+          </p:cNvPr>
+          <p:cNvSpPr/>
+          <p:nvPr/>
+        </p:nvSpPr>
+        <p:spPr>
+          <a:xfrm>
+            <a:off x="5834537" y="877823"/>
+            <a:ext cx="307072" cy="307072"/>
+          </a:xfrm>
+          <a:prstGeom prst="rect">
+            <a:avLst/>
+          </a:prstGeom>
+          <a:solidFill>
+            <a:srgbClr val="FFFFCC"/>
+          </a:solidFill>
+          <a:ln w="19050">
+            <a:solidFill>
+              <a:srgbClr val="FFC000"/>
+            </a:solidFill>
+          </a:ln>
+        </p:spPr>
+        <p:style>
+          <a:lnRef idx="2">
+            <a:schemeClr val="accent1">
+              <a:shade val="50000"/>
+            </a:schemeClr>
+          </a:lnRef>
+          <a:fillRef idx="1">
+            <a:schemeClr val="accent1"/>
+          </a:fillRef>
+          <a:effectRef idx="0">
+            <a:schemeClr val="accent1"/>
+          </a:effectRef>
+          <a:fontRef idx="minor">
+            <a:schemeClr val="lt1"/>
+          </a:fontRef>
+        </p:style>
+        <p:txBody>
+          <a:bodyPr lIns="36000" rIns="36000" rtlCol="0" anchor="ctr"/>
+          <a:lstStyle/>
+          <a:p>
+            <a:pPr algn="ctr"/>
+            <a:endParaRPr lang="ko-KR" altLang="en-US" sz="1800">
+              <a:solidFill>
+                <a:schemeClr val="tx1"/>
+              </a:solidFill>
+              <a:latin typeface="Consolas" panose="020B0609020204030204" pitchFamily="49" charset="0"/>
+            </a:endParaRPr>
+          </a:p>
+        </p:txBody>
+      </p:sp>
+      <p:sp>
+        <p:nvSpPr>
+          <p:cNvPr id="26" name="직사각형 25">
+            <a:extLst>
+              <a:ext uri="{FF2B5EF4-FFF2-40B4-BE49-F238E27FC236}">
+                <a16:creationId xmlns:a16="http://schemas.microsoft.com/office/drawing/2014/main" id="{079D81EC-4801-4A3E-B1CD-EF0FDF4461A5}"/>
+              </a:ext>
+            </a:extLst>
+          </p:cNvPr>
+          <p:cNvSpPr/>
+          <p:nvPr/>
+        </p:nvSpPr>
+        <p:spPr>
+          <a:xfrm>
+            <a:off x="6141609" y="877823"/>
+            <a:ext cx="307072" cy="307072"/>
+          </a:xfrm>
+          <a:prstGeom prst="rect">
+            <a:avLst/>
+          </a:prstGeom>
+          <a:solidFill>
+            <a:srgbClr val="FFFFCC"/>
+          </a:solidFill>
+          <a:ln w="19050">
+            <a:solidFill>
+              <a:srgbClr val="FFC000"/>
+            </a:solidFill>
+          </a:ln>
+        </p:spPr>
+        <p:style>
+          <a:lnRef idx="2">
+            <a:schemeClr val="accent1">
+              <a:shade val="50000"/>
+            </a:schemeClr>
+          </a:lnRef>
+          <a:fillRef idx="1">
+            <a:schemeClr val="accent1"/>
+          </a:fillRef>
+          <a:effectRef idx="0">
+            <a:schemeClr val="accent1"/>
+          </a:effectRef>
+          <a:fontRef idx="minor">
+            <a:schemeClr val="lt1"/>
+          </a:fontRef>
+        </p:style>
+        <p:txBody>
+          <a:bodyPr lIns="36000" rIns="36000" rtlCol="0" anchor="ctr"/>
+          <a:lstStyle/>
+          <a:p>
+            <a:pPr algn="ctr"/>
+            <a:r>
+              <a:rPr lang="ko-KR" altLang="en-US" sz="1800">
+                <a:solidFill>
+                  <a:schemeClr val="tx1"/>
+                </a:solidFill>
+                <a:latin typeface="Consolas" panose="020B0609020204030204" pitchFamily="49" charset="0"/>
+              </a:rPr>
+              <a:t>대</a:t>
+            </a:r>
+          </a:p>
+        </p:txBody>
+      </p:sp>
+      <p:sp>
+        <p:nvSpPr>
+          <p:cNvPr id="27" name="직사각형 26">
+            <a:extLst>
+              <a:ext uri="{FF2B5EF4-FFF2-40B4-BE49-F238E27FC236}">
+                <a16:creationId xmlns:a16="http://schemas.microsoft.com/office/drawing/2014/main" id="{1DBF419E-1452-4DC3-AC1F-E4A2B8E1EBE9}"/>
+              </a:ext>
+            </a:extLst>
+          </p:cNvPr>
+          <p:cNvSpPr/>
+          <p:nvPr/>
+        </p:nvSpPr>
+        <p:spPr>
+          <a:xfrm>
+            <a:off x="6448682" y="877823"/>
+            <a:ext cx="307072" cy="307072"/>
+          </a:xfrm>
+          <a:prstGeom prst="rect">
+            <a:avLst/>
+          </a:prstGeom>
+          <a:solidFill>
+            <a:srgbClr val="FFFFCC"/>
+          </a:solidFill>
+          <a:ln w="19050">
+            <a:solidFill>
+              <a:srgbClr val="FFC000"/>
+            </a:solidFill>
+          </a:ln>
+        </p:spPr>
+        <p:style>
+          <a:lnRef idx="2">
+            <a:schemeClr val="accent1">
+              <a:shade val="50000"/>
+            </a:schemeClr>
+          </a:lnRef>
+          <a:fillRef idx="1">
+            <a:schemeClr val="accent1"/>
+          </a:fillRef>
+          <a:effectRef idx="0">
+            <a:schemeClr val="accent1"/>
+          </a:effectRef>
+          <a:fontRef idx="minor">
+            <a:schemeClr val="lt1"/>
+          </a:fontRef>
+        </p:style>
+        <p:txBody>
+          <a:bodyPr lIns="36000" rIns="36000" rtlCol="0" anchor="ctr"/>
+          <a:lstStyle/>
+          <a:p>
+            <a:pPr algn="ctr"/>
+            <a:r>
+              <a:rPr lang="ko-KR" altLang="en-US" sz="1800">
+                <a:solidFill>
+                  <a:schemeClr val="tx1"/>
+                </a:solidFill>
+                <a:latin typeface="Consolas" panose="020B0609020204030204" pitchFamily="49" charset="0"/>
+              </a:rPr>
+              <a:t>표</a:t>
+            </a:r>
+          </a:p>
+        </p:txBody>
+      </p:sp>
+      <p:sp>
+        <p:nvSpPr>
+          <p:cNvPr id="28" name="직사각형 27">
+            <a:extLst>
+              <a:ext uri="{FF2B5EF4-FFF2-40B4-BE49-F238E27FC236}">
+                <a16:creationId xmlns:a16="http://schemas.microsoft.com/office/drawing/2014/main" id="{F3C6D7E4-508A-47A1-9043-A96FE4AC3172}"/>
+              </a:ext>
+            </a:extLst>
+          </p:cNvPr>
+          <p:cNvSpPr/>
+          <p:nvPr/>
+        </p:nvSpPr>
+        <p:spPr>
+          <a:xfrm>
+            <a:off x="6755754" y="877823"/>
+            <a:ext cx="307072" cy="307072"/>
+          </a:xfrm>
+          <a:prstGeom prst="rect">
+            <a:avLst/>
+          </a:prstGeom>
+          <a:solidFill>
+            <a:srgbClr val="FFFFCC"/>
+          </a:solidFill>
+          <a:ln w="19050">
+            <a:solidFill>
+              <a:srgbClr val="FFC000"/>
+            </a:solidFill>
+          </a:ln>
+        </p:spPr>
+        <p:style>
+          <a:lnRef idx="2">
+            <a:schemeClr val="accent1">
+              <a:shade val="50000"/>
+            </a:schemeClr>
+          </a:lnRef>
+          <a:fillRef idx="1">
+            <a:schemeClr val="accent1"/>
+          </a:fillRef>
+          <a:effectRef idx="0">
+            <a:schemeClr val="accent1"/>
+          </a:effectRef>
+          <a:fontRef idx="minor">
+            <a:schemeClr val="lt1"/>
+          </a:fontRef>
+        </p:style>
+        <p:txBody>
+          <a:bodyPr lIns="36000" rIns="36000" rtlCol="0" anchor="ctr"/>
+          <a:lstStyle/>
+          <a:p>
+            <a:pPr algn="ctr"/>
+            <a:r>
+              <a:rPr lang="ko-KR" altLang="en-US" sz="1800">
+                <a:solidFill>
+                  <a:schemeClr val="tx1"/>
+                </a:solidFill>
+                <a:latin typeface="Consolas" panose="020B0609020204030204" pitchFamily="49" charset="0"/>
+              </a:rPr>
+              <a:t>로</a:t>
+            </a:r>
+          </a:p>
+        </p:txBody>
+      </p:sp>
+      <p:sp>
+        <p:nvSpPr>
+          <p:cNvPr id="32" name="직사각형 31">
+            <a:extLst>
+              <a:ext uri="{FF2B5EF4-FFF2-40B4-BE49-F238E27FC236}">
+                <a16:creationId xmlns:a16="http://schemas.microsoft.com/office/drawing/2014/main" id="{3E8EED92-423D-43EF-BF27-D9B99A5DA2F8}"/>
+              </a:ext>
+            </a:extLst>
+          </p:cNvPr>
+          <p:cNvSpPr/>
+          <p:nvPr/>
+        </p:nvSpPr>
+        <p:spPr>
+          <a:xfrm>
+            <a:off x="7063028" y="877823"/>
+            <a:ext cx="307072" cy="307072"/>
+          </a:xfrm>
+          <a:prstGeom prst="rect">
+            <a:avLst/>
+          </a:prstGeom>
+          <a:solidFill>
+            <a:srgbClr val="FFFFCC"/>
+          </a:solidFill>
+          <a:ln w="19050">
+            <a:solidFill>
+              <a:srgbClr val="FFC000"/>
+            </a:solidFill>
+          </a:ln>
+        </p:spPr>
+        <p:style>
+          <a:lnRef idx="2">
+            <a:schemeClr val="accent1">
+              <a:shade val="50000"/>
+            </a:schemeClr>
+          </a:lnRef>
+          <a:fillRef idx="1">
+            <a:schemeClr val="accent1"/>
+          </a:fillRef>
+          <a:effectRef idx="0">
+            <a:schemeClr val="accent1"/>
+          </a:effectRef>
+          <a:fontRef idx="minor">
+            <a:schemeClr val="lt1"/>
+          </a:fontRef>
+        </p:style>
+        <p:txBody>
+          <a:bodyPr lIns="36000" rIns="36000" rtlCol="0" anchor="ctr"/>
+          <a:lstStyle/>
+          <a:p>
+            <a:pPr algn="ctr"/>
+            <a:endParaRPr lang="ko-KR" altLang="en-US" sz="1800">
+              <a:solidFill>
+                <a:schemeClr val="tx1"/>
+              </a:solidFill>
+              <a:latin typeface="Consolas" panose="020B0609020204030204" pitchFamily="49" charset="0"/>
+            </a:endParaRPr>
+          </a:p>
+        </p:txBody>
+      </p:sp>
+      <p:sp>
+        <p:nvSpPr>
+          <p:cNvPr id="33" name="직사각형 32">
+            <a:extLst>
+              <a:ext uri="{FF2B5EF4-FFF2-40B4-BE49-F238E27FC236}">
+                <a16:creationId xmlns:a16="http://schemas.microsoft.com/office/drawing/2014/main" id="{EEF97F22-0372-4AEA-9DED-FCD77F4E2652}"/>
+              </a:ext>
+            </a:extLst>
+          </p:cNvPr>
+          <p:cNvSpPr/>
+          <p:nvPr/>
+        </p:nvSpPr>
+        <p:spPr>
+          <a:xfrm>
+            <a:off x="7370100" y="877823"/>
+            <a:ext cx="307072" cy="307072"/>
+          </a:xfrm>
+          <a:prstGeom prst="rect">
+            <a:avLst/>
+          </a:prstGeom>
+          <a:solidFill>
+            <a:srgbClr val="FFFFCC"/>
+          </a:solidFill>
+          <a:ln w="19050">
+            <a:solidFill>
+              <a:srgbClr val="FFC000"/>
+            </a:solidFill>
+          </a:ln>
+        </p:spPr>
+        <p:style>
+          <a:lnRef idx="2">
+            <a:schemeClr val="accent1">
+              <a:shade val="50000"/>
+            </a:schemeClr>
+          </a:lnRef>
+          <a:fillRef idx="1">
+            <a:schemeClr val="accent1"/>
+          </a:fillRef>
+          <a:effectRef idx="0">
+            <a:schemeClr val="accent1"/>
+          </a:effectRef>
+          <a:fontRef idx="minor">
+            <a:schemeClr val="lt1"/>
+          </a:fontRef>
+        </p:style>
+        <p:txBody>
+          <a:bodyPr lIns="36000" rIns="36000" rtlCol="0" anchor="ctr"/>
+          <a:lstStyle/>
+          <a:p>
+            <a:pPr algn="ctr"/>
+            <a:r>
+              <a:rPr lang="ko-KR" altLang="en-US" sz="1800">
+                <a:solidFill>
+                  <a:schemeClr val="tx1"/>
+                </a:solidFill>
+                <a:latin typeface="Consolas" panose="020B0609020204030204" pitchFamily="49" charset="0"/>
+              </a:rPr>
+              <a:t>파</a:t>
+            </a:r>
+          </a:p>
+        </p:txBody>
+      </p:sp>
+      <p:sp>
+        <p:nvSpPr>
+          <p:cNvPr id="34" name="직사각형 33">
+            <a:extLst>
+              <a:ext uri="{FF2B5EF4-FFF2-40B4-BE49-F238E27FC236}">
+                <a16:creationId xmlns:a16="http://schemas.microsoft.com/office/drawing/2014/main" id="{53E41998-AF19-4D21-982C-E6E87ED0DE03}"/>
+              </a:ext>
+            </a:extLst>
+          </p:cNvPr>
+          <p:cNvSpPr/>
+          <p:nvPr/>
+        </p:nvSpPr>
+        <p:spPr>
+          <a:xfrm>
+            <a:off x="7677173" y="877823"/>
+            <a:ext cx="307072" cy="307072"/>
+          </a:xfrm>
+          <a:prstGeom prst="rect">
+            <a:avLst/>
+          </a:prstGeom>
+          <a:solidFill>
+            <a:srgbClr val="FFFFCC"/>
+          </a:solidFill>
+          <a:ln w="19050">
+            <a:solidFill>
+              <a:srgbClr val="FFC000"/>
+            </a:solidFill>
+          </a:ln>
+        </p:spPr>
+        <p:style>
+          <a:lnRef idx="2">
+            <a:schemeClr val="accent1">
+              <a:shade val="50000"/>
+            </a:schemeClr>
+          </a:lnRef>
+          <a:fillRef idx="1">
+            <a:schemeClr val="accent1"/>
+          </a:fillRef>
+          <a:effectRef idx="0">
+            <a:schemeClr val="accent1"/>
+          </a:effectRef>
+          <a:fontRef idx="minor">
+            <a:schemeClr val="lt1"/>
+          </a:fontRef>
+        </p:style>
+        <p:txBody>
+          <a:bodyPr lIns="36000" rIns="36000" rtlCol="0" anchor="ctr"/>
+          <a:lstStyle/>
+          <a:p>
+            <a:pPr algn="ctr"/>
+            <a:r>
+              <a:rPr lang="ko-KR" altLang="en-US" sz="1800">
+                <a:solidFill>
+                  <a:schemeClr val="tx1"/>
+                </a:solidFill>
+                <a:latin typeface="Consolas" panose="020B0609020204030204" pitchFamily="49" charset="0"/>
+              </a:rPr>
+              <a:t>견</a:t>
+            </a:r>
+          </a:p>
+        </p:txBody>
+      </p:sp>
+      <p:sp>
+        <p:nvSpPr>
+          <p:cNvPr id="35" name="직사각형 34">
+            <a:extLst>
+              <a:ext uri="{FF2B5EF4-FFF2-40B4-BE49-F238E27FC236}">
+                <a16:creationId xmlns:a16="http://schemas.microsoft.com/office/drawing/2014/main" id="{B3F4BA67-B1A2-4A26-AA23-9B8C691C6ABB}"/>
+              </a:ext>
+            </a:extLst>
+          </p:cNvPr>
+          <p:cNvSpPr/>
+          <p:nvPr/>
+        </p:nvSpPr>
+        <p:spPr>
+          <a:xfrm>
+            <a:off x="7984245" y="877823"/>
+            <a:ext cx="307072" cy="307072"/>
+          </a:xfrm>
+          <a:prstGeom prst="rect">
+            <a:avLst/>
+          </a:prstGeom>
+          <a:solidFill>
+            <a:srgbClr val="FFFFCC"/>
+          </a:solidFill>
+          <a:ln w="19050">
+            <a:solidFill>
+              <a:srgbClr val="FFC000"/>
+            </a:solidFill>
+          </a:ln>
+        </p:spPr>
+        <p:style>
+          <a:lnRef idx="2">
+            <a:schemeClr val="accent1">
+              <a:shade val="50000"/>
+            </a:schemeClr>
+          </a:lnRef>
+          <a:fillRef idx="1">
+            <a:schemeClr val="accent1"/>
+          </a:fillRef>
+          <a:effectRef idx="0">
+            <a:schemeClr val="accent1"/>
+          </a:effectRef>
+          <a:fontRef idx="minor">
+            <a:schemeClr val="lt1"/>
+          </a:fontRef>
+        </p:style>
+        <p:txBody>
+          <a:bodyPr lIns="36000" rIns="36000" rtlCol="0" anchor="ctr"/>
+          <a:lstStyle/>
+          <a:p>
+            <a:pPr algn="ctr"/>
+            <a:endParaRPr lang="ko-KR" altLang="en-US" sz="1800">
+              <a:solidFill>
+                <a:schemeClr val="tx1"/>
+              </a:solidFill>
+              <a:latin typeface="Consolas" panose="020B0609020204030204" pitchFamily="49" charset="0"/>
+            </a:endParaRPr>
+          </a:p>
+        </p:txBody>
+      </p:sp>
+      <p:sp>
+        <p:nvSpPr>
+          <p:cNvPr id="37" name="직사각형 36">
+            <a:extLst>
+              <a:ext uri="{FF2B5EF4-FFF2-40B4-BE49-F238E27FC236}">
+                <a16:creationId xmlns:a16="http://schemas.microsoft.com/office/drawing/2014/main" id="{CD12A802-FB1A-4198-A8A6-8357E8C016DB}"/>
+              </a:ext>
+            </a:extLst>
+          </p:cNvPr>
+          <p:cNvSpPr/>
+          <p:nvPr/>
+        </p:nvSpPr>
+        <p:spPr>
+          <a:xfrm>
+            <a:off x="8291317" y="877677"/>
+            <a:ext cx="307072" cy="307072"/>
+          </a:xfrm>
+          <a:prstGeom prst="rect">
+            <a:avLst/>
+          </a:prstGeom>
+          <a:solidFill>
+            <a:srgbClr val="FFFFCC"/>
+          </a:solidFill>
+          <a:ln w="19050">
+            <a:solidFill>
+              <a:srgbClr val="FFC000"/>
+            </a:solidFill>
+          </a:ln>
+        </p:spPr>
+        <p:style>
+          <a:lnRef idx="2">
+            <a:schemeClr val="accent1">
+              <a:shade val="50000"/>
+            </a:schemeClr>
+          </a:lnRef>
+          <a:fillRef idx="1">
+            <a:schemeClr val="accent1"/>
+          </a:fillRef>
+          <a:effectRef idx="0">
+            <a:schemeClr val="accent1"/>
+          </a:effectRef>
+          <a:fontRef idx="minor">
+            <a:schemeClr val="lt1"/>
+          </a:fontRef>
+        </p:style>
+        <p:txBody>
+          <a:bodyPr lIns="36000" rIns="36000" rtlCol="0" anchor="ctr"/>
+          <a:lstStyle/>
+          <a:p>
+            <a:pPr algn="ctr"/>
+            <a:r>
+              <a:rPr lang="ko-KR" altLang="en-US" sz="1800">
+                <a:solidFill>
+                  <a:schemeClr val="tx1"/>
+                </a:solidFill>
+                <a:latin typeface="Consolas" panose="020B0609020204030204" pitchFamily="49" charset="0"/>
+              </a:rPr>
+              <a:t>된</a:t>
+            </a:r>
+          </a:p>
+        </p:txBody>
+      </p:sp>
+      <p:sp>
+        <p:nvSpPr>
+          <p:cNvPr id="38" name="직사각형 37">
+            <a:extLst>
+              <a:ext uri="{FF2B5EF4-FFF2-40B4-BE49-F238E27FC236}">
+                <a16:creationId xmlns:a16="http://schemas.microsoft.com/office/drawing/2014/main" id="{E2BDC34F-7935-41C3-B4E7-FC9B98AB73E8}"/>
+              </a:ext>
+            </a:extLst>
+          </p:cNvPr>
+          <p:cNvSpPr/>
+          <p:nvPr/>
+        </p:nvSpPr>
+        <p:spPr>
+          <a:xfrm>
+            <a:off x="8598389" y="877677"/>
+            <a:ext cx="307072" cy="307072"/>
+          </a:xfrm>
+          <a:prstGeom prst="rect">
+            <a:avLst/>
+          </a:prstGeom>
+          <a:solidFill>
+            <a:srgbClr val="FFFFCC"/>
+          </a:solidFill>
+          <a:ln w="19050">
+            <a:solidFill>
+              <a:srgbClr val="FFC000"/>
+            </a:solidFill>
+          </a:ln>
+        </p:spPr>
+        <p:style>
+          <a:lnRef idx="2">
+            <a:schemeClr val="accent1">
+              <a:shade val="50000"/>
+            </a:schemeClr>
+          </a:lnRef>
+          <a:fillRef idx="1">
+            <a:schemeClr val="accent1"/>
+          </a:fillRef>
+          <a:effectRef idx="0">
+            <a:schemeClr val="accent1"/>
+          </a:effectRef>
+          <a:fontRef idx="minor">
+            <a:schemeClr val="lt1"/>
+          </a:fontRef>
+        </p:style>
+        <p:txBody>
+          <a:bodyPr lIns="36000" rIns="36000" rtlCol="0" anchor="ctr"/>
+          <a:lstStyle/>
+          <a:p>
+            <a:pPr algn="ctr"/>
+            <a:endParaRPr lang="ko-KR" altLang="en-US" sz="1800">
+              <a:solidFill>
+                <a:schemeClr val="tx1"/>
+              </a:solidFill>
+              <a:latin typeface="Consolas" panose="020B0609020204030204" pitchFamily="49" charset="0"/>
+            </a:endParaRPr>
+          </a:p>
+        </p:txBody>
+      </p:sp>
+      <p:sp>
+        <p:nvSpPr>
+          <p:cNvPr id="39" name="직사각형 38">
+            <a:extLst>
+              <a:ext uri="{FF2B5EF4-FFF2-40B4-BE49-F238E27FC236}">
+                <a16:creationId xmlns:a16="http://schemas.microsoft.com/office/drawing/2014/main" id="{152F9F7A-DA27-4EE0-997A-EBA26390CACE}"/>
+              </a:ext>
+            </a:extLst>
+          </p:cNvPr>
+          <p:cNvSpPr/>
+          <p:nvPr/>
+        </p:nvSpPr>
+        <p:spPr>
+          <a:xfrm>
+            <a:off x="8905462" y="877677"/>
+            <a:ext cx="307072" cy="307072"/>
+          </a:xfrm>
+          <a:prstGeom prst="rect">
+            <a:avLst/>
+          </a:prstGeom>
+          <a:solidFill>
+            <a:srgbClr val="FFFFCC"/>
+          </a:solidFill>
+          <a:ln w="19050">
+            <a:solidFill>
+              <a:srgbClr val="FFC000"/>
+            </a:solidFill>
+          </a:ln>
+        </p:spPr>
+        <p:style>
+          <a:lnRef idx="2">
+            <a:schemeClr val="accent1">
+              <a:shade val="50000"/>
+            </a:schemeClr>
+          </a:lnRef>
+          <a:fillRef idx="1">
+            <a:schemeClr val="accent1"/>
+          </a:fillRef>
+          <a:effectRef idx="0">
+            <a:schemeClr val="accent1"/>
+          </a:effectRef>
+          <a:fontRef idx="minor">
+            <a:schemeClr val="lt1"/>
+          </a:fontRef>
+        </p:style>
+        <p:txBody>
+          <a:bodyPr lIns="36000" rIns="36000" rtlCol="0" anchor="ctr"/>
+          <a:lstStyle/>
+          <a:p>
+            <a:pPr algn="ctr"/>
+            <a:r>
+              <a:rPr lang="ko-KR" altLang="en-US" sz="1800">
+                <a:solidFill>
+                  <a:schemeClr val="tx1"/>
+                </a:solidFill>
+                <a:latin typeface="Consolas" panose="020B0609020204030204" pitchFamily="49" charset="0"/>
+              </a:rPr>
+              <a:t>인</a:t>
+            </a:r>
+          </a:p>
+        </p:txBody>
+      </p:sp>
+      <p:sp>
+        <p:nvSpPr>
+          <p:cNvPr id="40" name="직사각형 39">
+            <a:extLst>
+              <a:ext uri="{FF2B5EF4-FFF2-40B4-BE49-F238E27FC236}">
+                <a16:creationId xmlns:a16="http://schemas.microsoft.com/office/drawing/2014/main" id="{361FE9EE-0965-4D7B-AA53-A7FDD6502DE9}"/>
+              </a:ext>
+            </a:extLst>
+          </p:cNvPr>
+          <p:cNvSpPr/>
+          <p:nvPr/>
+        </p:nvSpPr>
+        <p:spPr>
+          <a:xfrm>
+            <a:off x="9212534" y="877677"/>
+            <a:ext cx="307072" cy="307072"/>
+          </a:xfrm>
+          <a:prstGeom prst="rect">
+            <a:avLst/>
+          </a:prstGeom>
+          <a:solidFill>
+            <a:srgbClr val="FFFFCC"/>
+          </a:solidFill>
+          <a:ln w="19050">
+            <a:solidFill>
+              <a:srgbClr val="FFC000"/>
+            </a:solidFill>
+          </a:ln>
+        </p:spPr>
+        <p:style>
+          <a:lnRef idx="2">
+            <a:schemeClr val="accent1">
+              <a:shade val="50000"/>
+            </a:schemeClr>
+          </a:lnRef>
+          <a:fillRef idx="1">
+            <a:schemeClr val="accent1"/>
+          </a:fillRef>
+          <a:effectRef idx="0">
+            <a:schemeClr val="accent1"/>
+          </a:effectRef>
+          <a:fontRef idx="minor">
+            <a:schemeClr val="lt1"/>
+          </a:fontRef>
+        </p:style>
+        <p:txBody>
+          <a:bodyPr lIns="36000" rIns="36000" rtlCol="0" anchor="ctr"/>
+          <a:lstStyle/>
+          <a:p>
+            <a:pPr algn="ctr"/>
+            <a:r>
+              <a:rPr lang="ko-KR" altLang="en-US" sz="1800">
+                <a:solidFill>
+                  <a:schemeClr val="tx1"/>
+                </a:solidFill>
+                <a:latin typeface="Consolas" panose="020B0609020204030204" pitchFamily="49" charset="0"/>
+              </a:rPr>
+              <a:t>물</a:t>
+            </a:r>
+          </a:p>
+        </p:txBody>
+      </p:sp>
+      <p:sp>
+        <p:nvSpPr>
+          <p:cNvPr id="42" name="직사각형 41">
+            <a:extLst>
+              <a:ext uri="{FF2B5EF4-FFF2-40B4-BE49-F238E27FC236}">
+                <a16:creationId xmlns:a16="http://schemas.microsoft.com/office/drawing/2014/main" id="{065CA95D-E497-4152-BDA1-3B521E90CBFF}"/>
+              </a:ext>
+            </a:extLst>
+          </p:cNvPr>
+          <p:cNvSpPr/>
+          <p:nvPr/>
+        </p:nvSpPr>
+        <p:spPr>
+          <a:xfrm>
+            <a:off x="9519606" y="877531"/>
+            <a:ext cx="307072" cy="307072"/>
+          </a:xfrm>
+          <a:prstGeom prst="rect">
+            <a:avLst/>
+          </a:prstGeom>
+          <a:solidFill>
+            <a:srgbClr val="FFFFCC"/>
+          </a:solidFill>
+          <a:ln w="19050">
+            <a:solidFill>
+              <a:srgbClr val="FFC000"/>
+            </a:solidFill>
+          </a:ln>
+        </p:spPr>
+        <p:style>
+          <a:lnRef idx="2">
+            <a:schemeClr val="accent1">
+              <a:shade val="50000"/>
+            </a:schemeClr>
+          </a:lnRef>
+          <a:fillRef idx="1">
+            <a:schemeClr val="accent1"/>
+          </a:fillRef>
+          <a:effectRef idx="0">
+            <a:schemeClr val="accent1"/>
+          </a:effectRef>
+          <a:fontRef idx="minor">
+            <a:schemeClr val="lt1"/>
+          </a:fontRef>
+        </p:style>
+        <p:txBody>
+          <a:bodyPr lIns="36000" rIns="36000" rtlCol="0" anchor="ctr"/>
+          <a:lstStyle/>
+          <a:p>
+            <a:pPr algn="ctr"/>
+            <a:r>
+              <a:rPr lang="ko-KR" altLang="en-US" sz="1800">
+                <a:solidFill>
+                  <a:schemeClr val="tx1"/>
+                </a:solidFill>
+                <a:latin typeface="Consolas" panose="020B0609020204030204" pitchFamily="49" charset="0"/>
+              </a:rPr>
+              <a:t>은</a:t>
+            </a:r>
+          </a:p>
+        </p:txBody>
+      </p:sp>
+      <p:sp>
+        <p:nvSpPr>
+          <p:cNvPr id="43" name="직사각형 42">
+            <a:extLst>
+              <a:ext uri="{FF2B5EF4-FFF2-40B4-BE49-F238E27FC236}">
+                <a16:creationId xmlns:a16="http://schemas.microsoft.com/office/drawing/2014/main" id="{F9FDD73C-2D3A-42B4-BE2A-48048C80AD94}"/>
+              </a:ext>
+            </a:extLst>
+          </p:cNvPr>
+          <p:cNvSpPr/>
+          <p:nvPr/>
+        </p:nvSpPr>
+        <p:spPr>
+          <a:xfrm>
+            <a:off x="9826678" y="877531"/>
+            <a:ext cx="307072" cy="307072"/>
+          </a:xfrm>
+          <a:prstGeom prst="rect">
+            <a:avLst/>
+          </a:prstGeom>
+          <a:solidFill>
+            <a:srgbClr val="FFFFCC"/>
+          </a:solidFill>
+          <a:ln w="19050">
+            <a:solidFill>
+              <a:srgbClr val="FFC000"/>
+            </a:solidFill>
+          </a:ln>
+        </p:spPr>
+        <p:style>
+          <a:lnRef idx="2">
+            <a:schemeClr val="accent1">
+              <a:shade val="50000"/>
+            </a:schemeClr>
+          </a:lnRef>
+          <a:fillRef idx="1">
+            <a:schemeClr val="accent1"/>
+          </a:fillRef>
+          <a:effectRef idx="0">
+            <a:schemeClr val="accent1"/>
+          </a:effectRef>
+          <a:fontRef idx="minor">
+            <a:schemeClr val="lt1"/>
+          </a:fontRef>
+        </p:style>
+        <p:txBody>
+          <a:bodyPr lIns="36000" rIns="36000" rtlCol="0" anchor="ctr"/>
+          <a:lstStyle/>
+          <a:p>
+            <a:pPr algn="ctr"/>
+            <a:r>
+              <a:rPr lang="en-US" altLang="ko-KR" sz="1800">
+                <a:solidFill>
+                  <a:schemeClr val="tx1"/>
+                </a:solidFill>
+                <a:latin typeface="Consolas" panose="020B0609020204030204" pitchFamily="49" charset="0"/>
+              </a:rPr>
+              <a:t>?</a:t>
+            </a:r>
+            <a:endParaRPr lang="ko-KR" altLang="en-US" sz="1800">
+              <a:solidFill>
+                <a:schemeClr val="tx1"/>
+              </a:solidFill>
+              <a:latin typeface="Consolas" panose="020B0609020204030204" pitchFamily="49" charset="0"/>
+            </a:endParaRPr>
+          </a:p>
+        </p:txBody>
+      </p:sp>
+      <p:sp>
+        <p:nvSpPr>
+          <p:cNvPr id="45" name="직사각형 44">
+            <a:extLst>
+              <a:ext uri="{FF2B5EF4-FFF2-40B4-BE49-F238E27FC236}">
+                <a16:creationId xmlns:a16="http://schemas.microsoft.com/office/drawing/2014/main" id="{879DAC2F-379C-4105-8D16-EBE7E777FBEF}"/>
+              </a:ext>
+            </a:extLst>
+          </p:cNvPr>
+          <p:cNvSpPr/>
+          <p:nvPr/>
+        </p:nvSpPr>
+        <p:spPr>
+          <a:xfrm>
+            <a:off x="307137" y="570459"/>
+            <a:ext cx="307072" cy="307072"/>
+          </a:xfrm>
+          <a:prstGeom prst="rect">
+            <a:avLst/>
+          </a:prstGeom>
+          <a:noFill/>
+          <a:ln w="19050">
+            <a:noFill/>
+          </a:ln>
+        </p:spPr>
+        <p:style>
+          <a:lnRef idx="2">
+            <a:schemeClr val="accent1">
+              <a:shade val="50000"/>
+            </a:schemeClr>
+          </a:lnRef>
+          <a:fillRef idx="1">
+            <a:schemeClr val="accent1"/>
+          </a:fillRef>
+          <a:effectRef idx="0">
+            <a:schemeClr val="accent1"/>
+          </a:effectRef>
+          <a:fontRef idx="minor">
+            <a:schemeClr val="lt1"/>
+          </a:fontRef>
+        </p:style>
+        <p:txBody>
+          <a:bodyPr lIns="36000" rIns="36000" rtlCol="0" anchor="ctr"/>
+          <a:lstStyle/>
+          <a:p>
+            <a:pPr algn="ctr"/>
+            <a:r>
+              <a:rPr lang="en-US" altLang="ko-KR" sz="1400">
+                <a:solidFill>
+                  <a:schemeClr val="tx1"/>
+                </a:solidFill>
+                <a:latin typeface="Consolas" panose="020B0609020204030204" pitchFamily="49" charset="0"/>
+              </a:rPr>
+              <a:t>0</a:t>
+            </a:r>
+            <a:endParaRPr lang="ko-KR" altLang="en-US" sz="1400">
+              <a:solidFill>
+                <a:schemeClr val="tx1"/>
+              </a:solidFill>
+              <a:latin typeface="Consolas" panose="020B0609020204030204" pitchFamily="49" charset="0"/>
+            </a:endParaRPr>
+          </a:p>
+        </p:txBody>
+      </p:sp>
+      <p:sp>
+        <p:nvSpPr>
+          <p:cNvPr id="46" name="직사각형 45">
+            <a:extLst>
+              <a:ext uri="{FF2B5EF4-FFF2-40B4-BE49-F238E27FC236}">
+                <a16:creationId xmlns:a16="http://schemas.microsoft.com/office/drawing/2014/main" id="{F6A9A8EB-B36E-47BC-9182-084807B1FDC9}"/>
+              </a:ext>
+            </a:extLst>
+          </p:cNvPr>
+          <p:cNvSpPr/>
+          <p:nvPr/>
+        </p:nvSpPr>
+        <p:spPr>
+          <a:xfrm>
+            <a:off x="614108" y="570459"/>
+            <a:ext cx="307072" cy="307072"/>
+          </a:xfrm>
+          <a:prstGeom prst="rect">
+            <a:avLst/>
+          </a:prstGeom>
+          <a:noFill/>
+          <a:ln w="19050">
+            <a:noFill/>
+          </a:ln>
+        </p:spPr>
+        <p:style>
+          <a:lnRef idx="2">
+            <a:schemeClr val="accent1">
+              <a:shade val="50000"/>
+            </a:schemeClr>
+          </a:lnRef>
+          <a:fillRef idx="1">
+            <a:schemeClr val="accent1"/>
+          </a:fillRef>
+          <a:effectRef idx="0">
+            <a:schemeClr val="accent1"/>
+          </a:effectRef>
+          <a:fontRef idx="minor">
+            <a:schemeClr val="lt1"/>
+          </a:fontRef>
+        </p:style>
+        <p:txBody>
+          <a:bodyPr lIns="36000" rIns="36000" rtlCol="0" anchor="ctr"/>
+          <a:lstStyle/>
+          <a:p>
+            <a:pPr algn="ctr"/>
+            <a:r>
+              <a:rPr lang="en-US" altLang="ko-KR" sz="1400">
+                <a:solidFill>
+                  <a:schemeClr val="tx1"/>
+                </a:solidFill>
+                <a:latin typeface="Consolas" panose="020B0609020204030204" pitchFamily="49" charset="0"/>
+              </a:rPr>
+              <a:t>1</a:t>
+            </a:r>
+            <a:endParaRPr lang="ko-KR" altLang="en-US" sz="1400">
+              <a:solidFill>
+                <a:schemeClr val="tx1"/>
+              </a:solidFill>
+              <a:latin typeface="Consolas" panose="020B0609020204030204" pitchFamily="49" charset="0"/>
+            </a:endParaRPr>
+          </a:p>
+        </p:txBody>
+      </p:sp>
+      <p:sp>
+        <p:nvSpPr>
+          <p:cNvPr id="47" name="직사각형 46">
+            <a:extLst>
+              <a:ext uri="{FF2B5EF4-FFF2-40B4-BE49-F238E27FC236}">
+                <a16:creationId xmlns:a16="http://schemas.microsoft.com/office/drawing/2014/main" id="{2DF738C5-9746-4C9A-B402-9613B6B7CE7F}"/>
+              </a:ext>
+            </a:extLst>
+          </p:cNvPr>
+          <p:cNvSpPr/>
+          <p:nvPr/>
+        </p:nvSpPr>
+        <p:spPr>
+          <a:xfrm>
+            <a:off x="921079" y="570459"/>
+            <a:ext cx="307072" cy="307072"/>
+          </a:xfrm>
+          <a:prstGeom prst="rect">
+            <a:avLst/>
+          </a:prstGeom>
+          <a:noFill/>
+          <a:ln w="19050">
+            <a:noFill/>
+          </a:ln>
+        </p:spPr>
+        <p:style>
+          <a:lnRef idx="2">
+            <a:schemeClr val="accent1">
+              <a:shade val="50000"/>
+            </a:schemeClr>
+          </a:lnRef>
+          <a:fillRef idx="1">
+            <a:schemeClr val="accent1"/>
+          </a:fillRef>
+          <a:effectRef idx="0">
+            <a:schemeClr val="accent1"/>
+          </a:effectRef>
+          <a:fontRef idx="minor">
+            <a:schemeClr val="lt1"/>
+          </a:fontRef>
+        </p:style>
+        <p:txBody>
+          <a:bodyPr lIns="36000" rIns="36000" rtlCol="0" anchor="ctr"/>
+          <a:lstStyle/>
+          <a:p>
+            <a:pPr algn="ctr"/>
+            <a:r>
+              <a:rPr lang="en-US" altLang="ko-KR" sz="1400">
+                <a:solidFill>
+                  <a:schemeClr val="tx1"/>
+                </a:solidFill>
+                <a:latin typeface="Consolas" panose="020B0609020204030204" pitchFamily="49" charset="0"/>
+              </a:rPr>
+              <a:t>2</a:t>
+            </a:r>
+            <a:endParaRPr lang="ko-KR" altLang="en-US" sz="1400">
+              <a:solidFill>
+                <a:schemeClr val="tx1"/>
+              </a:solidFill>
+              <a:latin typeface="Consolas" panose="020B0609020204030204" pitchFamily="49" charset="0"/>
+            </a:endParaRPr>
+          </a:p>
+        </p:txBody>
+      </p:sp>
+      <p:sp>
+        <p:nvSpPr>
+          <p:cNvPr id="48" name="직사각형 47">
+            <a:extLst>
+              <a:ext uri="{FF2B5EF4-FFF2-40B4-BE49-F238E27FC236}">
+                <a16:creationId xmlns:a16="http://schemas.microsoft.com/office/drawing/2014/main" id="{DEB18DD9-B363-4B45-8DA4-D16E2C254967}"/>
+              </a:ext>
+            </a:extLst>
+          </p:cNvPr>
+          <p:cNvSpPr/>
+          <p:nvPr/>
+        </p:nvSpPr>
+        <p:spPr>
+          <a:xfrm>
+            <a:off x="1228050" y="570459"/>
+            <a:ext cx="307072" cy="307072"/>
+          </a:xfrm>
+          <a:prstGeom prst="rect">
+            <a:avLst/>
+          </a:prstGeom>
+          <a:noFill/>
+          <a:ln w="19050">
+            <a:noFill/>
+          </a:ln>
+        </p:spPr>
+        <p:style>
+          <a:lnRef idx="2">
+            <a:schemeClr val="accent1">
+              <a:shade val="50000"/>
+            </a:schemeClr>
+          </a:lnRef>
+          <a:fillRef idx="1">
+            <a:schemeClr val="accent1"/>
+          </a:fillRef>
+          <a:effectRef idx="0">
+            <a:schemeClr val="accent1"/>
+          </a:effectRef>
+          <a:fontRef idx="minor">
+            <a:schemeClr val="lt1"/>
+          </a:fontRef>
+        </p:style>
+        <p:txBody>
+          <a:bodyPr lIns="36000" rIns="36000" rtlCol="0" anchor="ctr"/>
+          <a:lstStyle/>
+          <a:p>
+            <a:pPr algn="ctr"/>
+            <a:r>
+              <a:rPr lang="en-US" altLang="ko-KR" sz="1400">
+                <a:solidFill>
+                  <a:schemeClr val="tx1"/>
+                </a:solidFill>
+                <a:latin typeface="Consolas" panose="020B0609020204030204" pitchFamily="49" charset="0"/>
+              </a:rPr>
+              <a:t>3</a:t>
+            </a:r>
+            <a:endParaRPr lang="ko-KR" altLang="en-US" sz="1400">
+              <a:solidFill>
+                <a:schemeClr val="tx1"/>
+              </a:solidFill>
+              <a:latin typeface="Consolas" panose="020B0609020204030204" pitchFamily="49" charset="0"/>
+            </a:endParaRPr>
+          </a:p>
+        </p:txBody>
+      </p:sp>
+      <p:sp>
+        <p:nvSpPr>
+          <p:cNvPr id="49" name="직사각형 48">
+            <a:extLst>
+              <a:ext uri="{FF2B5EF4-FFF2-40B4-BE49-F238E27FC236}">
+                <a16:creationId xmlns:a16="http://schemas.microsoft.com/office/drawing/2014/main" id="{B7D5EABC-1A7D-4FF9-A609-02BC41340784}"/>
+              </a:ext>
+            </a:extLst>
+          </p:cNvPr>
+          <p:cNvSpPr/>
+          <p:nvPr/>
+        </p:nvSpPr>
+        <p:spPr>
+          <a:xfrm>
+            <a:off x="1535021" y="570459"/>
+            <a:ext cx="307072" cy="307072"/>
+          </a:xfrm>
+          <a:prstGeom prst="rect">
+            <a:avLst/>
+          </a:prstGeom>
+          <a:noFill/>
+          <a:ln w="19050">
+            <a:noFill/>
+          </a:ln>
+        </p:spPr>
+        <p:style>
+          <a:lnRef idx="2">
+            <a:schemeClr val="accent1">
+              <a:shade val="50000"/>
+            </a:schemeClr>
+          </a:lnRef>
+          <a:fillRef idx="1">
+            <a:schemeClr val="accent1"/>
+          </a:fillRef>
+          <a:effectRef idx="0">
+            <a:schemeClr val="accent1"/>
+          </a:effectRef>
+          <a:fontRef idx="minor">
+            <a:schemeClr val="lt1"/>
+          </a:fontRef>
+        </p:style>
+        <p:txBody>
+          <a:bodyPr lIns="36000" rIns="36000" rtlCol="0" anchor="ctr"/>
+          <a:lstStyle/>
+          <a:p>
+            <a:pPr algn="ctr"/>
+            <a:r>
+              <a:rPr lang="en-US" altLang="ko-KR" sz="1400">
+                <a:solidFill>
+                  <a:schemeClr val="tx1"/>
+                </a:solidFill>
+                <a:latin typeface="Consolas" panose="020B0609020204030204" pitchFamily="49" charset="0"/>
+              </a:rPr>
+              <a:t>4</a:t>
+            </a:r>
+            <a:endParaRPr lang="ko-KR" altLang="en-US" sz="1400">
+              <a:solidFill>
+                <a:schemeClr val="tx1"/>
+              </a:solidFill>
+              <a:latin typeface="Consolas" panose="020B0609020204030204" pitchFamily="49" charset="0"/>
+            </a:endParaRPr>
+          </a:p>
+        </p:txBody>
+      </p:sp>
+      <p:sp>
+        <p:nvSpPr>
+          <p:cNvPr id="50" name="직사각형 49">
+            <a:extLst>
+              <a:ext uri="{FF2B5EF4-FFF2-40B4-BE49-F238E27FC236}">
+                <a16:creationId xmlns:a16="http://schemas.microsoft.com/office/drawing/2014/main" id="{C2228003-9906-4198-BFA9-A1291EEA62B6}"/>
+              </a:ext>
+            </a:extLst>
+          </p:cNvPr>
+          <p:cNvSpPr/>
+          <p:nvPr/>
+        </p:nvSpPr>
+        <p:spPr>
+          <a:xfrm>
+            <a:off x="1841992" y="570459"/>
+            <a:ext cx="307072" cy="307072"/>
+          </a:xfrm>
+          <a:prstGeom prst="rect">
+            <a:avLst/>
+          </a:prstGeom>
+          <a:noFill/>
+          <a:ln w="19050">
+            <a:noFill/>
+          </a:ln>
+        </p:spPr>
+        <p:style>
+          <a:lnRef idx="2">
+            <a:schemeClr val="accent1">
+              <a:shade val="50000"/>
+            </a:schemeClr>
+          </a:lnRef>
+          <a:fillRef idx="1">
+            <a:schemeClr val="accent1"/>
+          </a:fillRef>
+          <a:effectRef idx="0">
+            <a:schemeClr val="accent1"/>
+          </a:effectRef>
+          <a:fontRef idx="minor">
+            <a:schemeClr val="lt1"/>
+          </a:fontRef>
+        </p:style>
+        <p:txBody>
+          <a:bodyPr lIns="36000" rIns="36000" rtlCol="0" anchor="ctr"/>
+          <a:lstStyle/>
+          <a:p>
+            <a:pPr algn="ctr"/>
+            <a:r>
+              <a:rPr lang="en-US" altLang="ko-KR" sz="1400">
+                <a:solidFill>
+                  <a:schemeClr val="tx1"/>
+                </a:solidFill>
+                <a:latin typeface="Consolas" panose="020B0609020204030204" pitchFamily="49" charset="0"/>
+              </a:rPr>
+              <a:t>5</a:t>
+            </a:r>
+            <a:endParaRPr lang="ko-KR" altLang="en-US" sz="1400">
+              <a:solidFill>
+                <a:schemeClr val="tx1"/>
+              </a:solidFill>
+              <a:latin typeface="Consolas" panose="020B0609020204030204" pitchFamily="49" charset="0"/>
+            </a:endParaRPr>
+          </a:p>
+        </p:txBody>
+      </p:sp>
+      <p:sp>
+        <p:nvSpPr>
+          <p:cNvPr id="51" name="직사각형 50">
+            <a:extLst>
+              <a:ext uri="{FF2B5EF4-FFF2-40B4-BE49-F238E27FC236}">
+                <a16:creationId xmlns:a16="http://schemas.microsoft.com/office/drawing/2014/main" id="{4011375C-5D27-4F9B-8408-5B08DCD56516}"/>
+              </a:ext>
+            </a:extLst>
+          </p:cNvPr>
+          <p:cNvSpPr/>
+          <p:nvPr/>
+        </p:nvSpPr>
+        <p:spPr>
+          <a:xfrm>
+            <a:off x="2148963" y="570459"/>
+            <a:ext cx="307072" cy="307072"/>
+          </a:xfrm>
+          <a:prstGeom prst="rect">
+            <a:avLst/>
+          </a:prstGeom>
+          <a:noFill/>
+          <a:ln w="19050">
+            <a:noFill/>
+          </a:ln>
+        </p:spPr>
+        <p:style>
+          <a:lnRef idx="2">
+            <a:schemeClr val="accent1">
+              <a:shade val="50000"/>
+            </a:schemeClr>
+          </a:lnRef>
+          <a:fillRef idx="1">
+            <a:schemeClr val="accent1"/>
+          </a:fillRef>
+          <a:effectRef idx="0">
+            <a:schemeClr val="accent1"/>
+          </a:effectRef>
+          <a:fontRef idx="minor">
+            <a:schemeClr val="lt1"/>
+          </a:fontRef>
+        </p:style>
+        <p:txBody>
+          <a:bodyPr lIns="36000" rIns="36000" rtlCol="0" anchor="ctr"/>
+          <a:lstStyle/>
+          <a:p>
+            <a:pPr algn="ctr"/>
+            <a:r>
+              <a:rPr lang="en-US" altLang="ko-KR" sz="1400">
+                <a:solidFill>
+                  <a:schemeClr val="tx1"/>
+                </a:solidFill>
+                <a:latin typeface="Consolas" panose="020B0609020204030204" pitchFamily="49" charset="0"/>
+              </a:rPr>
+              <a:t>6</a:t>
+            </a:r>
+            <a:endParaRPr lang="ko-KR" altLang="en-US" sz="1400">
+              <a:solidFill>
+                <a:schemeClr val="tx1"/>
+              </a:solidFill>
+              <a:latin typeface="Consolas" panose="020B0609020204030204" pitchFamily="49" charset="0"/>
+            </a:endParaRPr>
+          </a:p>
+        </p:txBody>
+      </p:sp>
+      <p:sp>
+        <p:nvSpPr>
+          <p:cNvPr id="52" name="직사각형 51">
+            <a:extLst>
+              <a:ext uri="{FF2B5EF4-FFF2-40B4-BE49-F238E27FC236}">
+                <a16:creationId xmlns:a16="http://schemas.microsoft.com/office/drawing/2014/main" id="{331AC4A7-2F58-4D07-80F0-AD6D22B78D8D}"/>
+              </a:ext>
+            </a:extLst>
+          </p:cNvPr>
+          <p:cNvSpPr/>
+          <p:nvPr/>
+        </p:nvSpPr>
+        <p:spPr>
+          <a:xfrm>
+            <a:off x="2455934" y="570459"/>
+            <a:ext cx="307072" cy="307072"/>
+          </a:xfrm>
+          <a:prstGeom prst="rect">
+            <a:avLst/>
+          </a:prstGeom>
+          <a:noFill/>
+          <a:ln w="19050">
+            <a:noFill/>
+          </a:ln>
+        </p:spPr>
+        <p:style>
+          <a:lnRef idx="2">
+            <a:schemeClr val="accent1">
+              <a:shade val="50000"/>
+            </a:schemeClr>
+          </a:lnRef>
+          <a:fillRef idx="1">
+            <a:schemeClr val="accent1"/>
+          </a:fillRef>
+          <a:effectRef idx="0">
+            <a:schemeClr val="accent1"/>
+          </a:effectRef>
+          <a:fontRef idx="minor">
+            <a:schemeClr val="lt1"/>
+          </a:fontRef>
+        </p:style>
+        <p:txBody>
+          <a:bodyPr lIns="36000" rIns="36000" rtlCol="0" anchor="ctr"/>
+          <a:lstStyle/>
+          <a:p>
+            <a:pPr algn="ctr"/>
+            <a:r>
+              <a:rPr lang="en-US" altLang="ko-KR" sz="1400">
+                <a:solidFill>
+                  <a:schemeClr val="tx1"/>
+                </a:solidFill>
+                <a:latin typeface="Consolas" panose="020B0609020204030204" pitchFamily="49" charset="0"/>
+              </a:rPr>
+              <a:t>7</a:t>
+            </a:r>
+            <a:endParaRPr lang="ko-KR" altLang="en-US" sz="1400">
+              <a:solidFill>
+                <a:schemeClr val="tx1"/>
+              </a:solidFill>
+              <a:latin typeface="Consolas" panose="020B0609020204030204" pitchFamily="49" charset="0"/>
+            </a:endParaRPr>
+          </a:p>
+        </p:txBody>
+      </p:sp>
+      <p:sp>
+        <p:nvSpPr>
+          <p:cNvPr id="53" name="직사각형 52">
+            <a:extLst>
+              <a:ext uri="{FF2B5EF4-FFF2-40B4-BE49-F238E27FC236}">
+                <a16:creationId xmlns:a16="http://schemas.microsoft.com/office/drawing/2014/main" id="{E1C1556F-9CFB-416D-9878-D14E0B97C15A}"/>
+              </a:ext>
+            </a:extLst>
+          </p:cNvPr>
+          <p:cNvSpPr/>
+          <p:nvPr/>
+        </p:nvSpPr>
+        <p:spPr>
+          <a:xfrm>
+            <a:off x="2762905" y="570459"/>
+            <a:ext cx="307072" cy="307072"/>
+          </a:xfrm>
+          <a:prstGeom prst="rect">
+            <a:avLst/>
+          </a:prstGeom>
+          <a:noFill/>
+          <a:ln w="19050">
+            <a:noFill/>
+          </a:ln>
+        </p:spPr>
+        <p:style>
+          <a:lnRef idx="2">
+            <a:schemeClr val="accent1">
+              <a:shade val="50000"/>
+            </a:schemeClr>
+          </a:lnRef>
+          <a:fillRef idx="1">
+            <a:schemeClr val="accent1"/>
+          </a:fillRef>
+          <a:effectRef idx="0">
+            <a:schemeClr val="accent1"/>
+          </a:effectRef>
+          <a:fontRef idx="minor">
+            <a:schemeClr val="lt1"/>
+          </a:fontRef>
+        </p:style>
+        <p:txBody>
+          <a:bodyPr lIns="36000" rIns="36000" rtlCol="0" anchor="ctr"/>
+          <a:lstStyle/>
+          <a:p>
+            <a:pPr algn="ctr"/>
+            <a:r>
+              <a:rPr lang="en-US" altLang="ko-KR" sz="1400">
+                <a:solidFill>
+                  <a:schemeClr val="tx1"/>
+                </a:solidFill>
+                <a:latin typeface="Consolas" panose="020B0609020204030204" pitchFamily="49" charset="0"/>
+              </a:rPr>
+              <a:t>8</a:t>
+            </a:r>
+            <a:endParaRPr lang="ko-KR" altLang="en-US" sz="1400">
+              <a:solidFill>
+                <a:schemeClr val="tx1"/>
+              </a:solidFill>
+              <a:latin typeface="Consolas" panose="020B0609020204030204" pitchFamily="49" charset="0"/>
+            </a:endParaRPr>
+          </a:p>
+        </p:txBody>
+      </p:sp>
+      <p:sp>
+        <p:nvSpPr>
+          <p:cNvPr id="54" name="직사각형 53">
+            <a:extLst>
+              <a:ext uri="{FF2B5EF4-FFF2-40B4-BE49-F238E27FC236}">
+                <a16:creationId xmlns:a16="http://schemas.microsoft.com/office/drawing/2014/main" id="{FAC53651-8CA3-438E-9C30-AE035CE73F95}"/>
+              </a:ext>
+            </a:extLst>
+          </p:cNvPr>
+          <p:cNvSpPr/>
+          <p:nvPr/>
+        </p:nvSpPr>
+        <p:spPr>
+          <a:xfrm>
+            <a:off x="3069876" y="570459"/>
+            <a:ext cx="307072" cy="307072"/>
+          </a:xfrm>
+          <a:prstGeom prst="rect">
+            <a:avLst/>
+          </a:prstGeom>
+          <a:noFill/>
+          <a:ln w="19050">
+            <a:noFill/>
+          </a:ln>
+        </p:spPr>
+        <p:style>
+          <a:lnRef idx="2">
+            <a:schemeClr val="accent1">
+              <a:shade val="50000"/>
+            </a:schemeClr>
+          </a:lnRef>
+          <a:fillRef idx="1">
+            <a:schemeClr val="accent1"/>
+          </a:fillRef>
+          <a:effectRef idx="0">
+            <a:schemeClr val="accent1"/>
+          </a:effectRef>
+          <a:fontRef idx="minor">
+            <a:schemeClr val="lt1"/>
+          </a:fontRef>
+        </p:style>
+        <p:txBody>
+          <a:bodyPr lIns="36000" rIns="36000" rtlCol="0" anchor="ctr"/>
+          <a:lstStyle/>
+          <a:p>
+            <a:pPr algn="ctr"/>
+            <a:r>
+              <a:rPr lang="en-US" altLang="ko-KR" sz="1400">
+                <a:solidFill>
+                  <a:schemeClr val="tx1"/>
+                </a:solidFill>
+                <a:latin typeface="Consolas" panose="020B0609020204030204" pitchFamily="49" charset="0"/>
+              </a:rPr>
+              <a:t>9</a:t>
+            </a:r>
+            <a:endParaRPr lang="ko-KR" altLang="en-US" sz="1400">
+              <a:solidFill>
+                <a:schemeClr val="tx1"/>
+              </a:solidFill>
+              <a:latin typeface="Consolas" panose="020B0609020204030204" pitchFamily="49" charset="0"/>
+            </a:endParaRPr>
+          </a:p>
+        </p:txBody>
+      </p:sp>
+      <p:sp>
+        <p:nvSpPr>
+          <p:cNvPr id="55" name="직사각형 54">
+            <a:extLst>
+              <a:ext uri="{FF2B5EF4-FFF2-40B4-BE49-F238E27FC236}">
+                <a16:creationId xmlns:a16="http://schemas.microsoft.com/office/drawing/2014/main" id="{EDE6CB71-3313-40AB-96EF-EE0DF3ECB6EA}"/>
+              </a:ext>
+            </a:extLst>
+          </p:cNvPr>
+          <p:cNvSpPr/>
+          <p:nvPr/>
+        </p:nvSpPr>
+        <p:spPr>
+          <a:xfrm>
+            <a:off x="3376847" y="570459"/>
+            <a:ext cx="307072" cy="307072"/>
+          </a:xfrm>
+          <a:prstGeom prst="rect">
+            <a:avLst/>
+          </a:prstGeom>
+          <a:noFill/>
+          <a:ln w="19050">
+            <a:noFill/>
+          </a:ln>
+        </p:spPr>
+        <p:style>
+          <a:lnRef idx="2">
+            <a:schemeClr val="accent1">
+              <a:shade val="50000"/>
+            </a:schemeClr>
+          </a:lnRef>
+          <a:fillRef idx="1">
+            <a:schemeClr val="accent1"/>
+          </a:fillRef>
+          <a:effectRef idx="0">
+            <a:schemeClr val="accent1"/>
+          </a:effectRef>
+          <a:fontRef idx="minor">
+            <a:schemeClr val="lt1"/>
+          </a:fontRef>
+        </p:style>
+        <p:txBody>
+          <a:bodyPr lIns="36000" rIns="36000" rtlCol="0" anchor="ctr"/>
+          <a:lstStyle/>
+          <a:p>
+            <a:pPr algn="ctr"/>
+            <a:r>
+              <a:rPr lang="en-US" altLang="ko-KR" sz="1400">
+                <a:solidFill>
+                  <a:schemeClr val="tx1"/>
+                </a:solidFill>
+                <a:latin typeface="Consolas" panose="020B0609020204030204" pitchFamily="49" charset="0"/>
+              </a:rPr>
+              <a:t>10</a:t>
+            </a:r>
+            <a:endParaRPr lang="ko-KR" altLang="en-US" sz="1400">
+              <a:solidFill>
+                <a:schemeClr val="tx1"/>
+              </a:solidFill>
+              <a:latin typeface="Consolas" panose="020B0609020204030204" pitchFamily="49" charset="0"/>
+            </a:endParaRPr>
+          </a:p>
+        </p:txBody>
+      </p:sp>
+      <p:sp>
+        <p:nvSpPr>
+          <p:cNvPr id="56" name="직사각형 55">
+            <a:extLst>
+              <a:ext uri="{FF2B5EF4-FFF2-40B4-BE49-F238E27FC236}">
+                <a16:creationId xmlns:a16="http://schemas.microsoft.com/office/drawing/2014/main" id="{5C513D24-F1DC-4C53-8B20-DDC774EF20E5}"/>
+              </a:ext>
+            </a:extLst>
+          </p:cNvPr>
+          <p:cNvSpPr/>
+          <p:nvPr/>
+        </p:nvSpPr>
+        <p:spPr>
+          <a:xfrm>
+            <a:off x="3683818" y="570459"/>
+            <a:ext cx="307072" cy="307072"/>
+          </a:xfrm>
+          <a:prstGeom prst="rect">
+            <a:avLst/>
+          </a:prstGeom>
+          <a:noFill/>
+          <a:ln w="19050">
+            <a:noFill/>
+          </a:ln>
+        </p:spPr>
+        <p:style>
+          <a:lnRef idx="2">
+            <a:schemeClr val="accent1">
+              <a:shade val="50000"/>
+            </a:schemeClr>
+          </a:lnRef>
+          <a:fillRef idx="1">
+            <a:schemeClr val="accent1"/>
+          </a:fillRef>
+          <a:effectRef idx="0">
+            <a:schemeClr val="accent1"/>
+          </a:effectRef>
+          <a:fontRef idx="minor">
+            <a:schemeClr val="lt1"/>
+          </a:fontRef>
+        </p:style>
+        <p:txBody>
+          <a:bodyPr lIns="36000" rIns="36000" rtlCol="0" anchor="ctr"/>
+          <a:lstStyle/>
+          <a:p>
+            <a:pPr algn="ctr"/>
+            <a:r>
+              <a:rPr lang="en-US" altLang="ko-KR" sz="1400">
+                <a:solidFill>
+                  <a:schemeClr val="tx1"/>
+                </a:solidFill>
+                <a:latin typeface="Consolas" panose="020B0609020204030204" pitchFamily="49" charset="0"/>
+              </a:rPr>
+              <a:t>11</a:t>
+            </a:r>
+            <a:endParaRPr lang="ko-KR" altLang="en-US" sz="1400">
+              <a:solidFill>
+                <a:schemeClr val="tx1"/>
+              </a:solidFill>
+              <a:latin typeface="Consolas" panose="020B0609020204030204" pitchFamily="49" charset="0"/>
+            </a:endParaRPr>
+          </a:p>
+        </p:txBody>
+      </p:sp>
+      <p:sp>
+        <p:nvSpPr>
+          <p:cNvPr id="57" name="직사각형 56">
+            <a:extLst>
+              <a:ext uri="{FF2B5EF4-FFF2-40B4-BE49-F238E27FC236}">
+                <a16:creationId xmlns:a16="http://schemas.microsoft.com/office/drawing/2014/main" id="{986F27B3-9D19-4748-A132-2E3BFAF4D87B}"/>
+              </a:ext>
+            </a:extLst>
+          </p:cNvPr>
+          <p:cNvSpPr/>
+          <p:nvPr/>
+        </p:nvSpPr>
+        <p:spPr>
+          <a:xfrm>
+            <a:off x="3990789" y="570459"/>
+            <a:ext cx="307072" cy="307072"/>
+          </a:xfrm>
+          <a:prstGeom prst="rect">
+            <a:avLst/>
+          </a:prstGeom>
+          <a:noFill/>
+          <a:ln w="19050">
+            <a:noFill/>
+          </a:ln>
+        </p:spPr>
+        <p:style>
+          <a:lnRef idx="2">
+            <a:schemeClr val="accent1">
+              <a:shade val="50000"/>
+            </a:schemeClr>
+          </a:lnRef>
+          <a:fillRef idx="1">
+            <a:schemeClr val="accent1"/>
+          </a:fillRef>
+          <a:effectRef idx="0">
+            <a:schemeClr val="accent1"/>
+          </a:effectRef>
+          <a:fontRef idx="minor">
+            <a:schemeClr val="lt1"/>
+          </a:fontRef>
+        </p:style>
+        <p:txBody>
+          <a:bodyPr lIns="36000" rIns="36000" rtlCol="0" anchor="ctr"/>
+          <a:lstStyle/>
+          <a:p>
+            <a:pPr algn="ctr"/>
+            <a:r>
+              <a:rPr lang="en-US" altLang="ko-KR" sz="1400">
+                <a:solidFill>
+                  <a:schemeClr val="tx1"/>
+                </a:solidFill>
+                <a:latin typeface="Consolas" panose="020B0609020204030204" pitchFamily="49" charset="0"/>
+              </a:rPr>
+              <a:t>12</a:t>
+            </a:r>
+            <a:endParaRPr lang="ko-KR" altLang="en-US" sz="1400">
+              <a:solidFill>
+                <a:schemeClr val="tx1"/>
+              </a:solidFill>
+              <a:latin typeface="Consolas" panose="020B0609020204030204" pitchFamily="49" charset="0"/>
+            </a:endParaRPr>
+          </a:p>
+        </p:txBody>
+      </p:sp>
+      <p:sp>
+        <p:nvSpPr>
+          <p:cNvPr id="58" name="직사각형 57">
+            <a:extLst>
+              <a:ext uri="{FF2B5EF4-FFF2-40B4-BE49-F238E27FC236}">
+                <a16:creationId xmlns:a16="http://schemas.microsoft.com/office/drawing/2014/main" id="{A5F4AE6A-2B90-41A8-9896-AAEB64AC5058}"/>
+              </a:ext>
+            </a:extLst>
+          </p:cNvPr>
+          <p:cNvSpPr/>
+          <p:nvPr/>
+        </p:nvSpPr>
+        <p:spPr>
+          <a:xfrm>
+            <a:off x="4297760" y="570459"/>
+            <a:ext cx="307072" cy="307072"/>
+          </a:xfrm>
+          <a:prstGeom prst="rect">
+            <a:avLst/>
+          </a:prstGeom>
+          <a:noFill/>
+          <a:ln w="19050">
+            <a:noFill/>
+          </a:ln>
+        </p:spPr>
+        <p:style>
+          <a:lnRef idx="2">
+            <a:schemeClr val="accent1">
+              <a:shade val="50000"/>
+            </a:schemeClr>
+          </a:lnRef>
+          <a:fillRef idx="1">
+            <a:schemeClr val="accent1"/>
+          </a:fillRef>
+          <a:effectRef idx="0">
+            <a:schemeClr val="accent1"/>
+          </a:effectRef>
+          <a:fontRef idx="minor">
+            <a:schemeClr val="lt1"/>
+          </a:fontRef>
+        </p:style>
+        <p:txBody>
+          <a:bodyPr lIns="36000" rIns="36000" rtlCol="0" anchor="ctr"/>
+          <a:lstStyle/>
+          <a:p>
+            <a:pPr algn="ctr"/>
+            <a:r>
+              <a:rPr lang="en-US" altLang="ko-KR" sz="1400">
+                <a:solidFill>
+                  <a:schemeClr val="tx1"/>
+                </a:solidFill>
+                <a:latin typeface="Consolas" panose="020B0609020204030204" pitchFamily="49" charset="0"/>
+              </a:rPr>
+              <a:t>13</a:t>
+            </a:r>
+            <a:endParaRPr lang="ko-KR" altLang="en-US" sz="1400">
+              <a:solidFill>
+                <a:schemeClr val="tx1"/>
+              </a:solidFill>
+              <a:latin typeface="Consolas" panose="020B0609020204030204" pitchFamily="49" charset="0"/>
+            </a:endParaRPr>
+          </a:p>
+        </p:txBody>
+      </p:sp>
+      <p:sp>
+        <p:nvSpPr>
+          <p:cNvPr id="59" name="직사각형 58">
+            <a:extLst>
+              <a:ext uri="{FF2B5EF4-FFF2-40B4-BE49-F238E27FC236}">
+                <a16:creationId xmlns:a16="http://schemas.microsoft.com/office/drawing/2014/main" id="{B467F2A1-CD64-4A9E-B015-F5D2DBF641F1}"/>
+              </a:ext>
+            </a:extLst>
+          </p:cNvPr>
+          <p:cNvSpPr/>
+          <p:nvPr/>
+        </p:nvSpPr>
+        <p:spPr>
+          <a:xfrm>
+            <a:off x="4604731" y="570459"/>
+            <a:ext cx="307072" cy="307072"/>
+          </a:xfrm>
+          <a:prstGeom prst="rect">
+            <a:avLst/>
+          </a:prstGeom>
+          <a:noFill/>
+          <a:ln w="19050">
+            <a:noFill/>
+          </a:ln>
+        </p:spPr>
+        <p:style>
+          <a:lnRef idx="2">
+            <a:schemeClr val="accent1">
+              <a:shade val="50000"/>
+            </a:schemeClr>
+          </a:lnRef>
+          <a:fillRef idx="1">
+            <a:schemeClr val="accent1"/>
+          </a:fillRef>
+          <a:effectRef idx="0">
+            <a:schemeClr val="accent1"/>
+          </a:effectRef>
+          <a:fontRef idx="minor">
+            <a:schemeClr val="lt1"/>
+          </a:fontRef>
+        </p:style>
+        <p:txBody>
+          <a:bodyPr lIns="36000" rIns="36000" rtlCol="0" anchor="ctr"/>
+          <a:lstStyle/>
+          <a:p>
+            <a:pPr algn="ctr"/>
+            <a:r>
+              <a:rPr lang="en-US" altLang="ko-KR" sz="1400">
+                <a:solidFill>
+                  <a:schemeClr val="tx1"/>
+                </a:solidFill>
+                <a:latin typeface="Consolas" panose="020B0609020204030204" pitchFamily="49" charset="0"/>
+              </a:rPr>
+              <a:t>14</a:t>
+            </a:r>
+            <a:endParaRPr lang="ko-KR" altLang="en-US" sz="1400">
+              <a:solidFill>
+                <a:schemeClr val="tx1"/>
+              </a:solidFill>
+              <a:latin typeface="Consolas" panose="020B0609020204030204" pitchFamily="49" charset="0"/>
+            </a:endParaRPr>
+          </a:p>
+        </p:txBody>
+      </p:sp>
+      <p:sp>
+        <p:nvSpPr>
+          <p:cNvPr id="60" name="직사각형 59">
+            <a:extLst>
+              <a:ext uri="{FF2B5EF4-FFF2-40B4-BE49-F238E27FC236}">
+                <a16:creationId xmlns:a16="http://schemas.microsoft.com/office/drawing/2014/main" id="{B6F573BC-58EC-451D-B8AA-44F485F30FB9}"/>
+              </a:ext>
+            </a:extLst>
+          </p:cNvPr>
+          <p:cNvSpPr/>
+          <p:nvPr/>
+        </p:nvSpPr>
+        <p:spPr>
+          <a:xfrm>
+            <a:off x="4911702" y="570459"/>
+            <a:ext cx="307072" cy="307072"/>
+          </a:xfrm>
+          <a:prstGeom prst="rect">
+            <a:avLst/>
+          </a:prstGeom>
+          <a:noFill/>
+          <a:ln w="19050">
+            <a:noFill/>
+          </a:ln>
+        </p:spPr>
+        <p:style>
+          <a:lnRef idx="2">
+            <a:schemeClr val="accent1">
+              <a:shade val="50000"/>
+            </a:schemeClr>
+          </a:lnRef>
+          <a:fillRef idx="1">
+            <a:schemeClr val="accent1"/>
+          </a:fillRef>
+          <a:effectRef idx="0">
+            <a:schemeClr val="accent1"/>
+          </a:effectRef>
+          <a:fontRef idx="minor">
+            <a:schemeClr val="lt1"/>
+          </a:fontRef>
+        </p:style>
+        <p:txBody>
+          <a:bodyPr lIns="36000" rIns="36000" rtlCol="0" anchor="ctr"/>
+          <a:lstStyle/>
+          <a:p>
+            <a:pPr algn="ctr"/>
+            <a:r>
+              <a:rPr lang="en-US" altLang="ko-KR" sz="1400">
+                <a:solidFill>
+                  <a:schemeClr val="tx1"/>
+                </a:solidFill>
+                <a:latin typeface="Consolas" panose="020B0609020204030204" pitchFamily="49" charset="0"/>
+              </a:rPr>
+              <a:t>15</a:t>
+            </a:r>
+            <a:endParaRPr lang="ko-KR" altLang="en-US" sz="1400">
+              <a:solidFill>
+                <a:schemeClr val="tx1"/>
+              </a:solidFill>
+              <a:latin typeface="Consolas" panose="020B0609020204030204" pitchFamily="49" charset="0"/>
+            </a:endParaRPr>
+          </a:p>
+        </p:txBody>
+      </p:sp>
+      <p:sp>
+        <p:nvSpPr>
+          <p:cNvPr id="61" name="직사각형 60">
+            <a:extLst>
+              <a:ext uri="{FF2B5EF4-FFF2-40B4-BE49-F238E27FC236}">
+                <a16:creationId xmlns:a16="http://schemas.microsoft.com/office/drawing/2014/main" id="{2D62397F-60E4-40BE-BAD2-D052555D3A19}"/>
+              </a:ext>
+            </a:extLst>
+          </p:cNvPr>
+          <p:cNvSpPr/>
+          <p:nvPr/>
+        </p:nvSpPr>
+        <p:spPr>
+          <a:xfrm>
+            <a:off x="5218673" y="570459"/>
+            <a:ext cx="307072" cy="307072"/>
+          </a:xfrm>
+          <a:prstGeom prst="rect">
+            <a:avLst/>
+          </a:prstGeom>
+          <a:noFill/>
+          <a:ln w="19050">
+            <a:noFill/>
+          </a:ln>
+        </p:spPr>
+        <p:style>
+          <a:lnRef idx="2">
+            <a:schemeClr val="accent1">
+              <a:shade val="50000"/>
+            </a:schemeClr>
+          </a:lnRef>
+          <a:fillRef idx="1">
+            <a:schemeClr val="accent1"/>
+          </a:fillRef>
+          <a:effectRef idx="0">
+            <a:schemeClr val="accent1"/>
+          </a:effectRef>
+          <a:fontRef idx="minor">
+            <a:schemeClr val="lt1"/>
+          </a:fontRef>
+        </p:style>
+        <p:txBody>
+          <a:bodyPr lIns="36000" rIns="36000" rtlCol="0" anchor="ctr"/>
+          <a:lstStyle/>
+          <a:p>
+            <a:pPr algn="ctr"/>
+            <a:r>
+              <a:rPr lang="en-US" altLang="ko-KR" sz="1400">
+                <a:solidFill>
+                  <a:schemeClr val="tx1"/>
+                </a:solidFill>
+                <a:latin typeface="Consolas" panose="020B0609020204030204" pitchFamily="49" charset="0"/>
+              </a:rPr>
+              <a:t>16</a:t>
+            </a:r>
+            <a:endParaRPr lang="ko-KR" altLang="en-US" sz="1400">
+              <a:solidFill>
+                <a:schemeClr val="tx1"/>
+              </a:solidFill>
+              <a:latin typeface="Consolas" panose="020B0609020204030204" pitchFamily="49" charset="0"/>
+            </a:endParaRPr>
+          </a:p>
+        </p:txBody>
+      </p:sp>
+      <p:sp>
+        <p:nvSpPr>
+          <p:cNvPr id="62" name="직사각형 61">
+            <a:extLst>
+              <a:ext uri="{FF2B5EF4-FFF2-40B4-BE49-F238E27FC236}">
+                <a16:creationId xmlns:a16="http://schemas.microsoft.com/office/drawing/2014/main" id="{2F387E6C-409A-4494-AE8A-7114A88007A4}"/>
+              </a:ext>
+            </a:extLst>
+          </p:cNvPr>
+          <p:cNvSpPr/>
+          <p:nvPr/>
+        </p:nvSpPr>
+        <p:spPr>
+          <a:xfrm>
+            <a:off x="5525644" y="570459"/>
+            <a:ext cx="307072" cy="307072"/>
+          </a:xfrm>
+          <a:prstGeom prst="rect">
+            <a:avLst/>
+          </a:prstGeom>
+          <a:noFill/>
+          <a:ln w="19050">
+            <a:noFill/>
+          </a:ln>
+        </p:spPr>
+        <p:style>
+          <a:lnRef idx="2">
+            <a:schemeClr val="accent1">
+              <a:shade val="50000"/>
+            </a:schemeClr>
+          </a:lnRef>
+          <a:fillRef idx="1">
+            <a:schemeClr val="accent1"/>
+          </a:fillRef>
+          <a:effectRef idx="0">
+            <a:schemeClr val="accent1"/>
+          </a:effectRef>
+          <a:fontRef idx="minor">
+            <a:schemeClr val="lt1"/>
+          </a:fontRef>
+        </p:style>
+        <p:txBody>
+          <a:bodyPr lIns="36000" rIns="36000" rtlCol="0" anchor="ctr"/>
+          <a:lstStyle/>
+          <a:p>
+            <a:pPr algn="ctr"/>
+            <a:r>
+              <a:rPr lang="en-US" altLang="ko-KR" sz="1400">
+                <a:solidFill>
+                  <a:schemeClr val="tx1"/>
+                </a:solidFill>
+                <a:latin typeface="Consolas" panose="020B0609020204030204" pitchFamily="49" charset="0"/>
+              </a:rPr>
+              <a:t>17</a:t>
+            </a:r>
+            <a:endParaRPr lang="ko-KR" altLang="en-US" sz="1400">
+              <a:solidFill>
+                <a:schemeClr val="tx1"/>
+              </a:solidFill>
+              <a:latin typeface="Consolas" panose="020B0609020204030204" pitchFamily="49" charset="0"/>
+            </a:endParaRPr>
+          </a:p>
+        </p:txBody>
+      </p:sp>
+      <p:sp>
+        <p:nvSpPr>
+          <p:cNvPr id="63" name="직사각형 62">
+            <a:extLst>
+              <a:ext uri="{FF2B5EF4-FFF2-40B4-BE49-F238E27FC236}">
+                <a16:creationId xmlns:a16="http://schemas.microsoft.com/office/drawing/2014/main" id="{AAC7289F-7B45-4E5C-B239-C577AC5B8B90}"/>
+              </a:ext>
+            </a:extLst>
+          </p:cNvPr>
+          <p:cNvSpPr/>
+          <p:nvPr/>
+        </p:nvSpPr>
+        <p:spPr>
+          <a:xfrm>
+            <a:off x="5832615" y="570459"/>
+            <a:ext cx="307072" cy="307072"/>
+          </a:xfrm>
+          <a:prstGeom prst="rect">
+            <a:avLst/>
+          </a:prstGeom>
+          <a:noFill/>
+          <a:ln w="19050">
+            <a:noFill/>
+          </a:ln>
+        </p:spPr>
+        <p:style>
+          <a:lnRef idx="2">
+            <a:schemeClr val="accent1">
+              <a:shade val="50000"/>
+            </a:schemeClr>
+          </a:lnRef>
+          <a:fillRef idx="1">
+            <a:schemeClr val="accent1"/>
+          </a:fillRef>
+          <a:effectRef idx="0">
+            <a:schemeClr val="accent1"/>
+          </a:effectRef>
+          <a:fontRef idx="minor">
+            <a:schemeClr val="lt1"/>
+          </a:fontRef>
+        </p:style>
+        <p:txBody>
+          <a:bodyPr lIns="36000" rIns="36000" rtlCol="0" anchor="ctr"/>
+          <a:lstStyle/>
+          <a:p>
+            <a:pPr algn="ctr"/>
+            <a:r>
+              <a:rPr lang="en-US" altLang="ko-KR" sz="1400">
+                <a:solidFill>
+                  <a:schemeClr val="tx1"/>
+                </a:solidFill>
+                <a:latin typeface="Consolas" panose="020B0609020204030204" pitchFamily="49" charset="0"/>
+              </a:rPr>
+              <a:t>18</a:t>
+            </a:r>
+            <a:endParaRPr lang="ko-KR" altLang="en-US" sz="1400">
+              <a:solidFill>
+                <a:schemeClr val="tx1"/>
+              </a:solidFill>
+              <a:latin typeface="Consolas" panose="020B0609020204030204" pitchFamily="49" charset="0"/>
+            </a:endParaRPr>
+          </a:p>
+        </p:txBody>
+      </p:sp>
+      <p:sp>
+        <p:nvSpPr>
+          <p:cNvPr id="64" name="직사각형 63">
+            <a:extLst>
+              <a:ext uri="{FF2B5EF4-FFF2-40B4-BE49-F238E27FC236}">
+                <a16:creationId xmlns:a16="http://schemas.microsoft.com/office/drawing/2014/main" id="{16741A95-9311-49A0-9F41-7E23BBD5C2D6}"/>
+              </a:ext>
+            </a:extLst>
+          </p:cNvPr>
+          <p:cNvSpPr/>
+          <p:nvPr/>
+        </p:nvSpPr>
+        <p:spPr>
+          <a:xfrm>
+            <a:off x="6139586" y="570459"/>
+            <a:ext cx="307072" cy="307072"/>
+          </a:xfrm>
+          <a:prstGeom prst="rect">
+            <a:avLst/>
+          </a:prstGeom>
+          <a:noFill/>
+          <a:ln w="19050">
+            <a:noFill/>
+          </a:ln>
+        </p:spPr>
+        <p:style>
+          <a:lnRef idx="2">
+            <a:schemeClr val="accent1">
+              <a:shade val="50000"/>
+            </a:schemeClr>
+          </a:lnRef>
+          <a:fillRef idx="1">
+            <a:schemeClr val="accent1"/>
+          </a:fillRef>
+          <a:effectRef idx="0">
+            <a:schemeClr val="accent1"/>
+          </a:effectRef>
+          <a:fontRef idx="minor">
+            <a:schemeClr val="lt1"/>
+          </a:fontRef>
+        </p:style>
+        <p:txBody>
+          <a:bodyPr lIns="36000" rIns="36000" rtlCol="0" anchor="ctr"/>
+          <a:lstStyle/>
+          <a:p>
+            <a:pPr algn="ctr"/>
+            <a:r>
+              <a:rPr lang="en-US" altLang="ko-KR" sz="1400">
+                <a:solidFill>
+                  <a:schemeClr val="tx1"/>
+                </a:solidFill>
+                <a:latin typeface="Consolas" panose="020B0609020204030204" pitchFamily="49" charset="0"/>
+              </a:rPr>
+              <a:t>19</a:t>
+            </a:r>
+            <a:endParaRPr lang="ko-KR" altLang="en-US" sz="1400">
+              <a:solidFill>
+                <a:schemeClr val="tx1"/>
+              </a:solidFill>
+              <a:latin typeface="Consolas" panose="020B0609020204030204" pitchFamily="49" charset="0"/>
+            </a:endParaRPr>
+          </a:p>
+        </p:txBody>
+      </p:sp>
+      <p:sp>
+        <p:nvSpPr>
+          <p:cNvPr id="65" name="직사각형 64">
+            <a:extLst>
+              <a:ext uri="{FF2B5EF4-FFF2-40B4-BE49-F238E27FC236}">
+                <a16:creationId xmlns:a16="http://schemas.microsoft.com/office/drawing/2014/main" id="{EB3E2938-6A08-4CD8-BE12-FA30B4044A4A}"/>
+              </a:ext>
+            </a:extLst>
+          </p:cNvPr>
+          <p:cNvSpPr/>
+          <p:nvPr/>
+        </p:nvSpPr>
+        <p:spPr>
+          <a:xfrm>
+            <a:off x="6446557" y="570459"/>
+            <a:ext cx="307072" cy="307072"/>
+          </a:xfrm>
+          <a:prstGeom prst="rect">
+            <a:avLst/>
+          </a:prstGeom>
+          <a:noFill/>
+          <a:ln w="19050">
+            <a:noFill/>
+          </a:ln>
+        </p:spPr>
+        <p:style>
+          <a:lnRef idx="2">
+            <a:schemeClr val="accent1">
+              <a:shade val="50000"/>
+            </a:schemeClr>
+          </a:lnRef>
+          <a:fillRef idx="1">
+            <a:schemeClr val="accent1"/>
+          </a:fillRef>
+          <a:effectRef idx="0">
+            <a:schemeClr val="accent1"/>
+          </a:effectRef>
+          <a:fontRef idx="minor">
+            <a:schemeClr val="lt1"/>
+          </a:fontRef>
+        </p:style>
+        <p:txBody>
+          <a:bodyPr lIns="36000" rIns="36000" rtlCol="0" anchor="ctr"/>
+          <a:lstStyle/>
+          <a:p>
+            <a:pPr algn="ctr"/>
+            <a:r>
+              <a:rPr lang="en-US" altLang="ko-KR" sz="1400">
+                <a:solidFill>
+                  <a:schemeClr val="tx1"/>
+                </a:solidFill>
+                <a:latin typeface="Consolas" panose="020B0609020204030204" pitchFamily="49" charset="0"/>
+              </a:rPr>
+              <a:t>20</a:t>
+            </a:r>
+            <a:endParaRPr lang="ko-KR" altLang="en-US" sz="1400">
+              <a:solidFill>
+                <a:schemeClr val="tx1"/>
+              </a:solidFill>
+              <a:latin typeface="Consolas" panose="020B0609020204030204" pitchFamily="49" charset="0"/>
+            </a:endParaRPr>
+          </a:p>
+        </p:txBody>
+      </p:sp>
+      <p:sp>
+        <p:nvSpPr>
+          <p:cNvPr id="66" name="직사각형 65">
+            <a:extLst>
+              <a:ext uri="{FF2B5EF4-FFF2-40B4-BE49-F238E27FC236}">
+                <a16:creationId xmlns:a16="http://schemas.microsoft.com/office/drawing/2014/main" id="{19E739E2-2019-42E7-B560-5F55B2401197}"/>
+              </a:ext>
+            </a:extLst>
+          </p:cNvPr>
+          <p:cNvSpPr/>
+          <p:nvPr/>
+        </p:nvSpPr>
+        <p:spPr>
+          <a:xfrm>
+            <a:off x="6753528" y="570459"/>
+            <a:ext cx="307072" cy="307072"/>
+          </a:xfrm>
+          <a:prstGeom prst="rect">
+            <a:avLst/>
+          </a:prstGeom>
+          <a:noFill/>
+          <a:ln w="19050">
+            <a:noFill/>
+          </a:ln>
+        </p:spPr>
+        <p:style>
+          <a:lnRef idx="2">
+            <a:schemeClr val="accent1">
+              <a:shade val="50000"/>
+            </a:schemeClr>
+          </a:lnRef>
+          <a:fillRef idx="1">
+            <a:schemeClr val="accent1"/>
+          </a:fillRef>
+          <a:effectRef idx="0">
+            <a:schemeClr val="accent1"/>
+          </a:effectRef>
+          <a:fontRef idx="minor">
+            <a:schemeClr val="lt1"/>
+          </a:fontRef>
+        </p:style>
+        <p:txBody>
+          <a:bodyPr lIns="36000" rIns="36000" rtlCol="0" anchor="ctr"/>
+          <a:lstStyle/>
+          <a:p>
+            <a:pPr algn="ctr"/>
+            <a:r>
+              <a:rPr lang="en-US" altLang="ko-KR" sz="1400">
+                <a:solidFill>
+                  <a:schemeClr val="tx1"/>
+                </a:solidFill>
+                <a:latin typeface="Consolas" panose="020B0609020204030204" pitchFamily="49" charset="0"/>
+              </a:rPr>
+              <a:t>21</a:t>
+            </a:r>
+            <a:endParaRPr lang="ko-KR" altLang="en-US" sz="1400">
+              <a:solidFill>
+                <a:schemeClr val="tx1"/>
+              </a:solidFill>
+              <a:latin typeface="Consolas" panose="020B0609020204030204" pitchFamily="49" charset="0"/>
+            </a:endParaRPr>
+          </a:p>
+        </p:txBody>
+      </p:sp>
+      <p:sp>
+        <p:nvSpPr>
+          <p:cNvPr id="67" name="직사각형 66">
+            <a:extLst>
+              <a:ext uri="{FF2B5EF4-FFF2-40B4-BE49-F238E27FC236}">
+                <a16:creationId xmlns:a16="http://schemas.microsoft.com/office/drawing/2014/main" id="{D0D41616-74F9-4BC1-A643-1AEA39537A97}"/>
+              </a:ext>
+            </a:extLst>
+          </p:cNvPr>
+          <p:cNvSpPr/>
+          <p:nvPr/>
+        </p:nvSpPr>
+        <p:spPr>
+          <a:xfrm>
+            <a:off x="7060499" y="570459"/>
+            <a:ext cx="307072" cy="307072"/>
+          </a:xfrm>
+          <a:prstGeom prst="rect">
+            <a:avLst/>
+          </a:prstGeom>
+          <a:noFill/>
+          <a:ln w="19050">
+            <a:noFill/>
+          </a:ln>
+        </p:spPr>
+        <p:style>
+          <a:lnRef idx="2">
+            <a:schemeClr val="accent1">
+              <a:shade val="50000"/>
+            </a:schemeClr>
+          </a:lnRef>
+          <a:fillRef idx="1">
+            <a:schemeClr val="accent1"/>
+          </a:fillRef>
+          <a:effectRef idx="0">
+            <a:schemeClr val="accent1"/>
+          </a:effectRef>
+          <a:fontRef idx="minor">
+            <a:schemeClr val="lt1"/>
+          </a:fontRef>
+        </p:style>
+        <p:txBody>
+          <a:bodyPr lIns="36000" rIns="36000" rtlCol="0" anchor="ctr"/>
+          <a:lstStyle/>
+          <a:p>
+            <a:pPr algn="ctr"/>
+            <a:r>
+              <a:rPr lang="en-US" altLang="ko-KR" sz="1400">
+                <a:solidFill>
+                  <a:schemeClr val="tx1"/>
+                </a:solidFill>
+                <a:latin typeface="Consolas" panose="020B0609020204030204" pitchFamily="49" charset="0"/>
+              </a:rPr>
+              <a:t>22</a:t>
+            </a:r>
+            <a:endParaRPr lang="ko-KR" altLang="en-US" sz="1400">
+              <a:solidFill>
+                <a:schemeClr val="tx1"/>
+              </a:solidFill>
+              <a:latin typeface="Consolas" panose="020B0609020204030204" pitchFamily="49" charset="0"/>
+            </a:endParaRPr>
+          </a:p>
+        </p:txBody>
+      </p:sp>
+      <p:sp>
+        <p:nvSpPr>
+          <p:cNvPr id="68" name="직사각형 67">
+            <a:extLst>
+              <a:ext uri="{FF2B5EF4-FFF2-40B4-BE49-F238E27FC236}">
+                <a16:creationId xmlns:a16="http://schemas.microsoft.com/office/drawing/2014/main" id="{664BB26C-9467-47C0-9868-985F8A7C54B3}"/>
+              </a:ext>
+            </a:extLst>
+          </p:cNvPr>
+          <p:cNvSpPr/>
+          <p:nvPr/>
+        </p:nvSpPr>
+        <p:spPr>
+          <a:xfrm>
+            <a:off x="7367470" y="570459"/>
+            <a:ext cx="307072" cy="307072"/>
+          </a:xfrm>
+          <a:prstGeom prst="rect">
+            <a:avLst/>
+          </a:prstGeom>
+          <a:noFill/>
+          <a:ln w="19050">
+            <a:noFill/>
+          </a:ln>
+        </p:spPr>
+        <p:style>
+          <a:lnRef idx="2">
+            <a:schemeClr val="accent1">
+              <a:shade val="50000"/>
+            </a:schemeClr>
+          </a:lnRef>
+          <a:fillRef idx="1">
+            <a:schemeClr val="accent1"/>
+          </a:fillRef>
+          <a:effectRef idx="0">
+            <a:schemeClr val="accent1"/>
+          </a:effectRef>
+          <a:fontRef idx="minor">
+            <a:schemeClr val="lt1"/>
+          </a:fontRef>
+        </p:style>
+        <p:txBody>
+          <a:bodyPr lIns="36000" rIns="36000" rtlCol="0" anchor="ctr"/>
+          <a:lstStyle/>
+          <a:p>
+            <a:pPr algn="ctr"/>
+            <a:r>
+              <a:rPr lang="en-US" altLang="ko-KR" sz="1400">
+                <a:solidFill>
+                  <a:schemeClr val="tx1"/>
+                </a:solidFill>
+                <a:latin typeface="Consolas" panose="020B0609020204030204" pitchFamily="49" charset="0"/>
+              </a:rPr>
+              <a:t>23</a:t>
+            </a:r>
+            <a:endParaRPr lang="ko-KR" altLang="en-US" sz="1400">
+              <a:solidFill>
+                <a:schemeClr val="tx1"/>
+              </a:solidFill>
+              <a:latin typeface="Consolas" panose="020B0609020204030204" pitchFamily="49" charset="0"/>
+            </a:endParaRPr>
+          </a:p>
+        </p:txBody>
+      </p:sp>
+      <p:sp>
+        <p:nvSpPr>
+          <p:cNvPr id="69" name="직사각형 68">
+            <a:extLst>
+              <a:ext uri="{FF2B5EF4-FFF2-40B4-BE49-F238E27FC236}">
+                <a16:creationId xmlns:a16="http://schemas.microsoft.com/office/drawing/2014/main" id="{36ECE8E0-D72E-4C22-BDCD-BB07A7FF49F8}"/>
+              </a:ext>
+            </a:extLst>
+          </p:cNvPr>
+          <p:cNvSpPr/>
+          <p:nvPr/>
+        </p:nvSpPr>
+        <p:spPr>
+          <a:xfrm>
+            <a:off x="7674441" y="570459"/>
+            <a:ext cx="307072" cy="307072"/>
+          </a:xfrm>
+          <a:prstGeom prst="rect">
+            <a:avLst/>
+          </a:prstGeom>
+          <a:noFill/>
+          <a:ln w="19050">
+            <a:noFill/>
+          </a:ln>
+        </p:spPr>
+        <p:style>
+          <a:lnRef idx="2">
+            <a:schemeClr val="accent1">
+              <a:shade val="50000"/>
+            </a:schemeClr>
+          </a:lnRef>
+          <a:fillRef idx="1">
+            <a:schemeClr val="accent1"/>
+          </a:fillRef>
+          <a:effectRef idx="0">
+            <a:schemeClr val="accent1"/>
+          </a:effectRef>
+          <a:fontRef idx="minor">
+            <a:schemeClr val="lt1"/>
+          </a:fontRef>
+        </p:style>
+        <p:txBody>
+          <a:bodyPr lIns="36000" rIns="36000" rtlCol="0" anchor="ctr"/>
+          <a:lstStyle/>
+          <a:p>
+            <a:pPr algn="ctr"/>
+            <a:r>
+              <a:rPr lang="en-US" altLang="ko-KR" sz="1400">
+                <a:solidFill>
+                  <a:schemeClr val="tx1"/>
+                </a:solidFill>
+                <a:latin typeface="Consolas" panose="020B0609020204030204" pitchFamily="49" charset="0"/>
+              </a:rPr>
+              <a:t>24</a:t>
+            </a:r>
+            <a:endParaRPr lang="ko-KR" altLang="en-US" sz="1400">
+              <a:solidFill>
+                <a:schemeClr val="tx1"/>
+              </a:solidFill>
+              <a:latin typeface="Consolas" panose="020B0609020204030204" pitchFamily="49" charset="0"/>
+            </a:endParaRPr>
+          </a:p>
+        </p:txBody>
+      </p:sp>
+      <p:sp>
+        <p:nvSpPr>
+          <p:cNvPr id="70" name="직사각형 69">
+            <a:extLst>
+              <a:ext uri="{FF2B5EF4-FFF2-40B4-BE49-F238E27FC236}">
+                <a16:creationId xmlns:a16="http://schemas.microsoft.com/office/drawing/2014/main" id="{5DFC6391-0191-47DA-A198-B7A4A06D17A7}"/>
+              </a:ext>
+            </a:extLst>
+          </p:cNvPr>
+          <p:cNvSpPr/>
+          <p:nvPr/>
+        </p:nvSpPr>
+        <p:spPr>
+          <a:xfrm>
+            <a:off x="7981412" y="570459"/>
+            <a:ext cx="307072" cy="307072"/>
+          </a:xfrm>
+          <a:prstGeom prst="rect">
+            <a:avLst/>
+          </a:prstGeom>
+          <a:noFill/>
+          <a:ln w="19050">
+            <a:noFill/>
+          </a:ln>
+        </p:spPr>
+        <p:style>
+          <a:lnRef idx="2">
+            <a:schemeClr val="accent1">
+              <a:shade val="50000"/>
+            </a:schemeClr>
+          </a:lnRef>
+          <a:fillRef idx="1">
+            <a:schemeClr val="accent1"/>
+          </a:fillRef>
+          <a:effectRef idx="0">
+            <a:schemeClr val="accent1"/>
+          </a:effectRef>
+          <a:fontRef idx="minor">
+            <a:schemeClr val="lt1"/>
+          </a:fontRef>
+        </p:style>
+        <p:txBody>
+          <a:bodyPr lIns="36000" rIns="36000" rtlCol="0" anchor="ctr"/>
+          <a:lstStyle/>
+          <a:p>
+            <a:pPr algn="ctr"/>
+            <a:r>
+              <a:rPr lang="en-US" altLang="ko-KR" sz="1400">
+                <a:solidFill>
+                  <a:schemeClr val="tx1"/>
+                </a:solidFill>
+                <a:latin typeface="Consolas" panose="020B0609020204030204" pitchFamily="49" charset="0"/>
+              </a:rPr>
+              <a:t>25</a:t>
+            </a:r>
+            <a:endParaRPr lang="ko-KR" altLang="en-US" sz="1400">
+              <a:solidFill>
+                <a:schemeClr val="tx1"/>
+              </a:solidFill>
+              <a:latin typeface="Consolas" panose="020B0609020204030204" pitchFamily="49" charset="0"/>
+            </a:endParaRPr>
+          </a:p>
+        </p:txBody>
+      </p:sp>
+      <p:sp>
+        <p:nvSpPr>
+          <p:cNvPr id="71" name="직사각형 70">
+            <a:extLst>
+              <a:ext uri="{FF2B5EF4-FFF2-40B4-BE49-F238E27FC236}">
+                <a16:creationId xmlns:a16="http://schemas.microsoft.com/office/drawing/2014/main" id="{0AF3DC81-BA2E-43A8-9A78-C2A163727D8B}"/>
+              </a:ext>
+            </a:extLst>
+          </p:cNvPr>
+          <p:cNvSpPr/>
+          <p:nvPr/>
+        </p:nvSpPr>
+        <p:spPr>
+          <a:xfrm>
+            <a:off x="8288383" y="570459"/>
+            <a:ext cx="307072" cy="307072"/>
+          </a:xfrm>
+          <a:prstGeom prst="rect">
+            <a:avLst/>
+          </a:prstGeom>
+          <a:noFill/>
+          <a:ln w="19050">
+            <a:noFill/>
+          </a:ln>
+        </p:spPr>
+        <p:style>
+          <a:lnRef idx="2">
+            <a:schemeClr val="accent1">
+              <a:shade val="50000"/>
+            </a:schemeClr>
+          </a:lnRef>
+          <a:fillRef idx="1">
+            <a:schemeClr val="accent1"/>
+          </a:fillRef>
+          <a:effectRef idx="0">
+            <a:schemeClr val="accent1"/>
+          </a:effectRef>
+          <a:fontRef idx="minor">
+            <a:schemeClr val="lt1"/>
+          </a:fontRef>
+        </p:style>
+        <p:txBody>
+          <a:bodyPr lIns="36000" rIns="36000" rtlCol="0" anchor="ctr"/>
+          <a:lstStyle/>
+          <a:p>
+            <a:pPr algn="ctr"/>
+            <a:r>
+              <a:rPr lang="en-US" altLang="ko-KR" sz="1400">
+                <a:solidFill>
+                  <a:schemeClr val="tx1"/>
+                </a:solidFill>
+                <a:latin typeface="Consolas" panose="020B0609020204030204" pitchFamily="49" charset="0"/>
+              </a:rPr>
+              <a:t>26</a:t>
+            </a:r>
+            <a:endParaRPr lang="ko-KR" altLang="en-US" sz="1400">
+              <a:solidFill>
+                <a:schemeClr val="tx1"/>
+              </a:solidFill>
+              <a:latin typeface="Consolas" panose="020B0609020204030204" pitchFamily="49" charset="0"/>
+            </a:endParaRPr>
+          </a:p>
+        </p:txBody>
+      </p:sp>
+      <p:sp>
+        <p:nvSpPr>
+          <p:cNvPr id="72" name="직사각형 71">
+            <a:extLst>
+              <a:ext uri="{FF2B5EF4-FFF2-40B4-BE49-F238E27FC236}">
+                <a16:creationId xmlns:a16="http://schemas.microsoft.com/office/drawing/2014/main" id="{E5B5BC69-19C7-4CF8-9DA1-9665F089F8FF}"/>
+              </a:ext>
+            </a:extLst>
+          </p:cNvPr>
+          <p:cNvSpPr/>
+          <p:nvPr/>
+        </p:nvSpPr>
+        <p:spPr>
+          <a:xfrm>
+            <a:off x="8595354" y="570459"/>
+            <a:ext cx="307072" cy="307072"/>
+          </a:xfrm>
+          <a:prstGeom prst="rect">
+            <a:avLst/>
+          </a:prstGeom>
+          <a:noFill/>
+          <a:ln w="19050">
+            <a:noFill/>
+          </a:ln>
+        </p:spPr>
+        <p:style>
+          <a:lnRef idx="2">
+            <a:schemeClr val="accent1">
+              <a:shade val="50000"/>
+            </a:schemeClr>
+          </a:lnRef>
+          <a:fillRef idx="1">
+            <a:schemeClr val="accent1"/>
+          </a:fillRef>
+          <a:effectRef idx="0">
+            <a:schemeClr val="accent1"/>
+          </a:effectRef>
+          <a:fontRef idx="minor">
+            <a:schemeClr val="lt1"/>
+          </a:fontRef>
+        </p:style>
+        <p:txBody>
+          <a:bodyPr lIns="36000" rIns="36000" rtlCol="0" anchor="ctr"/>
+          <a:lstStyle/>
+          <a:p>
+            <a:pPr algn="ctr"/>
+            <a:r>
+              <a:rPr lang="en-US" altLang="ko-KR" sz="1400">
+                <a:solidFill>
+                  <a:schemeClr val="tx1"/>
+                </a:solidFill>
+                <a:latin typeface="Consolas" panose="020B0609020204030204" pitchFamily="49" charset="0"/>
+              </a:rPr>
+              <a:t>27</a:t>
+            </a:r>
+            <a:endParaRPr lang="ko-KR" altLang="en-US" sz="1400">
+              <a:solidFill>
+                <a:schemeClr val="tx1"/>
+              </a:solidFill>
+              <a:latin typeface="Consolas" panose="020B0609020204030204" pitchFamily="49" charset="0"/>
+            </a:endParaRPr>
+          </a:p>
+        </p:txBody>
+      </p:sp>
+      <p:sp>
+        <p:nvSpPr>
+          <p:cNvPr id="73" name="직사각형 72">
+            <a:extLst>
+              <a:ext uri="{FF2B5EF4-FFF2-40B4-BE49-F238E27FC236}">
+                <a16:creationId xmlns:a16="http://schemas.microsoft.com/office/drawing/2014/main" id="{C0A2F36D-120B-4AFD-8E52-6F8AB6CA721A}"/>
+              </a:ext>
+            </a:extLst>
+          </p:cNvPr>
+          <p:cNvSpPr/>
+          <p:nvPr/>
+        </p:nvSpPr>
+        <p:spPr>
+          <a:xfrm>
+            <a:off x="8902325" y="570459"/>
+            <a:ext cx="307072" cy="307072"/>
+          </a:xfrm>
+          <a:prstGeom prst="rect">
+            <a:avLst/>
+          </a:prstGeom>
+          <a:noFill/>
+          <a:ln w="19050">
+            <a:noFill/>
+          </a:ln>
+        </p:spPr>
+        <p:style>
+          <a:lnRef idx="2">
+            <a:schemeClr val="accent1">
+              <a:shade val="50000"/>
+            </a:schemeClr>
+          </a:lnRef>
+          <a:fillRef idx="1">
+            <a:schemeClr val="accent1"/>
+          </a:fillRef>
+          <a:effectRef idx="0">
+            <a:schemeClr val="accent1"/>
+          </a:effectRef>
+          <a:fontRef idx="minor">
+            <a:schemeClr val="lt1"/>
+          </a:fontRef>
+        </p:style>
+        <p:txBody>
+          <a:bodyPr lIns="36000" rIns="36000" rtlCol="0" anchor="ctr"/>
+          <a:lstStyle/>
+          <a:p>
+            <a:pPr algn="ctr"/>
+            <a:r>
+              <a:rPr lang="en-US" altLang="ko-KR" sz="1400">
+                <a:solidFill>
+                  <a:schemeClr val="tx1"/>
+                </a:solidFill>
+                <a:latin typeface="Consolas" panose="020B0609020204030204" pitchFamily="49" charset="0"/>
+              </a:rPr>
+              <a:t>28</a:t>
+            </a:r>
+            <a:endParaRPr lang="ko-KR" altLang="en-US" sz="1400">
+              <a:solidFill>
+                <a:schemeClr val="tx1"/>
+              </a:solidFill>
+              <a:latin typeface="Consolas" panose="020B0609020204030204" pitchFamily="49" charset="0"/>
+            </a:endParaRPr>
+          </a:p>
+        </p:txBody>
+      </p:sp>
+      <p:sp>
+        <p:nvSpPr>
+          <p:cNvPr id="74" name="직사각형 73">
+            <a:extLst>
+              <a:ext uri="{FF2B5EF4-FFF2-40B4-BE49-F238E27FC236}">
+                <a16:creationId xmlns:a16="http://schemas.microsoft.com/office/drawing/2014/main" id="{7DEA1B60-BD27-4035-985A-A2E6D609B9B6}"/>
+              </a:ext>
+            </a:extLst>
+          </p:cNvPr>
+          <p:cNvSpPr/>
+          <p:nvPr/>
+        </p:nvSpPr>
+        <p:spPr>
+          <a:xfrm>
+            <a:off x="9209296" y="570459"/>
+            <a:ext cx="307072" cy="307072"/>
+          </a:xfrm>
+          <a:prstGeom prst="rect">
+            <a:avLst/>
+          </a:prstGeom>
+          <a:noFill/>
+          <a:ln w="19050">
+            <a:noFill/>
+          </a:ln>
+        </p:spPr>
+        <p:style>
+          <a:lnRef idx="2">
+            <a:schemeClr val="accent1">
+              <a:shade val="50000"/>
+            </a:schemeClr>
+          </a:lnRef>
+          <a:fillRef idx="1">
+            <a:schemeClr val="accent1"/>
+          </a:fillRef>
+          <a:effectRef idx="0">
+            <a:schemeClr val="accent1"/>
+          </a:effectRef>
+          <a:fontRef idx="minor">
+            <a:schemeClr val="lt1"/>
+          </a:fontRef>
+        </p:style>
+        <p:txBody>
+          <a:bodyPr lIns="36000" rIns="36000" rtlCol="0" anchor="ctr"/>
+          <a:lstStyle/>
+          <a:p>
+            <a:pPr algn="ctr"/>
+            <a:r>
+              <a:rPr lang="en-US" altLang="ko-KR" sz="1400">
+                <a:solidFill>
+                  <a:schemeClr val="tx1"/>
+                </a:solidFill>
+                <a:latin typeface="Consolas" panose="020B0609020204030204" pitchFamily="49" charset="0"/>
+              </a:rPr>
+              <a:t>29</a:t>
+            </a:r>
+            <a:endParaRPr lang="ko-KR" altLang="en-US" sz="1400">
+              <a:solidFill>
+                <a:schemeClr val="tx1"/>
+              </a:solidFill>
+              <a:latin typeface="Consolas" panose="020B0609020204030204" pitchFamily="49" charset="0"/>
+            </a:endParaRPr>
+          </a:p>
+        </p:txBody>
+      </p:sp>
+      <p:sp>
+        <p:nvSpPr>
+          <p:cNvPr id="75" name="직사각형 74">
+            <a:extLst>
+              <a:ext uri="{FF2B5EF4-FFF2-40B4-BE49-F238E27FC236}">
+                <a16:creationId xmlns:a16="http://schemas.microsoft.com/office/drawing/2014/main" id="{6CD7BBF6-CDE0-4618-B6F3-2930617AE6ED}"/>
+              </a:ext>
+            </a:extLst>
+          </p:cNvPr>
+          <p:cNvSpPr/>
+          <p:nvPr/>
+        </p:nvSpPr>
+        <p:spPr>
+          <a:xfrm>
+            <a:off x="9516267" y="570459"/>
+            <a:ext cx="307072" cy="307072"/>
+          </a:xfrm>
+          <a:prstGeom prst="rect">
+            <a:avLst/>
+          </a:prstGeom>
+          <a:noFill/>
+          <a:ln w="19050">
+            <a:noFill/>
+          </a:ln>
+        </p:spPr>
+        <p:style>
+          <a:lnRef idx="2">
+            <a:schemeClr val="accent1">
+              <a:shade val="50000"/>
+            </a:schemeClr>
+          </a:lnRef>
+          <a:fillRef idx="1">
+            <a:schemeClr val="accent1"/>
+          </a:fillRef>
+          <a:effectRef idx="0">
+            <a:schemeClr val="accent1"/>
+          </a:effectRef>
+          <a:fontRef idx="minor">
+            <a:schemeClr val="lt1"/>
+          </a:fontRef>
+        </p:style>
+        <p:txBody>
+          <a:bodyPr lIns="36000" rIns="36000" rtlCol="0" anchor="ctr"/>
+          <a:lstStyle/>
+          <a:p>
+            <a:pPr algn="ctr"/>
+            <a:r>
+              <a:rPr lang="en-US" altLang="ko-KR" sz="1400">
+                <a:solidFill>
+                  <a:schemeClr val="tx1"/>
+                </a:solidFill>
+                <a:latin typeface="Consolas" panose="020B0609020204030204" pitchFamily="49" charset="0"/>
+              </a:rPr>
+              <a:t>30</a:t>
+            </a:r>
+            <a:endParaRPr lang="ko-KR" altLang="en-US" sz="1400">
+              <a:solidFill>
+                <a:schemeClr val="tx1"/>
+              </a:solidFill>
+              <a:latin typeface="Consolas" panose="020B0609020204030204" pitchFamily="49" charset="0"/>
+            </a:endParaRPr>
+          </a:p>
+        </p:txBody>
+      </p:sp>
+      <p:sp>
+        <p:nvSpPr>
+          <p:cNvPr id="76" name="직사각형 75">
+            <a:extLst>
+              <a:ext uri="{FF2B5EF4-FFF2-40B4-BE49-F238E27FC236}">
+                <a16:creationId xmlns:a16="http://schemas.microsoft.com/office/drawing/2014/main" id="{3051A9B6-DB23-4332-96E4-528719EC683D}"/>
+              </a:ext>
+            </a:extLst>
+          </p:cNvPr>
+          <p:cNvSpPr/>
+          <p:nvPr/>
+        </p:nvSpPr>
+        <p:spPr>
+          <a:xfrm>
+            <a:off x="9823238" y="570459"/>
+            <a:ext cx="307072" cy="307072"/>
+          </a:xfrm>
+          <a:prstGeom prst="rect">
+            <a:avLst/>
+          </a:prstGeom>
+          <a:noFill/>
+          <a:ln w="19050">
+            <a:noFill/>
+          </a:ln>
+        </p:spPr>
+        <p:style>
+          <a:lnRef idx="2">
+            <a:schemeClr val="accent1">
+              <a:shade val="50000"/>
+            </a:schemeClr>
+          </a:lnRef>
+          <a:fillRef idx="1">
+            <a:schemeClr val="accent1"/>
+          </a:fillRef>
+          <a:effectRef idx="0">
+            <a:schemeClr val="accent1"/>
+          </a:effectRef>
+          <a:fontRef idx="minor">
+            <a:schemeClr val="lt1"/>
+          </a:fontRef>
+        </p:style>
+        <p:txBody>
+          <a:bodyPr lIns="36000" rIns="36000" rtlCol="0" anchor="ctr"/>
+          <a:lstStyle/>
+          <a:p>
+            <a:pPr algn="ctr"/>
+            <a:r>
+              <a:rPr lang="en-US" altLang="ko-KR" sz="1400">
+                <a:solidFill>
+                  <a:schemeClr val="tx1"/>
+                </a:solidFill>
+                <a:latin typeface="Consolas" panose="020B0609020204030204" pitchFamily="49" charset="0"/>
+              </a:rPr>
+              <a:t>31</a:t>
+            </a:r>
+            <a:endParaRPr lang="ko-KR" altLang="en-US" sz="1400">
+              <a:solidFill>
+                <a:schemeClr val="tx1"/>
+              </a:solidFill>
+              <a:latin typeface="Consolas" panose="020B0609020204030204" pitchFamily="49" charset="0"/>
+            </a:endParaRPr>
+          </a:p>
+        </p:txBody>
+      </p:sp>
+      <p:sp>
+        <p:nvSpPr>
+          <p:cNvPr id="89" name="TextBox 88">
+            <a:extLst>
+              <a:ext uri="{FF2B5EF4-FFF2-40B4-BE49-F238E27FC236}">
+                <a16:creationId xmlns:a16="http://schemas.microsoft.com/office/drawing/2014/main" id="{A55FBC9F-1666-419C-8F8D-DFB218FCD24A}"/>
+              </a:ext>
+            </a:extLst>
+          </p:cNvPr>
+          <p:cNvSpPr txBox="1"/>
+          <p:nvPr/>
+        </p:nvSpPr>
+        <p:spPr>
+          <a:xfrm>
+            <a:off x="219224" y="1462915"/>
+            <a:ext cx="2844048" cy="421782"/>
+          </a:xfrm>
+          <a:prstGeom prst="rect">
+            <a:avLst/>
+          </a:prstGeom>
+          <a:noFill/>
+        </p:spPr>
+        <p:txBody>
+          <a:bodyPr wrap="none" rtlCol="0">
+            <a:spAutoFit/>
+          </a:bodyPr>
+          <a:lstStyle/>
+          <a:p>
+            <a:pPr algn="l">
+              <a:lnSpc>
+                <a:spcPct val="130000"/>
+              </a:lnSpc>
+              <a:buClr>
+                <a:srgbClr val="C5003D"/>
+              </a:buClr>
+            </a:pPr>
+            <a:r>
+              <a:rPr lang="en-US" altLang="ko-KR" sz="1800">
+                <a:solidFill>
+                  <a:schemeClr val="tx1"/>
+                </a:solidFill>
+                <a:latin typeface="Consolas" panose="020B0609020204030204" pitchFamily="49" charset="0"/>
+                <a:ea typeface="+mn-ea"/>
+              </a:rPr>
+              <a:t>context_token_to_char</a:t>
+            </a:r>
+            <a:endParaRPr lang="ko-KR" altLang="en-US" sz="1800">
+              <a:solidFill>
+                <a:schemeClr val="tx1"/>
+              </a:solidFill>
+              <a:latin typeface="Consolas" panose="020B0609020204030204" pitchFamily="49" charset="0"/>
+              <a:ea typeface="+mn-ea"/>
+            </a:endParaRPr>
+          </a:p>
+        </p:txBody>
+      </p:sp>
+      <p:sp>
+        <p:nvSpPr>
+          <p:cNvPr id="90" name="TextBox 89">
+            <a:extLst>
+              <a:ext uri="{FF2B5EF4-FFF2-40B4-BE49-F238E27FC236}">
+                <a16:creationId xmlns:a16="http://schemas.microsoft.com/office/drawing/2014/main" id="{D8FAFE3E-6AA8-408D-B172-C05E1D90B799}"/>
+              </a:ext>
+            </a:extLst>
+          </p:cNvPr>
+          <p:cNvSpPr txBox="1"/>
+          <p:nvPr/>
+        </p:nvSpPr>
+        <p:spPr>
+          <a:xfrm>
+            <a:off x="107475" y="3805006"/>
+            <a:ext cx="10315644" cy="781881"/>
+          </a:xfrm>
+          <a:prstGeom prst="rect">
+            <a:avLst/>
+          </a:prstGeom>
+          <a:noFill/>
+        </p:spPr>
+        <p:txBody>
+          <a:bodyPr wrap="none" rtlCol="0">
+            <a:spAutoFit/>
+          </a:bodyPr>
+          <a:lstStyle/>
+          <a:p>
+            <a:pPr algn="l">
+              <a:lnSpc>
+                <a:spcPct val="130000"/>
+              </a:lnSpc>
+              <a:buClr>
+                <a:srgbClr val="C5003D"/>
+              </a:buClr>
+            </a:pPr>
+            <a:r>
+              <a:rPr lang="en-US" altLang="ko-KR" sz="1800">
+                <a:solidFill>
+                  <a:schemeClr val="tx1"/>
+                </a:solidFill>
+                <a:latin typeface="Consolas" panose="020B0609020204030204" pitchFamily="49" charset="0"/>
+                <a:ea typeface="+mn-ea"/>
+              </a:rPr>
+              <a:t>[101, 76485, 17253, 40636, 9926, 37114, 70122, 68767, 9069, 37824, 11261, 9901, </a:t>
+            </a:r>
+          </a:p>
+          <a:p>
+            <a:pPr algn="l">
+              <a:lnSpc>
+                <a:spcPct val="130000"/>
+              </a:lnSpc>
+              <a:buClr>
+                <a:srgbClr val="C5003D"/>
+              </a:buClr>
+            </a:pPr>
+            <a:r>
+              <a:rPr lang="en-US" altLang="ko-KR" sz="1800">
+                <a:solidFill>
+                  <a:schemeClr val="tx1"/>
+                </a:solidFill>
+                <a:latin typeface="Consolas" panose="020B0609020204030204" pitchFamily="49" charset="0"/>
+                <a:ea typeface="+mn-ea"/>
+              </a:rPr>
+              <a:t>118634, 9099, 9640, 29364, 10892, 136, 102]</a:t>
+            </a:r>
+            <a:endParaRPr lang="ko-KR" altLang="en-US" sz="1800">
+              <a:solidFill>
+                <a:schemeClr val="tx1"/>
+              </a:solidFill>
+              <a:latin typeface="Consolas" panose="020B0609020204030204" pitchFamily="49" charset="0"/>
+              <a:ea typeface="+mn-ea"/>
+            </a:endParaRPr>
+          </a:p>
+        </p:txBody>
+      </p:sp>
+      <p:sp>
+        <p:nvSpPr>
+          <p:cNvPr id="92" name="TextBox 91">
+            <a:extLst>
+              <a:ext uri="{FF2B5EF4-FFF2-40B4-BE49-F238E27FC236}">
+                <a16:creationId xmlns:a16="http://schemas.microsoft.com/office/drawing/2014/main" id="{1D905F70-B456-4320-AC81-F5F524A1BDCF}"/>
+              </a:ext>
+            </a:extLst>
+          </p:cNvPr>
+          <p:cNvSpPr txBox="1"/>
+          <p:nvPr/>
+        </p:nvSpPr>
+        <p:spPr>
+          <a:xfrm>
+            <a:off x="157174" y="3362380"/>
+            <a:ext cx="2464136" cy="421782"/>
+          </a:xfrm>
+          <a:prstGeom prst="rect">
+            <a:avLst/>
+          </a:prstGeom>
+          <a:noFill/>
+        </p:spPr>
+        <p:txBody>
+          <a:bodyPr wrap="none" rtlCol="0">
+            <a:spAutoFit/>
+          </a:bodyPr>
+          <a:lstStyle/>
+          <a:p>
+            <a:pPr algn="l">
+              <a:lnSpc>
+                <a:spcPct val="130000"/>
+              </a:lnSpc>
+              <a:buClr>
+                <a:srgbClr val="C5003D"/>
+              </a:buClr>
+            </a:pPr>
+            <a:r>
+              <a:rPr lang="en-US" altLang="ko-KR" sz="1800">
+                <a:solidFill>
+                  <a:schemeClr val="tx1"/>
+                </a:solidFill>
+                <a:latin typeface="Consolas" panose="020B0609020204030204" pitchFamily="49" charset="0"/>
+                <a:ea typeface="+mn-ea"/>
+              </a:rPr>
+              <a:t>start = 4, end = 7</a:t>
+            </a:r>
+            <a:endParaRPr lang="ko-KR" altLang="en-US" sz="1800">
+              <a:solidFill>
+                <a:schemeClr val="tx1"/>
+              </a:solidFill>
+              <a:latin typeface="Consolas" panose="020B0609020204030204" pitchFamily="49" charset="0"/>
+              <a:ea typeface="+mn-ea"/>
+            </a:endParaRPr>
+          </a:p>
+        </p:txBody>
+      </p:sp>
+      <p:sp>
+        <p:nvSpPr>
+          <p:cNvPr id="93" name="TextBox 92">
+            <a:extLst>
+              <a:ext uri="{FF2B5EF4-FFF2-40B4-BE49-F238E27FC236}">
+                <a16:creationId xmlns:a16="http://schemas.microsoft.com/office/drawing/2014/main" id="{8EDA6143-84EA-43F4-BEA0-8DADF983E5FA}"/>
+              </a:ext>
+            </a:extLst>
+          </p:cNvPr>
+          <p:cNvSpPr txBox="1"/>
+          <p:nvPr/>
+        </p:nvSpPr>
+        <p:spPr>
+          <a:xfrm>
+            <a:off x="157174" y="3008731"/>
+            <a:ext cx="1107996" cy="419923"/>
+          </a:xfrm>
+          <a:prstGeom prst="rect">
+            <a:avLst/>
+          </a:prstGeom>
+          <a:noFill/>
+        </p:spPr>
+        <p:txBody>
+          <a:bodyPr wrap="none" rtlCol="0">
+            <a:spAutoFit/>
+          </a:bodyPr>
+          <a:lstStyle/>
+          <a:p>
+            <a:pPr algn="l">
+              <a:lnSpc>
+                <a:spcPct val="130000"/>
+              </a:lnSpc>
+              <a:buClr>
+                <a:srgbClr val="C5003D"/>
+              </a:buClr>
+            </a:pPr>
+            <a:r>
+              <a:rPr lang="ko-KR" altLang="en-US" sz="1800">
+                <a:solidFill>
+                  <a:schemeClr val="tx1"/>
+                </a:solidFill>
+                <a:latin typeface="Consolas" panose="020B0609020204030204" pitchFamily="49" charset="0"/>
+                <a:ea typeface="+mn-ea"/>
+              </a:rPr>
+              <a:t>평양축전</a:t>
+            </a:r>
+          </a:p>
+        </p:txBody>
+      </p:sp>
+    </p:spTree>
+    <p:extLst>
+      <p:ext uri="{BB962C8B-B14F-4D97-AF65-F5344CB8AC3E}">
+        <p14:creationId xmlns:p14="http://schemas.microsoft.com/office/powerpoint/2010/main" val="942746741"/>
       </p:ext>
     </p:extLst>
   </p:cSld>

--- a/BERT.pptx
+++ b/BERT.pptx
@@ -6,6 +6,7 @@
   </p:sldMasterIdLst>
   <p:sldIdLst>
     <p:sldId id="256" r:id="rId2"/>
+    <p:sldId id="257" r:id="rId3"/>
   </p:sldIdLst>
   <p:sldSz cx="12192000" cy="6858000"/>
   <p:notesSz cx="6858000" cy="9144000"/>
@@ -259,7 +260,7 @@
           <a:p>
             <a:fld id="{99DDA366-76A1-4330-A17E-DE32E736B409}" type="datetimeFigureOut">
               <a:rPr lang="ko-KR" altLang="en-US" smtClean="0"/>
-              <a:t>2021-10-19</a:t>
+              <a:t>2021-10-20</a:t>
             </a:fld>
             <a:endParaRPr lang="ko-KR" altLang="en-US"/>
           </a:p>
@@ -457,7 +458,7 @@
           <a:p>
             <a:fld id="{99DDA366-76A1-4330-A17E-DE32E736B409}" type="datetimeFigureOut">
               <a:rPr lang="ko-KR" altLang="en-US" smtClean="0"/>
-              <a:t>2021-10-19</a:t>
+              <a:t>2021-10-20</a:t>
             </a:fld>
             <a:endParaRPr lang="ko-KR" altLang="en-US"/>
           </a:p>
@@ -665,7 +666,7 @@
           <a:p>
             <a:fld id="{99DDA366-76A1-4330-A17E-DE32E736B409}" type="datetimeFigureOut">
               <a:rPr lang="ko-KR" altLang="en-US" smtClean="0"/>
-              <a:t>2021-10-19</a:t>
+              <a:t>2021-10-20</a:t>
             </a:fld>
             <a:endParaRPr lang="ko-KR" altLang="en-US"/>
           </a:p>
@@ -863,7 +864,7 @@
           <a:p>
             <a:fld id="{99DDA366-76A1-4330-A17E-DE32E736B409}" type="datetimeFigureOut">
               <a:rPr lang="ko-KR" altLang="en-US" smtClean="0"/>
-              <a:t>2021-10-19</a:t>
+              <a:t>2021-10-20</a:t>
             </a:fld>
             <a:endParaRPr lang="ko-KR" altLang="en-US"/>
           </a:p>
@@ -1138,7 +1139,7 @@
           <a:p>
             <a:fld id="{99DDA366-76A1-4330-A17E-DE32E736B409}" type="datetimeFigureOut">
               <a:rPr lang="ko-KR" altLang="en-US" smtClean="0"/>
-              <a:t>2021-10-19</a:t>
+              <a:t>2021-10-20</a:t>
             </a:fld>
             <a:endParaRPr lang="ko-KR" altLang="en-US"/>
           </a:p>
@@ -1403,7 +1404,7 @@
           <a:p>
             <a:fld id="{99DDA366-76A1-4330-A17E-DE32E736B409}" type="datetimeFigureOut">
               <a:rPr lang="ko-KR" altLang="en-US" smtClean="0"/>
-              <a:t>2021-10-19</a:t>
+              <a:t>2021-10-20</a:t>
             </a:fld>
             <a:endParaRPr lang="ko-KR" altLang="en-US"/>
           </a:p>
@@ -1815,7 +1816,7 @@
           <a:p>
             <a:fld id="{99DDA366-76A1-4330-A17E-DE32E736B409}" type="datetimeFigureOut">
               <a:rPr lang="ko-KR" altLang="en-US" smtClean="0"/>
-              <a:t>2021-10-19</a:t>
+              <a:t>2021-10-20</a:t>
             </a:fld>
             <a:endParaRPr lang="ko-KR" altLang="en-US"/>
           </a:p>
@@ -1956,7 +1957,7 @@
           <a:p>
             <a:fld id="{99DDA366-76A1-4330-A17E-DE32E736B409}" type="datetimeFigureOut">
               <a:rPr lang="ko-KR" altLang="en-US" smtClean="0"/>
-              <a:t>2021-10-19</a:t>
+              <a:t>2021-10-20</a:t>
             </a:fld>
             <a:endParaRPr lang="ko-KR" altLang="en-US"/>
           </a:p>
@@ -2069,7 +2070,7 @@
           <a:p>
             <a:fld id="{99DDA366-76A1-4330-A17E-DE32E736B409}" type="datetimeFigureOut">
               <a:rPr lang="ko-KR" altLang="en-US" smtClean="0"/>
-              <a:t>2021-10-19</a:t>
+              <a:t>2021-10-20</a:t>
             </a:fld>
             <a:endParaRPr lang="ko-KR" altLang="en-US"/>
           </a:p>
@@ -2380,7 +2381,7 @@
           <a:p>
             <a:fld id="{99DDA366-76A1-4330-A17E-DE32E736B409}" type="datetimeFigureOut">
               <a:rPr lang="ko-KR" altLang="en-US" smtClean="0"/>
-              <a:t>2021-10-19</a:t>
+              <a:t>2021-10-20</a:t>
             </a:fld>
             <a:endParaRPr lang="ko-KR" altLang="en-US"/>
           </a:p>
@@ -2668,7 +2669,7 @@
           <a:p>
             <a:fld id="{99DDA366-76A1-4330-A17E-DE32E736B409}" type="datetimeFigureOut">
               <a:rPr lang="ko-KR" altLang="en-US" smtClean="0"/>
-              <a:t>2021-10-19</a:t>
+              <a:t>2021-10-20</a:t>
             </a:fld>
             <a:endParaRPr lang="ko-KR" altLang="en-US"/>
           </a:p>
@@ -2909,7 +2910,7 @@
           <a:p>
             <a:fld id="{99DDA366-76A1-4330-A17E-DE32E736B409}" type="datetimeFigureOut">
               <a:rPr lang="ko-KR" altLang="en-US" smtClean="0"/>
-              <a:t>2021-10-19</a:t>
+              <a:t>2021-10-20</a:t>
             </a:fld>
             <a:endParaRPr lang="ko-KR" altLang="en-US"/>
           </a:p>
@@ -4024,8 +4025,8 @@
           </a:p>
         </p:txBody>
       </p:sp>
-      <mc:AlternateContent xmlns:mc="http://schemas.openxmlformats.org/markup-compatibility/2006">
-        <mc:Choice xmlns:a14="http://schemas.microsoft.com/office/drawing/2010/main" Requires="a14">
+      <mc:AlternateContent xmlns:mc="http://schemas.openxmlformats.org/markup-compatibility/2006" xmlns:a14="http://schemas.microsoft.com/office/drawing/2010/main">
+        <mc:Choice Requires="a14">
           <p:sp>
             <p:nvSpPr>
               <p:cNvPr id="53" name="TextBox 52">
@@ -4151,7 +4152,7 @@
             </p:txBody>
           </p:sp>
         </mc:Choice>
-        <mc:Fallback>
+        <mc:Fallback xmlns="">
           <p:sp>
             <p:nvSpPr>
               <p:cNvPr id="53" name="TextBox 52">
@@ -5678,8 +5679,8 @@
           </a:p>
         </p:txBody>
       </p:sp>
-      <mc:AlternateContent xmlns:mc="http://schemas.openxmlformats.org/markup-compatibility/2006">
-        <mc:Choice xmlns:a14="http://schemas.microsoft.com/office/drawing/2010/main" Requires="a14">
+      <mc:AlternateContent xmlns:mc="http://schemas.openxmlformats.org/markup-compatibility/2006" xmlns:a14="http://schemas.microsoft.com/office/drawing/2010/main">
+        <mc:Choice Requires="a14">
           <p:sp>
             <p:nvSpPr>
               <p:cNvPr id="77" name="TextBox 76">
@@ -5841,7 +5842,7 @@
             </p:txBody>
           </p:sp>
         </mc:Choice>
-        <mc:Fallback>
+        <mc:Fallback xmlns="">
           <p:sp>
             <p:nvSpPr>
               <p:cNvPr id="77" name="TextBox 76">
@@ -5886,8 +5887,8 @@
           </p:sp>
         </mc:Fallback>
       </mc:AlternateContent>
-      <mc:AlternateContent xmlns:mc="http://schemas.openxmlformats.org/markup-compatibility/2006">
-        <mc:Choice xmlns:a14="http://schemas.microsoft.com/office/drawing/2010/main" Requires="a14">
+      <mc:AlternateContent xmlns:mc="http://schemas.openxmlformats.org/markup-compatibility/2006" xmlns:a14="http://schemas.microsoft.com/office/drawing/2010/main">
+        <mc:Choice Requires="a14">
           <p:sp>
             <p:nvSpPr>
               <p:cNvPr id="78" name="TextBox 77">
@@ -6013,7 +6014,7 @@
             </p:txBody>
           </p:sp>
         </mc:Choice>
-        <mc:Fallback>
+        <mc:Fallback xmlns="">
           <p:sp>
             <p:nvSpPr>
               <p:cNvPr id="78" name="TextBox 77">
@@ -6378,8 +6379,8 @@
           </a:p>
         </p:txBody>
       </p:sp>
-      <mc:AlternateContent xmlns:mc="http://schemas.openxmlformats.org/markup-compatibility/2006">
-        <mc:Choice xmlns:a14="http://schemas.microsoft.com/office/drawing/2010/main" Requires="a14">
+      <mc:AlternateContent xmlns:mc="http://schemas.openxmlformats.org/markup-compatibility/2006" xmlns:a14="http://schemas.microsoft.com/office/drawing/2010/main">
+        <mc:Choice Requires="a14">
           <p:sp>
             <p:nvSpPr>
               <p:cNvPr id="83" name="TextBox 82">
@@ -6535,7 +6536,7 @@
             </p:txBody>
           </p:sp>
         </mc:Choice>
-        <mc:Fallback>
+        <mc:Fallback xmlns="">
           <p:sp>
             <p:nvSpPr>
               <p:cNvPr id="83" name="TextBox 82">
@@ -6580,8 +6581,8 @@
           </p:sp>
         </mc:Fallback>
       </mc:AlternateContent>
-      <mc:AlternateContent xmlns:mc="http://schemas.openxmlformats.org/markup-compatibility/2006">
-        <mc:Choice xmlns:a14="http://schemas.microsoft.com/office/drawing/2010/main" Requires="a14">
+      <mc:AlternateContent xmlns:mc="http://schemas.openxmlformats.org/markup-compatibility/2006" xmlns:a14="http://schemas.microsoft.com/office/drawing/2010/main">
+        <mc:Choice Requires="a14">
           <p:sp>
             <p:nvSpPr>
               <p:cNvPr id="57" name="TextBox 56">
@@ -6730,7 +6731,7 @@
             </p:txBody>
           </p:sp>
         </mc:Choice>
-        <mc:Fallback>
+        <mc:Fallback xmlns="">
           <p:sp>
             <p:nvSpPr>
               <p:cNvPr id="57" name="TextBox 56">
@@ -6775,8 +6776,8 @@
           </p:sp>
         </mc:Fallback>
       </mc:AlternateContent>
-      <mc:AlternateContent xmlns:mc="http://schemas.openxmlformats.org/markup-compatibility/2006">
-        <mc:Choice xmlns:a14="http://schemas.microsoft.com/office/drawing/2010/main" Requires="a14">
+      <mc:AlternateContent xmlns:mc="http://schemas.openxmlformats.org/markup-compatibility/2006" xmlns:a14="http://schemas.microsoft.com/office/drawing/2010/main">
+        <mc:Choice Requires="a14">
           <p:sp>
             <p:nvSpPr>
               <p:cNvPr id="85" name="TextBox 84">
@@ -6825,13 +6826,7 @@
                             <a:rPr lang="en-US" altLang="ko-KR" b="0" i="1" smtClean="0">
                               <a:latin typeface="Cambria Math" panose="02040503050406030204" pitchFamily="18" charset="0"/>
                             </a:rPr>
-                            <m:t>2∗</m:t>
-                          </m:r>
-                          <m:r>
-                            <a:rPr lang="en-US" altLang="ko-KR" b="0" i="1" smtClean="0">
-                              <a:latin typeface="Cambria Math" panose="02040503050406030204" pitchFamily="18" charset="0"/>
-                            </a:rPr>
-                            <m:t>0.6∗0.5</m:t>
+                            <m:t>2∗0.6∗0.5</m:t>
                           </m:r>
                         </m:num>
                         <m:den>
@@ -6853,7 +6848,7 @@
             </p:txBody>
           </p:sp>
         </mc:Choice>
-        <mc:Fallback>
+        <mc:Fallback xmlns="">
           <p:sp>
             <p:nvSpPr>
               <p:cNvPr id="85" name="TextBox 84">
@@ -7230,6 +7225,5025 @@
     <p:extLst>
       <p:ext uri="{BB962C8B-B14F-4D97-AF65-F5344CB8AC3E}">
         <p14:creationId xmlns:p14="http://schemas.microsoft.com/office/powerpoint/2010/main" val="304798212"/>
+      </p:ext>
+    </p:extLst>
+  </p:cSld>
+  <p:clrMapOvr>
+    <a:masterClrMapping/>
+  </p:clrMapOvr>
+</p:sld>
+</file>
+
+<file path=ppt/slides/slide2.xml><?xml version="1.0" encoding="utf-8"?>
+<p:sld xmlns:a="http://schemas.openxmlformats.org/drawingml/2006/main" xmlns:r="http://schemas.openxmlformats.org/officeDocument/2006/relationships" xmlns:p="http://schemas.openxmlformats.org/presentationml/2006/main">
+  <p:cSld>
+    <p:spTree>
+      <p:nvGrpSpPr>
+        <p:cNvPr id="1" name=""/>
+        <p:cNvGrpSpPr/>
+        <p:nvPr/>
+      </p:nvGrpSpPr>
+      <p:grpSpPr>
+        <a:xfrm>
+          <a:off x="0" y="0"/>
+          <a:ext cx="0" cy="0"/>
+          <a:chOff x="0" y="0"/>
+          <a:chExt cx="0" cy="0"/>
+        </a:xfrm>
+      </p:grpSpPr>
+      <p:sp>
+        <p:nvSpPr>
+          <p:cNvPr id="4" name="TextBox 3">
+            <a:extLst>
+              <a:ext uri="{FF2B5EF4-FFF2-40B4-BE49-F238E27FC236}">
+                <a16:creationId xmlns:a16="http://schemas.microsoft.com/office/drawing/2014/main" id="{DB09D004-EA2D-400C-B906-634B98754C0C}"/>
+              </a:ext>
+            </a:extLst>
+          </p:cNvPr>
+          <p:cNvSpPr txBox="1"/>
+          <p:nvPr/>
+        </p:nvSpPr>
+        <p:spPr>
+          <a:xfrm>
+            <a:off x="446129" y="3536157"/>
+            <a:ext cx="11328742" cy="646331"/>
+          </a:xfrm>
+          <a:prstGeom prst="rect">
+            <a:avLst/>
+          </a:prstGeom>
+          <a:noFill/>
+        </p:spPr>
+        <p:txBody>
+          <a:bodyPr wrap="none" rtlCol="0">
+            <a:spAutoFit/>
+          </a:bodyPr>
+          <a:lstStyle/>
+          <a:p>
+            <a:pPr algn="l"/>
+            <a:r>
+              <a:rPr lang="en-US" altLang="ko-KR">
+                <a:latin typeface="Consolas" panose="020B0609020204030204" pitchFamily="49" charset="0"/>
+              </a:rPr>
+              <a:t>[(0, 0), (0, 4), (4, 5), (6, 7), (7, 8), (8, 9), (9, 10), (11, 12), (12, 13), (13, 14), </a:t>
+            </a:r>
+          </a:p>
+          <a:p>
+            <a:pPr algn="l"/>
+            <a:r>
+              <a:rPr lang="en-US" altLang="ko-KR">
+                <a:latin typeface="Consolas" panose="020B0609020204030204" pitchFamily="49" charset="0"/>
+              </a:rPr>
+              <a:t>(15, 16), (16, 18)]</a:t>
+            </a:r>
+            <a:endParaRPr lang="ko-KR" altLang="en-US">
+              <a:latin typeface="Consolas" panose="020B0609020204030204" pitchFamily="49" charset="0"/>
+            </a:endParaRPr>
+          </a:p>
+        </p:txBody>
+      </p:sp>
+      <p:sp>
+        <p:nvSpPr>
+          <p:cNvPr id="5" name="직사각형 4">
+            <a:extLst>
+              <a:ext uri="{FF2B5EF4-FFF2-40B4-BE49-F238E27FC236}">
+                <a16:creationId xmlns:a16="http://schemas.microsoft.com/office/drawing/2014/main" id="{DE4F6F4E-2B5E-467B-8B8C-5AEA6DA7699C}"/>
+              </a:ext>
+            </a:extLst>
+          </p:cNvPr>
+          <p:cNvSpPr/>
+          <p:nvPr/>
+        </p:nvSpPr>
+        <p:spPr>
+          <a:xfrm>
+            <a:off x="617934" y="907256"/>
+            <a:ext cx="339328" cy="339328"/>
+          </a:xfrm>
+          <a:prstGeom prst="rect">
+            <a:avLst/>
+          </a:prstGeom>
+          <a:solidFill>
+            <a:srgbClr val="FFFFCC"/>
+          </a:solidFill>
+          <a:ln>
+            <a:solidFill>
+              <a:schemeClr val="accent4">
+                <a:lumMod val="75000"/>
+              </a:schemeClr>
+            </a:solidFill>
+          </a:ln>
+        </p:spPr>
+        <p:style>
+          <a:lnRef idx="2">
+            <a:schemeClr val="accent1">
+              <a:shade val="50000"/>
+            </a:schemeClr>
+          </a:lnRef>
+          <a:fillRef idx="1">
+            <a:schemeClr val="accent1"/>
+          </a:fillRef>
+          <a:effectRef idx="0">
+            <a:schemeClr val="accent1"/>
+          </a:effectRef>
+          <a:fontRef idx="minor">
+            <a:schemeClr val="lt1"/>
+          </a:fontRef>
+        </p:style>
+        <p:txBody>
+          <a:bodyPr lIns="36000" rIns="36000" rtlCol="0" anchor="ctr"/>
+          <a:lstStyle/>
+          <a:p>
+            <a:pPr algn="ctr"/>
+            <a:r>
+              <a:rPr lang="en-US" altLang="ko-KR">
+                <a:solidFill>
+                  <a:schemeClr val="tx1"/>
+                </a:solidFill>
+                <a:latin typeface="Consolas" panose="020B0609020204030204" pitchFamily="49" charset="0"/>
+              </a:rPr>
+              <a:t>1</a:t>
+            </a:r>
+            <a:endParaRPr lang="ko-KR" altLang="en-US">
+              <a:solidFill>
+                <a:schemeClr val="tx1"/>
+              </a:solidFill>
+              <a:latin typeface="Consolas" panose="020B0609020204030204" pitchFamily="49" charset="0"/>
+            </a:endParaRPr>
+          </a:p>
+        </p:txBody>
+      </p:sp>
+      <p:sp>
+        <p:nvSpPr>
+          <p:cNvPr id="6" name="직사각형 5">
+            <a:extLst>
+              <a:ext uri="{FF2B5EF4-FFF2-40B4-BE49-F238E27FC236}">
+                <a16:creationId xmlns:a16="http://schemas.microsoft.com/office/drawing/2014/main" id="{BF3866EA-732E-4E86-A988-7A82B2BFD4DC}"/>
+              </a:ext>
+            </a:extLst>
+          </p:cNvPr>
+          <p:cNvSpPr/>
+          <p:nvPr/>
+        </p:nvSpPr>
+        <p:spPr>
+          <a:xfrm>
+            <a:off x="957262" y="907256"/>
+            <a:ext cx="339328" cy="339328"/>
+          </a:xfrm>
+          <a:prstGeom prst="rect">
+            <a:avLst/>
+          </a:prstGeom>
+          <a:solidFill>
+            <a:srgbClr val="FFFFCC"/>
+          </a:solidFill>
+          <a:ln>
+            <a:solidFill>
+              <a:schemeClr val="accent4">
+                <a:lumMod val="75000"/>
+              </a:schemeClr>
+            </a:solidFill>
+          </a:ln>
+        </p:spPr>
+        <p:style>
+          <a:lnRef idx="2">
+            <a:schemeClr val="accent1">
+              <a:shade val="50000"/>
+            </a:schemeClr>
+          </a:lnRef>
+          <a:fillRef idx="1">
+            <a:schemeClr val="accent1"/>
+          </a:fillRef>
+          <a:effectRef idx="0">
+            <a:schemeClr val="accent1"/>
+          </a:effectRef>
+          <a:fontRef idx="minor">
+            <a:schemeClr val="lt1"/>
+          </a:fontRef>
+        </p:style>
+        <p:txBody>
+          <a:bodyPr lIns="36000" rIns="36000" rtlCol="0" anchor="ctr"/>
+          <a:lstStyle/>
+          <a:p>
+            <a:pPr algn="ctr"/>
+            <a:r>
+              <a:rPr lang="en-US" altLang="ko-KR">
+                <a:solidFill>
+                  <a:schemeClr val="tx1"/>
+                </a:solidFill>
+                <a:latin typeface="Consolas" panose="020B0609020204030204" pitchFamily="49" charset="0"/>
+              </a:rPr>
+              <a:t>8</a:t>
+            </a:r>
+            <a:endParaRPr lang="ko-KR" altLang="en-US">
+              <a:solidFill>
+                <a:schemeClr val="tx1"/>
+              </a:solidFill>
+              <a:latin typeface="Consolas" panose="020B0609020204030204" pitchFamily="49" charset="0"/>
+            </a:endParaRPr>
+          </a:p>
+        </p:txBody>
+      </p:sp>
+      <p:sp>
+        <p:nvSpPr>
+          <p:cNvPr id="7" name="직사각형 6">
+            <a:extLst>
+              <a:ext uri="{FF2B5EF4-FFF2-40B4-BE49-F238E27FC236}">
+                <a16:creationId xmlns:a16="http://schemas.microsoft.com/office/drawing/2014/main" id="{E31D450A-2F0A-4DBB-BF8C-4726F929FFCD}"/>
+              </a:ext>
+            </a:extLst>
+          </p:cNvPr>
+          <p:cNvSpPr/>
+          <p:nvPr/>
+        </p:nvSpPr>
+        <p:spPr>
+          <a:xfrm>
+            <a:off x="1296590" y="907256"/>
+            <a:ext cx="339328" cy="339328"/>
+          </a:xfrm>
+          <a:prstGeom prst="rect">
+            <a:avLst/>
+          </a:prstGeom>
+          <a:solidFill>
+            <a:srgbClr val="FFFFCC"/>
+          </a:solidFill>
+          <a:ln>
+            <a:solidFill>
+              <a:schemeClr val="accent4">
+                <a:lumMod val="75000"/>
+              </a:schemeClr>
+            </a:solidFill>
+          </a:ln>
+        </p:spPr>
+        <p:style>
+          <a:lnRef idx="2">
+            <a:schemeClr val="accent1">
+              <a:shade val="50000"/>
+            </a:schemeClr>
+          </a:lnRef>
+          <a:fillRef idx="1">
+            <a:schemeClr val="accent1"/>
+          </a:fillRef>
+          <a:effectRef idx="0">
+            <a:schemeClr val="accent1"/>
+          </a:effectRef>
+          <a:fontRef idx="minor">
+            <a:schemeClr val="lt1"/>
+          </a:fontRef>
+        </p:style>
+        <p:txBody>
+          <a:bodyPr lIns="36000" rIns="36000" rtlCol="0" anchor="ctr"/>
+          <a:lstStyle/>
+          <a:p>
+            <a:pPr algn="ctr"/>
+            <a:r>
+              <a:rPr lang="en-US" altLang="ko-KR">
+                <a:solidFill>
+                  <a:schemeClr val="tx1"/>
+                </a:solidFill>
+                <a:latin typeface="Consolas" panose="020B0609020204030204" pitchFamily="49" charset="0"/>
+              </a:rPr>
+              <a:t>3</a:t>
+            </a:r>
+            <a:endParaRPr lang="ko-KR" altLang="en-US">
+              <a:solidFill>
+                <a:schemeClr val="tx1"/>
+              </a:solidFill>
+              <a:latin typeface="Consolas" panose="020B0609020204030204" pitchFamily="49" charset="0"/>
+            </a:endParaRPr>
+          </a:p>
+        </p:txBody>
+      </p:sp>
+      <p:sp>
+        <p:nvSpPr>
+          <p:cNvPr id="8" name="직사각형 7">
+            <a:extLst>
+              <a:ext uri="{FF2B5EF4-FFF2-40B4-BE49-F238E27FC236}">
+                <a16:creationId xmlns:a16="http://schemas.microsoft.com/office/drawing/2014/main" id="{6C0A6382-352F-4AAA-BD16-E9537E256908}"/>
+              </a:ext>
+            </a:extLst>
+          </p:cNvPr>
+          <p:cNvSpPr/>
+          <p:nvPr/>
+        </p:nvSpPr>
+        <p:spPr>
+          <a:xfrm>
+            <a:off x="1635918" y="907256"/>
+            <a:ext cx="339328" cy="339328"/>
+          </a:xfrm>
+          <a:prstGeom prst="rect">
+            <a:avLst/>
+          </a:prstGeom>
+          <a:solidFill>
+            <a:srgbClr val="FFFFCC"/>
+          </a:solidFill>
+          <a:ln>
+            <a:solidFill>
+              <a:schemeClr val="accent4">
+                <a:lumMod val="75000"/>
+              </a:schemeClr>
+            </a:solidFill>
+          </a:ln>
+        </p:spPr>
+        <p:style>
+          <a:lnRef idx="2">
+            <a:schemeClr val="accent1">
+              <a:shade val="50000"/>
+            </a:schemeClr>
+          </a:lnRef>
+          <a:fillRef idx="1">
+            <a:schemeClr val="accent1"/>
+          </a:fillRef>
+          <a:effectRef idx="0">
+            <a:schemeClr val="accent1"/>
+          </a:effectRef>
+          <a:fontRef idx="minor">
+            <a:schemeClr val="lt1"/>
+          </a:fontRef>
+        </p:style>
+        <p:txBody>
+          <a:bodyPr lIns="36000" rIns="36000" rtlCol="0" anchor="ctr"/>
+          <a:lstStyle/>
+          <a:p>
+            <a:pPr algn="ctr"/>
+            <a:r>
+              <a:rPr lang="en-US" altLang="ko-KR">
+                <a:solidFill>
+                  <a:schemeClr val="tx1"/>
+                </a:solidFill>
+                <a:latin typeface="Consolas" panose="020B0609020204030204" pitchFamily="49" charset="0"/>
+              </a:rPr>
+              <a:t>9</a:t>
+            </a:r>
+            <a:endParaRPr lang="ko-KR" altLang="en-US">
+              <a:solidFill>
+                <a:schemeClr val="tx1"/>
+              </a:solidFill>
+              <a:latin typeface="Consolas" panose="020B0609020204030204" pitchFamily="49" charset="0"/>
+            </a:endParaRPr>
+          </a:p>
+        </p:txBody>
+      </p:sp>
+      <p:sp>
+        <p:nvSpPr>
+          <p:cNvPr id="9" name="직사각형 8">
+            <a:extLst>
+              <a:ext uri="{FF2B5EF4-FFF2-40B4-BE49-F238E27FC236}">
+                <a16:creationId xmlns:a16="http://schemas.microsoft.com/office/drawing/2014/main" id="{EC0EA3CC-DD98-4287-BF80-96DCBBB17B76}"/>
+              </a:ext>
+            </a:extLst>
+          </p:cNvPr>
+          <p:cNvSpPr/>
+          <p:nvPr/>
+        </p:nvSpPr>
+        <p:spPr>
+          <a:xfrm>
+            <a:off x="1975246" y="907256"/>
+            <a:ext cx="339328" cy="339328"/>
+          </a:xfrm>
+          <a:prstGeom prst="rect">
+            <a:avLst/>
+          </a:prstGeom>
+          <a:solidFill>
+            <a:srgbClr val="FFFFCC"/>
+          </a:solidFill>
+          <a:ln>
+            <a:solidFill>
+              <a:schemeClr val="accent4">
+                <a:lumMod val="75000"/>
+              </a:schemeClr>
+            </a:solidFill>
+          </a:ln>
+        </p:spPr>
+        <p:style>
+          <a:lnRef idx="2">
+            <a:schemeClr val="accent1">
+              <a:shade val="50000"/>
+            </a:schemeClr>
+          </a:lnRef>
+          <a:fillRef idx="1">
+            <a:schemeClr val="accent1"/>
+          </a:fillRef>
+          <a:effectRef idx="0">
+            <a:schemeClr val="accent1"/>
+          </a:effectRef>
+          <a:fontRef idx="minor">
+            <a:schemeClr val="lt1"/>
+          </a:fontRef>
+        </p:style>
+        <p:txBody>
+          <a:bodyPr lIns="36000" rIns="36000" rtlCol="0" anchor="ctr"/>
+          <a:lstStyle/>
+          <a:p>
+            <a:pPr algn="ctr"/>
+            <a:r>
+              <a:rPr lang="ko-KR" altLang="en-US">
+                <a:solidFill>
+                  <a:schemeClr val="tx1"/>
+                </a:solidFill>
+                <a:latin typeface="Consolas" panose="020B0609020204030204" pitchFamily="49" charset="0"/>
+              </a:rPr>
+              <a:t>년</a:t>
+            </a:r>
+          </a:p>
+        </p:txBody>
+      </p:sp>
+      <p:sp>
+        <p:nvSpPr>
+          <p:cNvPr id="10" name="직사각형 9">
+            <a:extLst>
+              <a:ext uri="{FF2B5EF4-FFF2-40B4-BE49-F238E27FC236}">
+                <a16:creationId xmlns:a16="http://schemas.microsoft.com/office/drawing/2014/main" id="{56867D63-F83D-4040-8492-0729E33DF798}"/>
+              </a:ext>
+            </a:extLst>
+          </p:cNvPr>
+          <p:cNvSpPr/>
+          <p:nvPr/>
+        </p:nvSpPr>
+        <p:spPr>
+          <a:xfrm>
+            <a:off x="2314574" y="907256"/>
+            <a:ext cx="339328" cy="339328"/>
+          </a:xfrm>
+          <a:prstGeom prst="rect">
+            <a:avLst/>
+          </a:prstGeom>
+          <a:solidFill>
+            <a:srgbClr val="FFFFCC"/>
+          </a:solidFill>
+          <a:ln>
+            <a:solidFill>
+              <a:schemeClr val="accent4">
+                <a:lumMod val="75000"/>
+              </a:schemeClr>
+            </a:solidFill>
+          </a:ln>
+        </p:spPr>
+        <p:style>
+          <a:lnRef idx="2">
+            <a:schemeClr val="accent1">
+              <a:shade val="50000"/>
+            </a:schemeClr>
+          </a:lnRef>
+          <a:fillRef idx="1">
+            <a:schemeClr val="accent1"/>
+          </a:fillRef>
+          <a:effectRef idx="0">
+            <a:schemeClr val="accent1"/>
+          </a:effectRef>
+          <a:fontRef idx="minor">
+            <a:schemeClr val="lt1"/>
+          </a:fontRef>
+        </p:style>
+        <p:txBody>
+          <a:bodyPr lIns="36000" rIns="36000" rtlCol="0" anchor="ctr"/>
+          <a:lstStyle/>
+          <a:p>
+            <a:pPr algn="ctr"/>
+            <a:endParaRPr lang="ko-KR" altLang="en-US">
+              <a:solidFill>
+                <a:schemeClr val="tx1"/>
+              </a:solidFill>
+              <a:latin typeface="Consolas" panose="020B0609020204030204" pitchFamily="49" charset="0"/>
+            </a:endParaRPr>
+          </a:p>
+        </p:txBody>
+      </p:sp>
+      <p:sp>
+        <p:nvSpPr>
+          <p:cNvPr id="11" name="직사각형 10">
+            <a:extLst>
+              <a:ext uri="{FF2B5EF4-FFF2-40B4-BE49-F238E27FC236}">
+                <a16:creationId xmlns:a16="http://schemas.microsoft.com/office/drawing/2014/main" id="{9B842753-6E68-4FF1-83A3-91FE9F6E5836}"/>
+              </a:ext>
+            </a:extLst>
+          </p:cNvPr>
+          <p:cNvSpPr/>
+          <p:nvPr/>
+        </p:nvSpPr>
+        <p:spPr>
+          <a:xfrm>
+            <a:off x="2653902" y="907256"/>
+            <a:ext cx="339328" cy="339328"/>
+          </a:xfrm>
+          <a:prstGeom prst="rect">
+            <a:avLst/>
+          </a:prstGeom>
+          <a:solidFill>
+            <a:srgbClr val="FFFFCC"/>
+          </a:solidFill>
+          <a:ln>
+            <a:solidFill>
+              <a:schemeClr val="accent4">
+                <a:lumMod val="75000"/>
+              </a:schemeClr>
+            </a:solidFill>
+          </a:ln>
+        </p:spPr>
+        <p:style>
+          <a:lnRef idx="2">
+            <a:schemeClr val="accent1">
+              <a:shade val="50000"/>
+            </a:schemeClr>
+          </a:lnRef>
+          <a:fillRef idx="1">
+            <a:schemeClr val="accent1"/>
+          </a:fillRef>
+          <a:effectRef idx="0">
+            <a:schemeClr val="accent1"/>
+          </a:effectRef>
+          <a:fontRef idx="minor">
+            <a:schemeClr val="lt1"/>
+          </a:fontRef>
+        </p:style>
+        <p:txBody>
+          <a:bodyPr lIns="36000" rIns="36000" rtlCol="0" anchor="ctr"/>
+          <a:lstStyle/>
+          <a:p>
+            <a:pPr algn="ctr"/>
+            <a:r>
+              <a:rPr lang="ko-KR" altLang="en-US">
+                <a:solidFill>
+                  <a:schemeClr val="tx1"/>
+                </a:solidFill>
+                <a:latin typeface="Consolas" panose="020B0609020204030204" pitchFamily="49" charset="0"/>
+              </a:rPr>
+              <a:t>바</a:t>
+            </a:r>
+          </a:p>
+        </p:txBody>
+      </p:sp>
+      <p:sp>
+        <p:nvSpPr>
+          <p:cNvPr id="12" name="직사각형 11">
+            <a:extLst>
+              <a:ext uri="{FF2B5EF4-FFF2-40B4-BE49-F238E27FC236}">
+                <a16:creationId xmlns:a16="http://schemas.microsoft.com/office/drawing/2014/main" id="{80F47D13-154F-4814-8AAE-F7FB28A06C8D}"/>
+              </a:ext>
+            </a:extLst>
+          </p:cNvPr>
+          <p:cNvSpPr/>
+          <p:nvPr/>
+        </p:nvSpPr>
+        <p:spPr>
+          <a:xfrm>
+            <a:off x="2993230" y="907256"/>
+            <a:ext cx="339328" cy="339328"/>
+          </a:xfrm>
+          <a:prstGeom prst="rect">
+            <a:avLst/>
+          </a:prstGeom>
+          <a:solidFill>
+            <a:srgbClr val="FFFFCC"/>
+          </a:solidFill>
+          <a:ln>
+            <a:solidFill>
+              <a:schemeClr val="accent4">
+                <a:lumMod val="75000"/>
+              </a:schemeClr>
+            </a:solidFill>
+          </a:ln>
+        </p:spPr>
+        <p:style>
+          <a:lnRef idx="2">
+            <a:schemeClr val="accent1">
+              <a:shade val="50000"/>
+            </a:schemeClr>
+          </a:lnRef>
+          <a:fillRef idx="1">
+            <a:schemeClr val="accent1"/>
+          </a:fillRef>
+          <a:effectRef idx="0">
+            <a:schemeClr val="accent1"/>
+          </a:effectRef>
+          <a:fontRef idx="minor">
+            <a:schemeClr val="lt1"/>
+          </a:fontRef>
+        </p:style>
+        <p:txBody>
+          <a:bodyPr lIns="36000" rIns="36000" rtlCol="0" anchor="ctr"/>
+          <a:lstStyle/>
+          <a:p>
+            <a:pPr algn="ctr"/>
+            <a:r>
+              <a:rPr lang="ko-KR" altLang="en-US">
+                <a:solidFill>
+                  <a:schemeClr val="tx1"/>
+                </a:solidFill>
+                <a:latin typeface="Consolas" panose="020B0609020204030204" pitchFamily="49" charset="0"/>
+              </a:rPr>
+              <a:t>그</a:t>
+            </a:r>
+          </a:p>
+        </p:txBody>
+      </p:sp>
+      <p:sp>
+        <p:nvSpPr>
+          <p:cNvPr id="13" name="직사각형 12">
+            <a:extLst>
+              <a:ext uri="{FF2B5EF4-FFF2-40B4-BE49-F238E27FC236}">
+                <a16:creationId xmlns:a16="http://schemas.microsoft.com/office/drawing/2014/main" id="{4C991F7D-D0DC-44EE-9B31-393D935A6FBD}"/>
+              </a:ext>
+            </a:extLst>
+          </p:cNvPr>
+          <p:cNvSpPr/>
+          <p:nvPr/>
+        </p:nvSpPr>
+        <p:spPr>
+          <a:xfrm>
+            <a:off x="3332558" y="907256"/>
+            <a:ext cx="339328" cy="339328"/>
+          </a:xfrm>
+          <a:prstGeom prst="rect">
+            <a:avLst/>
+          </a:prstGeom>
+          <a:solidFill>
+            <a:srgbClr val="FFFFCC"/>
+          </a:solidFill>
+          <a:ln>
+            <a:solidFill>
+              <a:schemeClr val="accent4">
+                <a:lumMod val="75000"/>
+              </a:schemeClr>
+            </a:solidFill>
+          </a:ln>
+        </p:spPr>
+        <p:style>
+          <a:lnRef idx="2">
+            <a:schemeClr val="accent1">
+              <a:shade val="50000"/>
+            </a:schemeClr>
+          </a:lnRef>
+          <a:fillRef idx="1">
+            <a:schemeClr val="accent1"/>
+          </a:fillRef>
+          <a:effectRef idx="0">
+            <a:schemeClr val="accent1"/>
+          </a:effectRef>
+          <a:fontRef idx="minor">
+            <a:schemeClr val="lt1"/>
+          </a:fontRef>
+        </p:style>
+        <p:txBody>
+          <a:bodyPr lIns="36000" rIns="36000" rtlCol="0" anchor="ctr"/>
+          <a:lstStyle/>
+          <a:p>
+            <a:pPr algn="ctr"/>
+            <a:r>
+              <a:rPr lang="ko-KR" altLang="en-US">
+                <a:solidFill>
+                  <a:schemeClr val="tx1"/>
+                </a:solidFill>
+                <a:latin typeface="Consolas" panose="020B0609020204030204" pitchFamily="49" charset="0"/>
+              </a:rPr>
+              <a:t>너</a:t>
+            </a:r>
+          </a:p>
+        </p:txBody>
+      </p:sp>
+      <p:sp>
+        <p:nvSpPr>
+          <p:cNvPr id="14" name="직사각형 13">
+            <a:extLst>
+              <a:ext uri="{FF2B5EF4-FFF2-40B4-BE49-F238E27FC236}">
+                <a16:creationId xmlns:a16="http://schemas.microsoft.com/office/drawing/2014/main" id="{D0F0C5B8-6D29-4F9B-B759-33660D25938E}"/>
+              </a:ext>
+            </a:extLst>
+          </p:cNvPr>
+          <p:cNvSpPr/>
+          <p:nvPr/>
+        </p:nvSpPr>
+        <p:spPr>
+          <a:xfrm>
+            <a:off x="3671886" y="907256"/>
+            <a:ext cx="339328" cy="339328"/>
+          </a:xfrm>
+          <a:prstGeom prst="rect">
+            <a:avLst/>
+          </a:prstGeom>
+          <a:solidFill>
+            <a:srgbClr val="FFFFCC"/>
+          </a:solidFill>
+          <a:ln>
+            <a:solidFill>
+              <a:schemeClr val="accent4">
+                <a:lumMod val="75000"/>
+              </a:schemeClr>
+            </a:solidFill>
+          </a:ln>
+        </p:spPr>
+        <p:style>
+          <a:lnRef idx="2">
+            <a:schemeClr val="accent1">
+              <a:shade val="50000"/>
+            </a:schemeClr>
+          </a:lnRef>
+          <a:fillRef idx="1">
+            <a:schemeClr val="accent1"/>
+          </a:fillRef>
+          <a:effectRef idx="0">
+            <a:schemeClr val="accent1"/>
+          </a:effectRef>
+          <a:fontRef idx="minor">
+            <a:schemeClr val="lt1"/>
+          </a:fontRef>
+        </p:style>
+        <p:txBody>
+          <a:bodyPr lIns="36000" rIns="36000" rtlCol="0" anchor="ctr"/>
+          <a:lstStyle/>
+          <a:p>
+            <a:pPr algn="ctr"/>
+            <a:r>
+              <a:rPr lang="ko-KR" altLang="en-US">
+                <a:solidFill>
+                  <a:schemeClr val="tx1"/>
+                </a:solidFill>
+                <a:latin typeface="Consolas" panose="020B0609020204030204" pitchFamily="49" charset="0"/>
+              </a:rPr>
+              <a:t>는</a:t>
+            </a:r>
+          </a:p>
+        </p:txBody>
+      </p:sp>
+      <p:sp>
+        <p:nvSpPr>
+          <p:cNvPr id="15" name="직사각형 14">
+            <a:extLst>
+              <a:ext uri="{FF2B5EF4-FFF2-40B4-BE49-F238E27FC236}">
+                <a16:creationId xmlns:a16="http://schemas.microsoft.com/office/drawing/2014/main" id="{8C153992-1BBB-478D-8E1B-33F5ED4A3436}"/>
+              </a:ext>
+            </a:extLst>
+          </p:cNvPr>
+          <p:cNvSpPr/>
+          <p:nvPr/>
+        </p:nvSpPr>
+        <p:spPr>
+          <a:xfrm>
+            <a:off x="4011214" y="907256"/>
+            <a:ext cx="339328" cy="339328"/>
+          </a:xfrm>
+          <a:prstGeom prst="rect">
+            <a:avLst/>
+          </a:prstGeom>
+          <a:solidFill>
+            <a:srgbClr val="FFFFCC"/>
+          </a:solidFill>
+          <a:ln>
+            <a:solidFill>
+              <a:schemeClr val="accent4">
+                <a:lumMod val="75000"/>
+              </a:schemeClr>
+            </a:solidFill>
+          </a:ln>
+        </p:spPr>
+        <p:style>
+          <a:lnRef idx="2">
+            <a:schemeClr val="accent1">
+              <a:shade val="50000"/>
+            </a:schemeClr>
+          </a:lnRef>
+          <a:fillRef idx="1">
+            <a:schemeClr val="accent1"/>
+          </a:fillRef>
+          <a:effectRef idx="0">
+            <a:schemeClr val="accent1"/>
+          </a:effectRef>
+          <a:fontRef idx="minor">
+            <a:schemeClr val="lt1"/>
+          </a:fontRef>
+        </p:style>
+        <p:txBody>
+          <a:bodyPr lIns="36000" rIns="36000" rtlCol="0" anchor="ctr"/>
+          <a:lstStyle/>
+          <a:p>
+            <a:pPr algn="ctr"/>
+            <a:endParaRPr lang="ko-KR" altLang="en-US">
+              <a:solidFill>
+                <a:schemeClr val="tx1"/>
+              </a:solidFill>
+              <a:latin typeface="Consolas" panose="020B0609020204030204" pitchFamily="49" charset="0"/>
+            </a:endParaRPr>
+          </a:p>
+        </p:txBody>
+      </p:sp>
+      <p:sp>
+        <p:nvSpPr>
+          <p:cNvPr id="16" name="직사각형 15">
+            <a:extLst>
+              <a:ext uri="{FF2B5EF4-FFF2-40B4-BE49-F238E27FC236}">
+                <a16:creationId xmlns:a16="http://schemas.microsoft.com/office/drawing/2014/main" id="{DD168B59-0F48-4207-9B01-8B7DA5B45EF1}"/>
+              </a:ext>
+            </a:extLst>
+          </p:cNvPr>
+          <p:cNvSpPr/>
+          <p:nvPr/>
+        </p:nvSpPr>
+        <p:spPr>
+          <a:xfrm>
+            <a:off x="4350542" y="907256"/>
+            <a:ext cx="339328" cy="339328"/>
+          </a:xfrm>
+          <a:prstGeom prst="rect">
+            <a:avLst/>
+          </a:prstGeom>
+          <a:solidFill>
+            <a:srgbClr val="FFFFCC"/>
+          </a:solidFill>
+          <a:ln>
+            <a:solidFill>
+              <a:schemeClr val="accent4">
+                <a:lumMod val="75000"/>
+              </a:schemeClr>
+            </a:solidFill>
+          </a:ln>
+        </p:spPr>
+        <p:style>
+          <a:lnRef idx="2">
+            <a:schemeClr val="accent1">
+              <a:shade val="50000"/>
+            </a:schemeClr>
+          </a:lnRef>
+          <a:fillRef idx="1">
+            <a:schemeClr val="accent1"/>
+          </a:fillRef>
+          <a:effectRef idx="0">
+            <a:schemeClr val="accent1"/>
+          </a:effectRef>
+          <a:fontRef idx="minor">
+            <a:schemeClr val="lt1"/>
+          </a:fontRef>
+        </p:style>
+        <p:txBody>
+          <a:bodyPr lIns="36000" rIns="36000" rtlCol="0" anchor="ctr"/>
+          <a:lstStyle/>
+          <a:p>
+            <a:pPr algn="ctr"/>
+            <a:r>
+              <a:rPr lang="ko-KR" altLang="en-US">
+                <a:solidFill>
+                  <a:schemeClr val="tx1"/>
+                </a:solidFill>
+                <a:latin typeface="Consolas" panose="020B0609020204030204" pitchFamily="49" charset="0"/>
+              </a:rPr>
+              <a:t>괴</a:t>
+            </a:r>
+          </a:p>
+        </p:txBody>
+      </p:sp>
+      <p:sp>
+        <p:nvSpPr>
+          <p:cNvPr id="17" name="직사각형 16">
+            <a:extLst>
+              <a:ext uri="{FF2B5EF4-FFF2-40B4-BE49-F238E27FC236}">
+                <a16:creationId xmlns:a16="http://schemas.microsoft.com/office/drawing/2014/main" id="{3B55D9BE-C60A-483B-9645-A0461CA036F7}"/>
+              </a:ext>
+            </a:extLst>
+          </p:cNvPr>
+          <p:cNvSpPr/>
+          <p:nvPr/>
+        </p:nvSpPr>
+        <p:spPr>
+          <a:xfrm>
+            <a:off x="4689870" y="907256"/>
+            <a:ext cx="339328" cy="339328"/>
+          </a:xfrm>
+          <a:prstGeom prst="rect">
+            <a:avLst/>
+          </a:prstGeom>
+          <a:solidFill>
+            <a:srgbClr val="FFFFCC"/>
+          </a:solidFill>
+          <a:ln>
+            <a:solidFill>
+              <a:schemeClr val="accent4">
+                <a:lumMod val="75000"/>
+              </a:schemeClr>
+            </a:solidFill>
+          </a:ln>
+        </p:spPr>
+        <p:style>
+          <a:lnRef idx="2">
+            <a:schemeClr val="accent1">
+              <a:shade val="50000"/>
+            </a:schemeClr>
+          </a:lnRef>
+          <a:fillRef idx="1">
+            <a:schemeClr val="accent1"/>
+          </a:fillRef>
+          <a:effectRef idx="0">
+            <a:schemeClr val="accent1"/>
+          </a:effectRef>
+          <a:fontRef idx="minor">
+            <a:schemeClr val="lt1"/>
+          </a:fontRef>
+        </p:style>
+        <p:txBody>
+          <a:bodyPr lIns="36000" rIns="36000" rtlCol="0" anchor="ctr"/>
+          <a:lstStyle/>
+          <a:p>
+            <a:pPr algn="ctr"/>
+            <a:r>
+              <a:rPr lang="ko-KR" altLang="en-US">
+                <a:solidFill>
+                  <a:schemeClr val="tx1"/>
+                </a:solidFill>
+                <a:latin typeface="Consolas" panose="020B0609020204030204" pitchFamily="49" charset="0"/>
+              </a:rPr>
+              <a:t>테</a:t>
+            </a:r>
+          </a:p>
+        </p:txBody>
+      </p:sp>
+      <p:sp>
+        <p:nvSpPr>
+          <p:cNvPr id="18" name="직사각형 17">
+            <a:extLst>
+              <a:ext uri="{FF2B5EF4-FFF2-40B4-BE49-F238E27FC236}">
+                <a16:creationId xmlns:a16="http://schemas.microsoft.com/office/drawing/2014/main" id="{7A17A5AC-9148-4892-A2AD-9D406239A6F4}"/>
+              </a:ext>
+            </a:extLst>
+          </p:cNvPr>
+          <p:cNvSpPr/>
+          <p:nvPr/>
+        </p:nvSpPr>
+        <p:spPr>
+          <a:xfrm>
+            <a:off x="5029198" y="907256"/>
+            <a:ext cx="339328" cy="339328"/>
+          </a:xfrm>
+          <a:prstGeom prst="rect">
+            <a:avLst/>
+          </a:prstGeom>
+          <a:solidFill>
+            <a:srgbClr val="FFFFCC"/>
+          </a:solidFill>
+          <a:ln>
+            <a:solidFill>
+              <a:schemeClr val="accent4">
+                <a:lumMod val="75000"/>
+              </a:schemeClr>
+            </a:solidFill>
+          </a:ln>
+        </p:spPr>
+        <p:style>
+          <a:lnRef idx="2">
+            <a:schemeClr val="accent1">
+              <a:shade val="50000"/>
+            </a:schemeClr>
+          </a:lnRef>
+          <a:fillRef idx="1">
+            <a:schemeClr val="accent1"/>
+          </a:fillRef>
+          <a:effectRef idx="0">
+            <a:schemeClr val="accent1"/>
+          </a:effectRef>
+          <a:fontRef idx="minor">
+            <a:schemeClr val="lt1"/>
+          </a:fontRef>
+        </p:style>
+        <p:txBody>
+          <a:bodyPr lIns="36000" rIns="36000" rtlCol="0" anchor="ctr"/>
+          <a:lstStyle/>
+          <a:p>
+            <a:pPr algn="ctr"/>
+            <a:r>
+              <a:rPr lang="ko-KR" altLang="en-US">
+                <a:solidFill>
+                  <a:schemeClr val="tx1"/>
+                </a:solidFill>
+                <a:latin typeface="Consolas" panose="020B0609020204030204" pitchFamily="49" charset="0"/>
+              </a:rPr>
+              <a:t>의</a:t>
+            </a:r>
+          </a:p>
+        </p:txBody>
+      </p:sp>
+      <p:sp>
+        <p:nvSpPr>
+          <p:cNvPr id="19" name="직사각형 18">
+            <a:extLst>
+              <a:ext uri="{FF2B5EF4-FFF2-40B4-BE49-F238E27FC236}">
+                <a16:creationId xmlns:a16="http://schemas.microsoft.com/office/drawing/2014/main" id="{EB3AD6FF-A01B-472E-993E-078CBE959F99}"/>
+              </a:ext>
+            </a:extLst>
+          </p:cNvPr>
+          <p:cNvSpPr/>
+          <p:nvPr/>
+        </p:nvSpPr>
+        <p:spPr>
+          <a:xfrm>
+            <a:off x="5368526" y="907256"/>
+            <a:ext cx="339328" cy="339328"/>
+          </a:xfrm>
+          <a:prstGeom prst="rect">
+            <a:avLst/>
+          </a:prstGeom>
+          <a:solidFill>
+            <a:srgbClr val="FFFFCC"/>
+          </a:solidFill>
+          <a:ln>
+            <a:solidFill>
+              <a:schemeClr val="accent4">
+                <a:lumMod val="75000"/>
+              </a:schemeClr>
+            </a:solidFill>
+          </a:ln>
+        </p:spPr>
+        <p:style>
+          <a:lnRef idx="2">
+            <a:schemeClr val="accent1">
+              <a:shade val="50000"/>
+            </a:schemeClr>
+          </a:lnRef>
+          <a:fillRef idx="1">
+            <a:schemeClr val="accent1"/>
+          </a:fillRef>
+          <a:effectRef idx="0">
+            <a:schemeClr val="accent1"/>
+          </a:effectRef>
+          <a:fontRef idx="minor">
+            <a:schemeClr val="lt1"/>
+          </a:fontRef>
+        </p:style>
+        <p:txBody>
+          <a:bodyPr lIns="36000" rIns="36000" rtlCol="0" anchor="ctr"/>
+          <a:lstStyle/>
+          <a:p>
+            <a:pPr algn="ctr"/>
+            <a:endParaRPr lang="ko-KR" altLang="en-US">
+              <a:solidFill>
+                <a:schemeClr val="tx1"/>
+              </a:solidFill>
+              <a:latin typeface="Consolas" panose="020B0609020204030204" pitchFamily="49" charset="0"/>
+            </a:endParaRPr>
+          </a:p>
+        </p:txBody>
+      </p:sp>
+      <p:sp>
+        <p:nvSpPr>
+          <p:cNvPr id="20" name="직사각형 19">
+            <a:extLst>
+              <a:ext uri="{FF2B5EF4-FFF2-40B4-BE49-F238E27FC236}">
+                <a16:creationId xmlns:a16="http://schemas.microsoft.com/office/drawing/2014/main" id="{84857AC0-5DD2-4127-B87E-7F97CE0A787E}"/>
+              </a:ext>
+            </a:extLst>
+          </p:cNvPr>
+          <p:cNvSpPr/>
+          <p:nvPr/>
+        </p:nvSpPr>
+        <p:spPr>
+          <a:xfrm>
+            <a:off x="5707854" y="907256"/>
+            <a:ext cx="339328" cy="339328"/>
+          </a:xfrm>
+          <a:prstGeom prst="rect">
+            <a:avLst/>
+          </a:prstGeom>
+          <a:solidFill>
+            <a:srgbClr val="FFFFCC"/>
+          </a:solidFill>
+          <a:ln>
+            <a:solidFill>
+              <a:schemeClr val="accent4">
+                <a:lumMod val="75000"/>
+              </a:schemeClr>
+            </a:solidFill>
+          </a:ln>
+        </p:spPr>
+        <p:style>
+          <a:lnRef idx="2">
+            <a:schemeClr val="accent1">
+              <a:shade val="50000"/>
+            </a:schemeClr>
+          </a:lnRef>
+          <a:fillRef idx="1">
+            <a:schemeClr val="accent1"/>
+          </a:fillRef>
+          <a:effectRef idx="0">
+            <a:schemeClr val="accent1"/>
+          </a:effectRef>
+          <a:fontRef idx="minor">
+            <a:schemeClr val="lt1"/>
+          </a:fontRef>
+        </p:style>
+        <p:txBody>
+          <a:bodyPr lIns="36000" rIns="36000" rtlCol="0" anchor="ctr"/>
+          <a:lstStyle/>
+          <a:p>
+            <a:pPr algn="ctr"/>
+            <a:r>
+              <a:rPr lang="ko-KR" altLang="en-US">
+                <a:solidFill>
+                  <a:schemeClr val="tx1"/>
+                </a:solidFill>
+                <a:latin typeface="Consolas" panose="020B0609020204030204" pitchFamily="49" charset="0"/>
+              </a:rPr>
+              <a:t>파</a:t>
+            </a:r>
+          </a:p>
+        </p:txBody>
+      </p:sp>
+      <p:sp>
+        <p:nvSpPr>
+          <p:cNvPr id="21" name="직사각형 20">
+            <a:extLst>
+              <a:ext uri="{FF2B5EF4-FFF2-40B4-BE49-F238E27FC236}">
+                <a16:creationId xmlns:a16="http://schemas.microsoft.com/office/drawing/2014/main" id="{2F0621E1-3A99-4293-A838-1B0F552DE815}"/>
+              </a:ext>
+            </a:extLst>
+          </p:cNvPr>
+          <p:cNvSpPr/>
+          <p:nvPr/>
+        </p:nvSpPr>
+        <p:spPr>
+          <a:xfrm>
+            <a:off x="6047182" y="907256"/>
+            <a:ext cx="339328" cy="339328"/>
+          </a:xfrm>
+          <a:prstGeom prst="rect">
+            <a:avLst/>
+          </a:prstGeom>
+          <a:solidFill>
+            <a:srgbClr val="FFFFCC"/>
+          </a:solidFill>
+          <a:ln>
+            <a:solidFill>
+              <a:schemeClr val="accent4">
+                <a:lumMod val="75000"/>
+              </a:schemeClr>
+            </a:solidFill>
+          </a:ln>
+        </p:spPr>
+        <p:style>
+          <a:lnRef idx="2">
+            <a:schemeClr val="accent1">
+              <a:shade val="50000"/>
+            </a:schemeClr>
+          </a:lnRef>
+          <a:fillRef idx="1">
+            <a:schemeClr val="accent1"/>
+          </a:fillRef>
+          <a:effectRef idx="0">
+            <a:schemeClr val="accent1"/>
+          </a:effectRef>
+          <a:fontRef idx="minor">
+            <a:schemeClr val="lt1"/>
+          </a:fontRef>
+        </p:style>
+        <p:txBody>
+          <a:bodyPr lIns="36000" rIns="36000" rtlCol="0" anchor="ctr"/>
+          <a:lstStyle/>
+          <a:p>
+            <a:pPr algn="ctr"/>
+            <a:r>
+              <a:rPr lang="ko-KR" altLang="en-US">
+                <a:solidFill>
+                  <a:schemeClr val="tx1"/>
+                </a:solidFill>
+                <a:latin typeface="Consolas" panose="020B0609020204030204" pitchFamily="49" charset="0"/>
+              </a:rPr>
+              <a:t>우</a:t>
+            </a:r>
+          </a:p>
+        </p:txBody>
+      </p:sp>
+      <p:sp>
+        <p:nvSpPr>
+          <p:cNvPr id="22" name="직사각형 21">
+            <a:extLst>
+              <a:ext uri="{FF2B5EF4-FFF2-40B4-BE49-F238E27FC236}">
+                <a16:creationId xmlns:a16="http://schemas.microsoft.com/office/drawing/2014/main" id="{EFFCF142-3275-4A04-A7CF-C82994E26F59}"/>
+              </a:ext>
+            </a:extLst>
+          </p:cNvPr>
+          <p:cNvSpPr/>
+          <p:nvPr/>
+        </p:nvSpPr>
+        <p:spPr>
+          <a:xfrm>
+            <a:off x="6386510" y="907256"/>
+            <a:ext cx="339328" cy="339328"/>
+          </a:xfrm>
+          <a:prstGeom prst="rect">
+            <a:avLst/>
+          </a:prstGeom>
+          <a:solidFill>
+            <a:srgbClr val="FFFFCC"/>
+          </a:solidFill>
+          <a:ln>
+            <a:solidFill>
+              <a:schemeClr val="accent4">
+                <a:lumMod val="75000"/>
+              </a:schemeClr>
+            </a:solidFill>
+          </a:ln>
+        </p:spPr>
+        <p:style>
+          <a:lnRef idx="2">
+            <a:schemeClr val="accent1">
+              <a:shade val="50000"/>
+            </a:schemeClr>
+          </a:lnRef>
+          <a:fillRef idx="1">
+            <a:schemeClr val="accent1"/>
+          </a:fillRef>
+          <a:effectRef idx="0">
+            <a:schemeClr val="accent1"/>
+          </a:effectRef>
+          <a:fontRef idx="minor">
+            <a:schemeClr val="lt1"/>
+          </a:fontRef>
+        </p:style>
+        <p:txBody>
+          <a:bodyPr lIns="36000" rIns="36000" rtlCol="0" anchor="ctr"/>
+          <a:lstStyle/>
+          <a:p>
+            <a:pPr algn="ctr"/>
+            <a:r>
+              <a:rPr lang="ko-KR" altLang="en-US">
+                <a:solidFill>
+                  <a:schemeClr val="tx1"/>
+                </a:solidFill>
+                <a:latin typeface="Consolas" panose="020B0609020204030204" pitchFamily="49" charset="0"/>
+              </a:rPr>
+              <a:t>스</a:t>
+            </a:r>
+          </a:p>
+        </p:txBody>
+      </p:sp>
+      <p:sp>
+        <p:nvSpPr>
+          <p:cNvPr id="23" name="직사각형 22">
+            <a:extLst>
+              <a:ext uri="{FF2B5EF4-FFF2-40B4-BE49-F238E27FC236}">
+                <a16:creationId xmlns:a16="http://schemas.microsoft.com/office/drawing/2014/main" id="{17E29B47-AA5C-4624-ABD0-06977134E794}"/>
+              </a:ext>
+            </a:extLst>
+          </p:cNvPr>
+          <p:cNvSpPr/>
+          <p:nvPr/>
+        </p:nvSpPr>
+        <p:spPr>
+          <a:xfrm>
+            <a:off x="6725838" y="907256"/>
+            <a:ext cx="339328" cy="339328"/>
+          </a:xfrm>
+          <a:prstGeom prst="rect">
+            <a:avLst/>
+          </a:prstGeom>
+          <a:solidFill>
+            <a:srgbClr val="FFFFCC"/>
+          </a:solidFill>
+          <a:ln>
+            <a:solidFill>
+              <a:schemeClr val="accent4">
+                <a:lumMod val="75000"/>
+              </a:schemeClr>
+            </a:solidFill>
+          </a:ln>
+        </p:spPr>
+        <p:style>
+          <a:lnRef idx="2">
+            <a:schemeClr val="accent1">
+              <a:shade val="50000"/>
+            </a:schemeClr>
+          </a:lnRef>
+          <a:fillRef idx="1">
+            <a:schemeClr val="accent1"/>
+          </a:fillRef>
+          <a:effectRef idx="0">
+            <a:schemeClr val="accent1"/>
+          </a:effectRef>
+          <a:fontRef idx="minor">
+            <a:schemeClr val="lt1"/>
+          </a:fontRef>
+        </p:style>
+        <p:txBody>
+          <a:bodyPr lIns="36000" rIns="36000" rtlCol="0" anchor="ctr"/>
+          <a:lstStyle/>
+          <a:p>
+            <a:pPr algn="ctr"/>
+            <a:r>
+              <a:rPr lang="ko-KR" altLang="en-US">
+                <a:solidFill>
+                  <a:schemeClr val="tx1"/>
+                </a:solidFill>
+                <a:latin typeface="Consolas" panose="020B0609020204030204" pitchFamily="49" charset="0"/>
+              </a:rPr>
+              <a:t>트</a:t>
+            </a:r>
+          </a:p>
+        </p:txBody>
+      </p:sp>
+      <p:sp>
+        <p:nvSpPr>
+          <p:cNvPr id="24" name="직사각형 23">
+            <a:extLst>
+              <a:ext uri="{FF2B5EF4-FFF2-40B4-BE49-F238E27FC236}">
+                <a16:creationId xmlns:a16="http://schemas.microsoft.com/office/drawing/2014/main" id="{EB65430D-1EAE-4E19-B63F-680D55A16E6A}"/>
+              </a:ext>
+            </a:extLst>
+          </p:cNvPr>
+          <p:cNvSpPr/>
+          <p:nvPr/>
+        </p:nvSpPr>
+        <p:spPr>
+          <a:xfrm>
+            <a:off x="7065166" y="907256"/>
+            <a:ext cx="339328" cy="339328"/>
+          </a:xfrm>
+          <a:prstGeom prst="rect">
+            <a:avLst/>
+          </a:prstGeom>
+          <a:solidFill>
+            <a:srgbClr val="FFFFCC"/>
+          </a:solidFill>
+          <a:ln>
+            <a:solidFill>
+              <a:schemeClr val="accent4">
+                <a:lumMod val="75000"/>
+              </a:schemeClr>
+            </a:solidFill>
+          </a:ln>
+        </p:spPr>
+        <p:style>
+          <a:lnRef idx="2">
+            <a:schemeClr val="accent1">
+              <a:shade val="50000"/>
+            </a:schemeClr>
+          </a:lnRef>
+          <a:fillRef idx="1">
+            <a:schemeClr val="accent1"/>
+          </a:fillRef>
+          <a:effectRef idx="0">
+            <a:schemeClr val="accent1"/>
+          </a:effectRef>
+          <a:fontRef idx="minor">
+            <a:schemeClr val="lt1"/>
+          </a:fontRef>
+        </p:style>
+        <p:txBody>
+          <a:bodyPr lIns="36000" rIns="36000" rtlCol="0" anchor="ctr"/>
+          <a:lstStyle/>
+          <a:p>
+            <a:pPr algn="ctr"/>
+            <a:r>
+              <a:rPr lang="ko-KR" altLang="en-US">
+                <a:solidFill>
+                  <a:schemeClr val="tx1"/>
+                </a:solidFill>
+                <a:latin typeface="Consolas" panose="020B0609020204030204" pitchFamily="49" charset="0"/>
+              </a:rPr>
+              <a:t>을</a:t>
+            </a:r>
+          </a:p>
+        </p:txBody>
+      </p:sp>
+      <p:sp>
+        <p:nvSpPr>
+          <p:cNvPr id="25" name="직사각형 24">
+            <a:extLst>
+              <a:ext uri="{FF2B5EF4-FFF2-40B4-BE49-F238E27FC236}">
+                <a16:creationId xmlns:a16="http://schemas.microsoft.com/office/drawing/2014/main" id="{CE327373-F81B-447F-AC09-504AAEDDFB1E}"/>
+              </a:ext>
+            </a:extLst>
+          </p:cNvPr>
+          <p:cNvSpPr/>
+          <p:nvPr/>
+        </p:nvSpPr>
+        <p:spPr>
+          <a:xfrm>
+            <a:off x="7404494" y="907256"/>
+            <a:ext cx="339328" cy="339328"/>
+          </a:xfrm>
+          <a:prstGeom prst="rect">
+            <a:avLst/>
+          </a:prstGeom>
+          <a:solidFill>
+            <a:srgbClr val="FFFFCC"/>
+          </a:solidFill>
+          <a:ln>
+            <a:solidFill>
+              <a:schemeClr val="accent4">
+                <a:lumMod val="75000"/>
+              </a:schemeClr>
+            </a:solidFill>
+          </a:ln>
+        </p:spPr>
+        <p:style>
+          <a:lnRef idx="2">
+            <a:schemeClr val="accent1">
+              <a:shade val="50000"/>
+            </a:schemeClr>
+          </a:lnRef>
+          <a:fillRef idx="1">
+            <a:schemeClr val="accent1"/>
+          </a:fillRef>
+          <a:effectRef idx="0">
+            <a:schemeClr val="accent1"/>
+          </a:effectRef>
+          <a:fontRef idx="minor">
+            <a:schemeClr val="lt1"/>
+          </a:fontRef>
+        </p:style>
+        <p:txBody>
+          <a:bodyPr lIns="36000" rIns="36000" rtlCol="0" anchor="ctr"/>
+          <a:lstStyle/>
+          <a:p>
+            <a:pPr algn="ctr"/>
+            <a:endParaRPr lang="ko-KR" altLang="en-US">
+              <a:solidFill>
+                <a:schemeClr val="tx1"/>
+              </a:solidFill>
+              <a:latin typeface="Consolas" panose="020B0609020204030204" pitchFamily="49" charset="0"/>
+            </a:endParaRPr>
+          </a:p>
+        </p:txBody>
+      </p:sp>
+      <p:sp>
+        <p:nvSpPr>
+          <p:cNvPr id="37" name="TextBox 36">
+            <a:extLst>
+              <a:ext uri="{FF2B5EF4-FFF2-40B4-BE49-F238E27FC236}">
+                <a16:creationId xmlns:a16="http://schemas.microsoft.com/office/drawing/2014/main" id="{2F5F3BB7-D18F-4F3E-98A3-B1C6CC42483C}"/>
+              </a:ext>
+            </a:extLst>
+          </p:cNvPr>
+          <p:cNvSpPr txBox="1"/>
+          <p:nvPr/>
+        </p:nvSpPr>
+        <p:spPr>
+          <a:xfrm>
+            <a:off x="567928" y="108230"/>
+            <a:ext cx="5248553" cy="369332"/>
+          </a:xfrm>
+          <a:prstGeom prst="rect">
+            <a:avLst/>
+          </a:prstGeom>
+          <a:noFill/>
+        </p:spPr>
+        <p:txBody>
+          <a:bodyPr wrap="none" rtlCol="0">
+            <a:spAutoFit/>
+          </a:bodyPr>
+          <a:lstStyle/>
+          <a:p>
+            <a:pPr algn="l"/>
+            <a:r>
+              <a:rPr lang="en-US" altLang="ko-KR">
+                <a:latin typeface="Consolas" panose="020B0609020204030204" pitchFamily="49" charset="0"/>
+              </a:rPr>
+              <a:t>1839</a:t>
+            </a:r>
+            <a:r>
+              <a:rPr lang="ko-KR" altLang="en-US">
+                <a:latin typeface="Consolas" panose="020B0609020204030204" pitchFamily="49" charset="0"/>
+              </a:rPr>
+              <a:t>년 바그너는 괴테의 파우스트을 처음 읽고</a:t>
+            </a:r>
+          </a:p>
+        </p:txBody>
+      </p:sp>
+      <p:sp>
+        <p:nvSpPr>
+          <p:cNvPr id="38" name="직사각형 37">
+            <a:extLst>
+              <a:ext uri="{FF2B5EF4-FFF2-40B4-BE49-F238E27FC236}">
+                <a16:creationId xmlns:a16="http://schemas.microsoft.com/office/drawing/2014/main" id="{2C883E7D-72F1-4701-8379-A51F6C671757}"/>
+              </a:ext>
+            </a:extLst>
+          </p:cNvPr>
+          <p:cNvSpPr/>
+          <p:nvPr/>
+        </p:nvSpPr>
+        <p:spPr>
+          <a:xfrm>
+            <a:off x="617934" y="600076"/>
+            <a:ext cx="339328" cy="339328"/>
+          </a:xfrm>
+          <a:prstGeom prst="rect">
+            <a:avLst/>
+          </a:prstGeom>
+          <a:noFill/>
+          <a:ln>
+            <a:noFill/>
+          </a:ln>
+        </p:spPr>
+        <p:style>
+          <a:lnRef idx="2">
+            <a:schemeClr val="accent1">
+              <a:shade val="50000"/>
+            </a:schemeClr>
+          </a:lnRef>
+          <a:fillRef idx="1">
+            <a:schemeClr val="accent1"/>
+          </a:fillRef>
+          <a:effectRef idx="0">
+            <a:schemeClr val="accent1"/>
+          </a:effectRef>
+          <a:fontRef idx="minor">
+            <a:schemeClr val="lt1"/>
+          </a:fontRef>
+        </p:style>
+        <p:txBody>
+          <a:bodyPr lIns="36000" rIns="36000" rtlCol="0" anchor="ctr"/>
+          <a:lstStyle/>
+          <a:p>
+            <a:pPr algn="ctr"/>
+            <a:r>
+              <a:rPr lang="en-US" altLang="ko-KR" sz="1400">
+                <a:solidFill>
+                  <a:schemeClr val="tx1"/>
+                </a:solidFill>
+                <a:latin typeface="Consolas" panose="020B0609020204030204" pitchFamily="49" charset="0"/>
+              </a:rPr>
+              <a:t>0</a:t>
+            </a:r>
+            <a:endParaRPr lang="ko-KR" altLang="en-US" sz="1400">
+              <a:solidFill>
+                <a:schemeClr val="tx1"/>
+              </a:solidFill>
+              <a:latin typeface="Consolas" panose="020B0609020204030204" pitchFamily="49" charset="0"/>
+            </a:endParaRPr>
+          </a:p>
+        </p:txBody>
+      </p:sp>
+      <p:sp>
+        <p:nvSpPr>
+          <p:cNvPr id="39" name="직사각형 38">
+            <a:extLst>
+              <a:ext uri="{FF2B5EF4-FFF2-40B4-BE49-F238E27FC236}">
+                <a16:creationId xmlns:a16="http://schemas.microsoft.com/office/drawing/2014/main" id="{396951ED-0C3C-42CE-BB37-D5D9A245E9C9}"/>
+              </a:ext>
+            </a:extLst>
+          </p:cNvPr>
+          <p:cNvSpPr/>
+          <p:nvPr/>
+        </p:nvSpPr>
+        <p:spPr>
+          <a:xfrm>
+            <a:off x="957262" y="600076"/>
+            <a:ext cx="339328" cy="339328"/>
+          </a:xfrm>
+          <a:prstGeom prst="rect">
+            <a:avLst/>
+          </a:prstGeom>
+          <a:noFill/>
+          <a:ln>
+            <a:noFill/>
+          </a:ln>
+        </p:spPr>
+        <p:style>
+          <a:lnRef idx="2">
+            <a:schemeClr val="accent1">
+              <a:shade val="50000"/>
+            </a:schemeClr>
+          </a:lnRef>
+          <a:fillRef idx="1">
+            <a:schemeClr val="accent1"/>
+          </a:fillRef>
+          <a:effectRef idx="0">
+            <a:schemeClr val="accent1"/>
+          </a:effectRef>
+          <a:fontRef idx="minor">
+            <a:schemeClr val="lt1"/>
+          </a:fontRef>
+        </p:style>
+        <p:txBody>
+          <a:bodyPr lIns="36000" rIns="36000" rtlCol="0" anchor="ctr"/>
+          <a:lstStyle/>
+          <a:p>
+            <a:pPr algn="ctr"/>
+            <a:r>
+              <a:rPr lang="en-US" altLang="ko-KR" sz="1400">
+                <a:solidFill>
+                  <a:schemeClr val="tx1"/>
+                </a:solidFill>
+                <a:latin typeface="Consolas" panose="020B0609020204030204" pitchFamily="49" charset="0"/>
+              </a:rPr>
+              <a:t>1</a:t>
+            </a:r>
+            <a:endParaRPr lang="ko-KR" altLang="en-US" sz="1400">
+              <a:solidFill>
+                <a:schemeClr val="tx1"/>
+              </a:solidFill>
+              <a:latin typeface="Consolas" panose="020B0609020204030204" pitchFamily="49" charset="0"/>
+            </a:endParaRPr>
+          </a:p>
+        </p:txBody>
+      </p:sp>
+      <p:sp>
+        <p:nvSpPr>
+          <p:cNvPr id="40" name="직사각형 39">
+            <a:extLst>
+              <a:ext uri="{FF2B5EF4-FFF2-40B4-BE49-F238E27FC236}">
+                <a16:creationId xmlns:a16="http://schemas.microsoft.com/office/drawing/2014/main" id="{67E08872-BEA8-46B1-8325-61ED0BA2432D}"/>
+              </a:ext>
+            </a:extLst>
+          </p:cNvPr>
+          <p:cNvSpPr/>
+          <p:nvPr/>
+        </p:nvSpPr>
+        <p:spPr>
+          <a:xfrm>
+            <a:off x="1296590" y="600076"/>
+            <a:ext cx="339328" cy="339328"/>
+          </a:xfrm>
+          <a:prstGeom prst="rect">
+            <a:avLst/>
+          </a:prstGeom>
+          <a:noFill/>
+          <a:ln>
+            <a:noFill/>
+          </a:ln>
+        </p:spPr>
+        <p:style>
+          <a:lnRef idx="2">
+            <a:schemeClr val="accent1">
+              <a:shade val="50000"/>
+            </a:schemeClr>
+          </a:lnRef>
+          <a:fillRef idx="1">
+            <a:schemeClr val="accent1"/>
+          </a:fillRef>
+          <a:effectRef idx="0">
+            <a:schemeClr val="accent1"/>
+          </a:effectRef>
+          <a:fontRef idx="minor">
+            <a:schemeClr val="lt1"/>
+          </a:fontRef>
+        </p:style>
+        <p:txBody>
+          <a:bodyPr lIns="36000" rIns="36000" rtlCol="0" anchor="ctr"/>
+          <a:lstStyle/>
+          <a:p>
+            <a:pPr algn="ctr"/>
+            <a:r>
+              <a:rPr lang="en-US" altLang="ko-KR" sz="1400">
+                <a:solidFill>
+                  <a:schemeClr val="tx1"/>
+                </a:solidFill>
+                <a:latin typeface="Consolas" panose="020B0609020204030204" pitchFamily="49" charset="0"/>
+              </a:rPr>
+              <a:t>2</a:t>
+            </a:r>
+            <a:endParaRPr lang="ko-KR" altLang="en-US" sz="1400">
+              <a:solidFill>
+                <a:schemeClr val="tx1"/>
+              </a:solidFill>
+              <a:latin typeface="Consolas" panose="020B0609020204030204" pitchFamily="49" charset="0"/>
+            </a:endParaRPr>
+          </a:p>
+        </p:txBody>
+      </p:sp>
+      <p:sp>
+        <p:nvSpPr>
+          <p:cNvPr id="41" name="직사각형 40">
+            <a:extLst>
+              <a:ext uri="{FF2B5EF4-FFF2-40B4-BE49-F238E27FC236}">
+                <a16:creationId xmlns:a16="http://schemas.microsoft.com/office/drawing/2014/main" id="{A7FBF2A2-12D6-450B-9DA7-7040B60753CE}"/>
+              </a:ext>
+            </a:extLst>
+          </p:cNvPr>
+          <p:cNvSpPr/>
+          <p:nvPr/>
+        </p:nvSpPr>
+        <p:spPr>
+          <a:xfrm>
+            <a:off x="1635918" y="600076"/>
+            <a:ext cx="339328" cy="339328"/>
+          </a:xfrm>
+          <a:prstGeom prst="rect">
+            <a:avLst/>
+          </a:prstGeom>
+          <a:noFill/>
+          <a:ln>
+            <a:noFill/>
+          </a:ln>
+        </p:spPr>
+        <p:style>
+          <a:lnRef idx="2">
+            <a:schemeClr val="accent1">
+              <a:shade val="50000"/>
+            </a:schemeClr>
+          </a:lnRef>
+          <a:fillRef idx="1">
+            <a:schemeClr val="accent1"/>
+          </a:fillRef>
+          <a:effectRef idx="0">
+            <a:schemeClr val="accent1"/>
+          </a:effectRef>
+          <a:fontRef idx="minor">
+            <a:schemeClr val="lt1"/>
+          </a:fontRef>
+        </p:style>
+        <p:txBody>
+          <a:bodyPr lIns="36000" rIns="36000" rtlCol="0" anchor="ctr"/>
+          <a:lstStyle/>
+          <a:p>
+            <a:pPr algn="ctr"/>
+            <a:r>
+              <a:rPr lang="en-US" altLang="ko-KR" sz="1400">
+                <a:solidFill>
+                  <a:schemeClr val="tx1"/>
+                </a:solidFill>
+                <a:latin typeface="Consolas" panose="020B0609020204030204" pitchFamily="49" charset="0"/>
+              </a:rPr>
+              <a:t>3</a:t>
+            </a:r>
+            <a:endParaRPr lang="ko-KR" altLang="en-US" sz="1400">
+              <a:solidFill>
+                <a:schemeClr val="tx1"/>
+              </a:solidFill>
+              <a:latin typeface="Consolas" panose="020B0609020204030204" pitchFamily="49" charset="0"/>
+            </a:endParaRPr>
+          </a:p>
+        </p:txBody>
+      </p:sp>
+      <p:sp>
+        <p:nvSpPr>
+          <p:cNvPr id="42" name="직사각형 41">
+            <a:extLst>
+              <a:ext uri="{FF2B5EF4-FFF2-40B4-BE49-F238E27FC236}">
+                <a16:creationId xmlns:a16="http://schemas.microsoft.com/office/drawing/2014/main" id="{0520B87D-9E59-4ECB-A9A8-E9B52404D36F}"/>
+              </a:ext>
+            </a:extLst>
+          </p:cNvPr>
+          <p:cNvSpPr/>
+          <p:nvPr/>
+        </p:nvSpPr>
+        <p:spPr>
+          <a:xfrm>
+            <a:off x="1975246" y="600076"/>
+            <a:ext cx="339328" cy="339328"/>
+          </a:xfrm>
+          <a:prstGeom prst="rect">
+            <a:avLst/>
+          </a:prstGeom>
+          <a:noFill/>
+          <a:ln>
+            <a:noFill/>
+          </a:ln>
+        </p:spPr>
+        <p:style>
+          <a:lnRef idx="2">
+            <a:schemeClr val="accent1">
+              <a:shade val="50000"/>
+            </a:schemeClr>
+          </a:lnRef>
+          <a:fillRef idx="1">
+            <a:schemeClr val="accent1"/>
+          </a:fillRef>
+          <a:effectRef idx="0">
+            <a:schemeClr val="accent1"/>
+          </a:effectRef>
+          <a:fontRef idx="minor">
+            <a:schemeClr val="lt1"/>
+          </a:fontRef>
+        </p:style>
+        <p:txBody>
+          <a:bodyPr lIns="36000" rIns="36000" rtlCol="0" anchor="ctr"/>
+          <a:lstStyle/>
+          <a:p>
+            <a:pPr algn="ctr"/>
+            <a:r>
+              <a:rPr lang="en-US" altLang="ko-KR" sz="1400">
+                <a:solidFill>
+                  <a:schemeClr val="tx1"/>
+                </a:solidFill>
+                <a:latin typeface="Consolas" panose="020B0609020204030204" pitchFamily="49" charset="0"/>
+              </a:rPr>
+              <a:t>4</a:t>
+            </a:r>
+            <a:endParaRPr lang="ko-KR" altLang="en-US" sz="1400">
+              <a:solidFill>
+                <a:schemeClr val="tx1"/>
+              </a:solidFill>
+              <a:latin typeface="Consolas" panose="020B0609020204030204" pitchFamily="49" charset="0"/>
+            </a:endParaRPr>
+          </a:p>
+        </p:txBody>
+      </p:sp>
+      <p:sp>
+        <p:nvSpPr>
+          <p:cNvPr id="43" name="직사각형 42">
+            <a:extLst>
+              <a:ext uri="{FF2B5EF4-FFF2-40B4-BE49-F238E27FC236}">
+                <a16:creationId xmlns:a16="http://schemas.microsoft.com/office/drawing/2014/main" id="{87B6C4F3-3E37-407A-8933-F2AA2326F7EA}"/>
+              </a:ext>
+            </a:extLst>
+          </p:cNvPr>
+          <p:cNvSpPr/>
+          <p:nvPr/>
+        </p:nvSpPr>
+        <p:spPr>
+          <a:xfrm>
+            <a:off x="2314574" y="600076"/>
+            <a:ext cx="339328" cy="339328"/>
+          </a:xfrm>
+          <a:prstGeom prst="rect">
+            <a:avLst/>
+          </a:prstGeom>
+          <a:noFill/>
+          <a:ln>
+            <a:noFill/>
+          </a:ln>
+        </p:spPr>
+        <p:style>
+          <a:lnRef idx="2">
+            <a:schemeClr val="accent1">
+              <a:shade val="50000"/>
+            </a:schemeClr>
+          </a:lnRef>
+          <a:fillRef idx="1">
+            <a:schemeClr val="accent1"/>
+          </a:fillRef>
+          <a:effectRef idx="0">
+            <a:schemeClr val="accent1"/>
+          </a:effectRef>
+          <a:fontRef idx="minor">
+            <a:schemeClr val="lt1"/>
+          </a:fontRef>
+        </p:style>
+        <p:txBody>
+          <a:bodyPr lIns="36000" rIns="36000" rtlCol="0" anchor="ctr"/>
+          <a:lstStyle/>
+          <a:p>
+            <a:pPr algn="ctr"/>
+            <a:r>
+              <a:rPr lang="en-US" altLang="ko-KR" sz="1400">
+                <a:solidFill>
+                  <a:schemeClr val="tx1"/>
+                </a:solidFill>
+                <a:latin typeface="Consolas" panose="020B0609020204030204" pitchFamily="49" charset="0"/>
+              </a:rPr>
+              <a:t>5</a:t>
+            </a:r>
+            <a:endParaRPr lang="ko-KR" altLang="en-US" sz="1400">
+              <a:solidFill>
+                <a:schemeClr val="tx1"/>
+              </a:solidFill>
+              <a:latin typeface="Consolas" panose="020B0609020204030204" pitchFamily="49" charset="0"/>
+            </a:endParaRPr>
+          </a:p>
+        </p:txBody>
+      </p:sp>
+      <p:sp>
+        <p:nvSpPr>
+          <p:cNvPr id="44" name="직사각형 43">
+            <a:extLst>
+              <a:ext uri="{FF2B5EF4-FFF2-40B4-BE49-F238E27FC236}">
+                <a16:creationId xmlns:a16="http://schemas.microsoft.com/office/drawing/2014/main" id="{0686014C-3A47-43DB-B1D7-A58CE214D00F}"/>
+              </a:ext>
+            </a:extLst>
+          </p:cNvPr>
+          <p:cNvSpPr/>
+          <p:nvPr/>
+        </p:nvSpPr>
+        <p:spPr>
+          <a:xfrm>
+            <a:off x="2653902" y="600076"/>
+            <a:ext cx="339328" cy="339328"/>
+          </a:xfrm>
+          <a:prstGeom prst="rect">
+            <a:avLst/>
+          </a:prstGeom>
+          <a:noFill/>
+          <a:ln>
+            <a:noFill/>
+          </a:ln>
+        </p:spPr>
+        <p:style>
+          <a:lnRef idx="2">
+            <a:schemeClr val="accent1">
+              <a:shade val="50000"/>
+            </a:schemeClr>
+          </a:lnRef>
+          <a:fillRef idx="1">
+            <a:schemeClr val="accent1"/>
+          </a:fillRef>
+          <a:effectRef idx="0">
+            <a:schemeClr val="accent1"/>
+          </a:effectRef>
+          <a:fontRef idx="minor">
+            <a:schemeClr val="lt1"/>
+          </a:fontRef>
+        </p:style>
+        <p:txBody>
+          <a:bodyPr lIns="36000" rIns="36000" rtlCol="0" anchor="ctr"/>
+          <a:lstStyle/>
+          <a:p>
+            <a:pPr algn="ctr"/>
+            <a:r>
+              <a:rPr lang="en-US" altLang="ko-KR" sz="1400">
+                <a:solidFill>
+                  <a:schemeClr val="tx1"/>
+                </a:solidFill>
+                <a:latin typeface="Consolas" panose="020B0609020204030204" pitchFamily="49" charset="0"/>
+              </a:rPr>
+              <a:t>6</a:t>
+            </a:r>
+            <a:endParaRPr lang="ko-KR" altLang="en-US" sz="1400">
+              <a:solidFill>
+                <a:schemeClr val="tx1"/>
+              </a:solidFill>
+              <a:latin typeface="Consolas" panose="020B0609020204030204" pitchFamily="49" charset="0"/>
+            </a:endParaRPr>
+          </a:p>
+        </p:txBody>
+      </p:sp>
+      <p:sp>
+        <p:nvSpPr>
+          <p:cNvPr id="45" name="직사각형 44">
+            <a:extLst>
+              <a:ext uri="{FF2B5EF4-FFF2-40B4-BE49-F238E27FC236}">
+                <a16:creationId xmlns:a16="http://schemas.microsoft.com/office/drawing/2014/main" id="{975EECAB-CCCB-4D17-87CD-00AF713F0555}"/>
+              </a:ext>
+            </a:extLst>
+          </p:cNvPr>
+          <p:cNvSpPr/>
+          <p:nvPr/>
+        </p:nvSpPr>
+        <p:spPr>
+          <a:xfrm>
+            <a:off x="2993230" y="600076"/>
+            <a:ext cx="339328" cy="339328"/>
+          </a:xfrm>
+          <a:prstGeom prst="rect">
+            <a:avLst/>
+          </a:prstGeom>
+          <a:noFill/>
+          <a:ln>
+            <a:noFill/>
+          </a:ln>
+        </p:spPr>
+        <p:style>
+          <a:lnRef idx="2">
+            <a:schemeClr val="accent1">
+              <a:shade val="50000"/>
+            </a:schemeClr>
+          </a:lnRef>
+          <a:fillRef idx="1">
+            <a:schemeClr val="accent1"/>
+          </a:fillRef>
+          <a:effectRef idx="0">
+            <a:schemeClr val="accent1"/>
+          </a:effectRef>
+          <a:fontRef idx="minor">
+            <a:schemeClr val="lt1"/>
+          </a:fontRef>
+        </p:style>
+        <p:txBody>
+          <a:bodyPr lIns="36000" rIns="36000" rtlCol="0" anchor="ctr"/>
+          <a:lstStyle/>
+          <a:p>
+            <a:pPr algn="ctr"/>
+            <a:r>
+              <a:rPr lang="en-US" altLang="ko-KR" sz="1400">
+                <a:solidFill>
+                  <a:schemeClr val="tx1"/>
+                </a:solidFill>
+                <a:latin typeface="Consolas" panose="020B0609020204030204" pitchFamily="49" charset="0"/>
+              </a:rPr>
+              <a:t>7</a:t>
+            </a:r>
+            <a:endParaRPr lang="ko-KR" altLang="en-US" sz="1400">
+              <a:solidFill>
+                <a:schemeClr val="tx1"/>
+              </a:solidFill>
+              <a:latin typeface="Consolas" panose="020B0609020204030204" pitchFamily="49" charset="0"/>
+            </a:endParaRPr>
+          </a:p>
+        </p:txBody>
+      </p:sp>
+      <p:sp>
+        <p:nvSpPr>
+          <p:cNvPr id="46" name="직사각형 45">
+            <a:extLst>
+              <a:ext uri="{FF2B5EF4-FFF2-40B4-BE49-F238E27FC236}">
+                <a16:creationId xmlns:a16="http://schemas.microsoft.com/office/drawing/2014/main" id="{A237E39C-6F5A-4EC3-8283-7644C22F2171}"/>
+              </a:ext>
+            </a:extLst>
+          </p:cNvPr>
+          <p:cNvSpPr/>
+          <p:nvPr/>
+        </p:nvSpPr>
+        <p:spPr>
+          <a:xfrm>
+            <a:off x="3332558" y="600076"/>
+            <a:ext cx="339328" cy="339328"/>
+          </a:xfrm>
+          <a:prstGeom prst="rect">
+            <a:avLst/>
+          </a:prstGeom>
+          <a:noFill/>
+          <a:ln>
+            <a:noFill/>
+          </a:ln>
+        </p:spPr>
+        <p:style>
+          <a:lnRef idx="2">
+            <a:schemeClr val="accent1">
+              <a:shade val="50000"/>
+            </a:schemeClr>
+          </a:lnRef>
+          <a:fillRef idx="1">
+            <a:schemeClr val="accent1"/>
+          </a:fillRef>
+          <a:effectRef idx="0">
+            <a:schemeClr val="accent1"/>
+          </a:effectRef>
+          <a:fontRef idx="minor">
+            <a:schemeClr val="lt1"/>
+          </a:fontRef>
+        </p:style>
+        <p:txBody>
+          <a:bodyPr lIns="36000" rIns="36000" rtlCol="0" anchor="ctr"/>
+          <a:lstStyle/>
+          <a:p>
+            <a:pPr algn="ctr"/>
+            <a:r>
+              <a:rPr lang="en-US" altLang="ko-KR" sz="1400">
+                <a:solidFill>
+                  <a:schemeClr val="tx1"/>
+                </a:solidFill>
+                <a:latin typeface="Consolas" panose="020B0609020204030204" pitchFamily="49" charset="0"/>
+              </a:rPr>
+              <a:t>8</a:t>
+            </a:r>
+            <a:endParaRPr lang="ko-KR" altLang="en-US" sz="1400">
+              <a:solidFill>
+                <a:schemeClr val="tx1"/>
+              </a:solidFill>
+              <a:latin typeface="Consolas" panose="020B0609020204030204" pitchFamily="49" charset="0"/>
+            </a:endParaRPr>
+          </a:p>
+        </p:txBody>
+      </p:sp>
+      <p:sp>
+        <p:nvSpPr>
+          <p:cNvPr id="47" name="직사각형 46">
+            <a:extLst>
+              <a:ext uri="{FF2B5EF4-FFF2-40B4-BE49-F238E27FC236}">
+                <a16:creationId xmlns:a16="http://schemas.microsoft.com/office/drawing/2014/main" id="{3F3D287A-7456-4161-90A3-3AF9607C1CAF}"/>
+              </a:ext>
+            </a:extLst>
+          </p:cNvPr>
+          <p:cNvSpPr/>
+          <p:nvPr/>
+        </p:nvSpPr>
+        <p:spPr>
+          <a:xfrm>
+            <a:off x="3671886" y="600076"/>
+            <a:ext cx="339328" cy="339328"/>
+          </a:xfrm>
+          <a:prstGeom prst="rect">
+            <a:avLst/>
+          </a:prstGeom>
+          <a:noFill/>
+          <a:ln>
+            <a:noFill/>
+          </a:ln>
+        </p:spPr>
+        <p:style>
+          <a:lnRef idx="2">
+            <a:schemeClr val="accent1">
+              <a:shade val="50000"/>
+            </a:schemeClr>
+          </a:lnRef>
+          <a:fillRef idx="1">
+            <a:schemeClr val="accent1"/>
+          </a:fillRef>
+          <a:effectRef idx="0">
+            <a:schemeClr val="accent1"/>
+          </a:effectRef>
+          <a:fontRef idx="minor">
+            <a:schemeClr val="lt1"/>
+          </a:fontRef>
+        </p:style>
+        <p:txBody>
+          <a:bodyPr lIns="36000" rIns="36000" rtlCol="0" anchor="ctr"/>
+          <a:lstStyle/>
+          <a:p>
+            <a:pPr algn="ctr"/>
+            <a:r>
+              <a:rPr lang="en-US" altLang="ko-KR" sz="1400">
+                <a:solidFill>
+                  <a:schemeClr val="tx1"/>
+                </a:solidFill>
+                <a:latin typeface="Consolas" panose="020B0609020204030204" pitchFamily="49" charset="0"/>
+              </a:rPr>
+              <a:t>9</a:t>
+            </a:r>
+            <a:endParaRPr lang="ko-KR" altLang="en-US" sz="1400">
+              <a:solidFill>
+                <a:schemeClr val="tx1"/>
+              </a:solidFill>
+              <a:latin typeface="Consolas" panose="020B0609020204030204" pitchFamily="49" charset="0"/>
+            </a:endParaRPr>
+          </a:p>
+        </p:txBody>
+      </p:sp>
+      <p:sp>
+        <p:nvSpPr>
+          <p:cNvPr id="48" name="직사각형 47">
+            <a:extLst>
+              <a:ext uri="{FF2B5EF4-FFF2-40B4-BE49-F238E27FC236}">
+                <a16:creationId xmlns:a16="http://schemas.microsoft.com/office/drawing/2014/main" id="{2DED1CC6-042A-40C5-8968-3F5B7A169053}"/>
+              </a:ext>
+            </a:extLst>
+          </p:cNvPr>
+          <p:cNvSpPr/>
+          <p:nvPr/>
+        </p:nvSpPr>
+        <p:spPr>
+          <a:xfrm>
+            <a:off x="4011214" y="600076"/>
+            <a:ext cx="339328" cy="339328"/>
+          </a:xfrm>
+          <a:prstGeom prst="rect">
+            <a:avLst/>
+          </a:prstGeom>
+          <a:noFill/>
+          <a:ln>
+            <a:noFill/>
+          </a:ln>
+        </p:spPr>
+        <p:style>
+          <a:lnRef idx="2">
+            <a:schemeClr val="accent1">
+              <a:shade val="50000"/>
+            </a:schemeClr>
+          </a:lnRef>
+          <a:fillRef idx="1">
+            <a:schemeClr val="accent1"/>
+          </a:fillRef>
+          <a:effectRef idx="0">
+            <a:schemeClr val="accent1"/>
+          </a:effectRef>
+          <a:fontRef idx="minor">
+            <a:schemeClr val="lt1"/>
+          </a:fontRef>
+        </p:style>
+        <p:txBody>
+          <a:bodyPr lIns="36000" rIns="36000" rtlCol="0" anchor="ctr"/>
+          <a:lstStyle/>
+          <a:p>
+            <a:pPr algn="ctr"/>
+            <a:r>
+              <a:rPr lang="en-US" altLang="ko-KR" sz="1400">
+                <a:solidFill>
+                  <a:schemeClr val="tx1"/>
+                </a:solidFill>
+                <a:latin typeface="Consolas" panose="020B0609020204030204" pitchFamily="49" charset="0"/>
+              </a:rPr>
+              <a:t>10</a:t>
+            </a:r>
+            <a:endParaRPr lang="ko-KR" altLang="en-US" sz="1400">
+              <a:solidFill>
+                <a:schemeClr val="tx1"/>
+              </a:solidFill>
+              <a:latin typeface="Consolas" panose="020B0609020204030204" pitchFamily="49" charset="0"/>
+            </a:endParaRPr>
+          </a:p>
+        </p:txBody>
+      </p:sp>
+      <p:sp>
+        <p:nvSpPr>
+          <p:cNvPr id="49" name="직사각형 48">
+            <a:extLst>
+              <a:ext uri="{FF2B5EF4-FFF2-40B4-BE49-F238E27FC236}">
+                <a16:creationId xmlns:a16="http://schemas.microsoft.com/office/drawing/2014/main" id="{9754FCA4-8639-4B72-ACEB-BB1844A1126F}"/>
+              </a:ext>
+            </a:extLst>
+          </p:cNvPr>
+          <p:cNvSpPr/>
+          <p:nvPr/>
+        </p:nvSpPr>
+        <p:spPr>
+          <a:xfrm>
+            <a:off x="4350542" y="600076"/>
+            <a:ext cx="339328" cy="339328"/>
+          </a:xfrm>
+          <a:prstGeom prst="rect">
+            <a:avLst/>
+          </a:prstGeom>
+          <a:noFill/>
+          <a:ln>
+            <a:noFill/>
+          </a:ln>
+        </p:spPr>
+        <p:style>
+          <a:lnRef idx="2">
+            <a:schemeClr val="accent1">
+              <a:shade val="50000"/>
+            </a:schemeClr>
+          </a:lnRef>
+          <a:fillRef idx="1">
+            <a:schemeClr val="accent1"/>
+          </a:fillRef>
+          <a:effectRef idx="0">
+            <a:schemeClr val="accent1"/>
+          </a:effectRef>
+          <a:fontRef idx="minor">
+            <a:schemeClr val="lt1"/>
+          </a:fontRef>
+        </p:style>
+        <p:txBody>
+          <a:bodyPr lIns="36000" rIns="36000" rtlCol="0" anchor="ctr"/>
+          <a:lstStyle/>
+          <a:p>
+            <a:pPr algn="ctr"/>
+            <a:r>
+              <a:rPr lang="en-US" altLang="ko-KR" sz="1400">
+                <a:solidFill>
+                  <a:schemeClr val="tx1"/>
+                </a:solidFill>
+                <a:latin typeface="Consolas" panose="020B0609020204030204" pitchFamily="49" charset="0"/>
+              </a:rPr>
+              <a:t>11</a:t>
+            </a:r>
+            <a:endParaRPr lang="ko-KR" altLang="en-US" sz="1400">
+              <a:solidFill>
+                <a:schemeClr val="tx1"/>
+              </a:solidFill>
+              <a:latin typeface="Consolas" panose="020B0609020204030204" pitchFamily="49" charset="0"/>
+            </a:endParaRPr>
+          </a:p>
+        </p:txBody>
+      </p:sp>
+      <p:sp>
+        <p:nvSpPr>
+          <p:cNvPr id="50" name="직사각형 49">
+            <a:extLst>
+              <a:ext uri="{FF2B5EF4-FFF2-40B4-BE49-F238E27FC236}">
+                <a16:creationId xmlns:a16="http://schemas.microsoft.com/office/drawing/2014/main" id="{1E1942AE-20E7-48A4-BAAF-659B5B3639B4}"/>
+              </a:ext>
+            </a:extLst>
+          </p:cNvPr>
+          <p:cNvSpPr/>
+          <p:nvPr/>
+        </p:nvSpPr>
+        <p:spPr>
+          <a:xfrm>
+            <a:off x="4689870" y="600076"/>
+            <a:ext cx="339328" cy="339328"/>
+          </a:xfrm>
+          <a:prstGeom prst="rect">
+            <a:avLst/>
+          </a:prstGeom>
+          <a:noFill/>
+          <a:ln>
+            <a:noFill/>
+          </a:ln>
+        </p:spPr>
+        <p:style>
+          <a:lnRef idx="2">
+            <a:schemeClr val="accent1">
+              <a:shade val="50000"/>
+            </a:schemeClr>
+          </a:lnRef>
+          <a:fillRef idx="1">
+            <a:schemeClr val="accent1"/>
+          </a:fillRef>
+          <a:effectRef idx="0">
+            <a:schemeClr val="accent1"/>
+          </a:effectRef>
+          <a:fontRef idx="minor">
+            <a:schemeClr val="lt1"/>
+          </a:fontRef>
+        </p:style>
+        <p:txBody>
+          <a:bodyPr lIns="36000" rIns="36000" rtlCol="0" anchor="ctr"/>
+          <a:lstStyle/>
+          <a:p>
+            <a:pPr algn="ctr"/>
+            <a:r>
+              <a:rPr lang="en-US" altLang="ko-KR" sz="1400">
+                <a:solidFill>
+                  <a:schemeClr val="tx1"/>
+                </a:solidFill>
+                <a:latin typeface="Consolas" panose="020B0609020204030204" pitchFamily="49" charset="0"/>
+              </a:rPr>
+              <a:t>12</a:t>
+            </a:r>
+            <a:endParaRPr lang="ko-KR" altLang="en-US" sz="1400">
+              <a:solidFill>
+                <a:schemeClr val="tx1"/>
+              </a:solidFill>
+              <a:latin typeface="Consolas" panose="020B0609020204030204" pitchFamily="49" charset="0"/>
+            </a:endParaRPr>
+          </a:p>
+        </p:txBody>
+      </p:sp>
+      <p:sp>
+        <p:nvSpPr>
+          <p:cNvPr id="51" name="직사각형 50">
+            <a:extLst>
+              <a:ext uri="{FF2B5EF4-FFF2-40B4-BE49-F238E27FC236}">
+                <a16:creationId xmlns:a16="http://schemas.microsoft.com/office/drawing/2014/main" id="{0E7F141E-AB4E-4189-88DC-542AED121B21}"/>
+              </a:ext>
+            </a:extLst>
+          </p:cNvPr>
+          <p:cNvSpPr/>
+          <p:nvPr/>
+        </p:nvSpPr>
+        <p:spPr>
+          <a:xfrm>
+            <a:off x="5029198" y="600076"/>
+            <a:ext cx="339328" cy="339328"/>
+          </a:xfrm>
+          <a:prstGeom prst="rect">
+            <a:avLst/>
+          </a:prstGeom>
+          <a:noFill/>
+          <a:ln>
+            <a:noFill/>
+          </a:ln>
+        </p:spPr>
+        <p:style>
+          <a:lnRef idx="2">
+            <a:schemeClr val="accent1">
+              <a:shade val="50000"/>
+            </a:schemeClr>
+          </a:lnRef>
+          <a:fillRef idx="1">
+            <a:schemeClr val="accent1"/>
+          </a:fillRef>
+          <a:effectRef idx="0">
+            <a:schemeClr val="accent1"/>
+          </a:effectRef>
+          <a:fontRef idx="minor">
+            <a:schemeClr val="lt1"/>
+          </a:fontRef>
+        </p:style>
+        <p:txBody>
+          <a:bodyPr lIns="36000" rIns="36000" rtlCol="0" anchor="ctr"/>
+          <a:lstStyle/>
+          <a:p>
+            <a:pPr algn="ctr"/>
+            <a:r>
+              <a:rPr lang="en-US" altLang="ko-KR" sz="1400">
+                <a:solidFill>
+                  <a:schemeClr val="tx1"/>
+                </a:solidFill>
+                <a:latin typeface="Consolas" panose="020B0609020204030204" pitchFamily="49" charset="0"/>
+              </a:rPr>
+              <a:t>13</a:t>
+            </a:r>
+            <a:endParaRPr lang="ko-KR" altLang="en-US" sz="1400">
+              <a:solidFill>
+                <a:schemeClr val="tx1"/>
+              </a:solidFill>
+              <a:latin typeface="Consolas" panose="020B0609020204030204" pitchFamily="49" charset="0"/>
+            </a:endParaRPr>
+          </a:p>
+        </p:txBody>
+      </p:sp>
+      <p:sp>
+        <p:nvSpPr>
+          <p:cNvPr id="52" name="직사각형 51">
+            <a:extLst>
+              <a:ext uri="{FF2B5EF4-FFF2-40B4-BE49-F238E27FC236}">
+                <a16:creationId xmlns:a16="http://schemas.microsoft.com/office/drawing/2014/main" id="{477EBFE5-7E9B-4E1B-829E-F1F609B41CDC}"/>
+              </a:ext>
+            </a:extLst>
+          </p:cNvPr>
+          <p:cNvSpPr/>
+          <p:nvPr/>
+        </p:nvSpPr>
+        <p:spPr>
+          <a:xfrm>
+            <a:off x="5368526" y="600076"/>
+            <a:ext cx="339328" cy="339328"/>
+          </a:xfrm>
+          <a:prstGeom prst="rect">
+            <a:avLst/>
+          </a:prstGeom>
+          <a:noFill/>
+          <a:ln>
+            <a:noFill/>
+          </a:ln>
+        </p:spPr>
+        <p:style>
+          <a:lnRef idx="2">
+            <a:schemeClr val="accent1">
+              <a:shade val="50000"/>
+            </a:schemeClr>
+          </a:lnRef>
+          <a:fillRef idx="1">
+            <a:schemeClr val="accent1"/>
+          </a:fillRef>
+          <a:effectRef idx="0">
+            <a:schemeClr val="accent1"/>
+          </a:effectRef>
+          <a:fontRef idx="minor">
+            <a:schemeClr val="lt1"/>
+          </a:fontRef>
+        </p:style>
+        <p:txBody>
+          <a:bodyPr lIns="36000" rIns="36000" rtlCol="0" anchor="ctr"/>
+          <a:lstStyle/>
+          <a:p>
+            <a:pPr algn="ctr"/>
+            <a:r>
+              <a:rPr lang="en-US" altLang="ko-KR" sz="1400">
+                <a:solidFill>
+                  <a:schemeClr val="tx1"/>
+                </a:solidFill>
+                <a:latin typeface="Consolas" panose="020B0609020204030204" pitchFamily="49" charset="0"/>
+              </a:rPr>
+              <a:t>14</a:t>
+            </a:r>
+            <a:endParaRPr lang="ko-KR" altLang="en-US" sz="1400">
+              <a:solidFill>
+                <a:schemeClr val="tx1"/>
+              </a:solidFill>
+              <a:latin typeface="Consolas" panose="020B0609020204030204" pitchFamily="49" charset="0"/>
+            </a:endParaRPr>
+          </a:p>
+        </p:txBody>
+      </p:sp>
+      <p:sp>
+        <p:nvSpPr>
+          <p:cNvPr id="53" name="직사각형 52">
+            <a:extLst>
+              <a:ext uri="{FF2B5EF4-FFF2-40B4-BE49-F238E27FC236}">
+                <a16:creationId xmlns:a16="http://schemas.microsoft.com/office/drawing/2014/main" id="{B164EC2A-4D77-4B53-972F-8A32C6A0D707}"/>
+              </a:ext>
+            </a:extLst>
+          </p:cNvPr>
+          <p:cNvSpPr/>
+          <p:nvPr/>
+        </p:nvSpPr>
+        <p:spPr>
+          <a:xfrm>
+            <a:off x="5707854" y="600076"/>
+            <a:ext cx="339328" cy="339328"/>
+          </a:xfrm>
+          <a:prstGeom prst="rect">
+            <a:avLst/>
+          </a:prstGeom>
+          <a:noFill/>
+          <a:ln>
+            <a:noFill/>
+          </a:ln>
+        </p:spPr>
+        <p:style>
+          <a:lnRef idx="2">
+            <a:schemeClr val="accent1">
+              <a:shade val="50000"/>
+            </a:schemeClr>
+          </a:lnRef>
+          <a:fillRef idx="1">
+            <a:schemeClr val="accent1"/>
+          </a:fillRef>
+          <a:effectRef idx="0">
+            <a:schemeClr val="accent1"/>
+          </a:effectRef>
+          <a:fontRef idx="minor">
+            <a:schemeClr val="lt1"/>
+          </a:fontRef>
+        </p:style>
+        <p:txBody>
+          <a:bodyPr lIns="36000" rIns="36000" rtlCol="0" anchor="ctr"/>
+          <a:lstStyle/>
+          <a:p>
+            <a:pPr algn="ctr"/>
+            <a:r>
+              <a:rPr lang="en-US" altLang="ko-KR" sz="1400">
+                <a:solidFill>
+                  <a:schemeClr val="tx1"/>
+                </a:solidFill>
+                <a:latin typeface="Consolas" panose="020B0609020204030204" pitchFamily="49" charset="0"/>
+              </a:rPr>
+              <a:t>15</a:t>
+            </a:r>
+            <a:endParaRPr lang="ko-KR" altLang="en-US" sz="1400">
+              <a:solidFill>
+                <a:schemeClr val="tx1"/>
+              </a:solidFill>
+              <a:latin typeface="Consolas" panose="020B0609020204030204" pitchFamily="49" charset="0"/>
+            </a:endParaRPr>
+          </a:p>
+        </p:txBody>
+      </p:sp>
+      <p:sp>
+        <p:nvSpPr>
+          <p:cNvPr id="54" name="직사각형 53">
+            <a:extLst>
+              <a:ext uri="{FF2B5EF4-FFF2-40B4-BE49-F238E27FC236}">
+                <a16:creationId xmlns:a16="http://schemas.microsoft.com/office/drawing/2014/main" id="{B757103C-2005-43B6-BB77-5B3D491A0A46}"/>
+              </a:ext>
+            </a:extLst>
+          </p:cNvPr>
+          <p:cNvSpPr/>
+          <p:nvPr/>
+        </p:nvSpPr>
+        <p:spPr>
+          <a:xfrm>
+            <a:off x="6047182" y="600076"/>
+            <a:ext cx="339328" cy="339328"/>
+          </a:xfrm>
+          <a:prstGeom prst="rect">
+            <a:avLst/>
+          </a:prstGeom>
+          <a:noFill/>
+          <a:ln>
+            <a:noFill/>
+          </a:ln>
+        </p:spPr>
+        <p:style>
+          <a:lnRef idx="2">
+            <a:schemeClr val="accent1">
+              <a:shade val="50000"/>
+            </a:schemeClr>
+          </a:lnRef>
+          <a:fillRef idx="1">
+            <a:schemeClr val="accent1"/>
+          </a:fillRef>
+          <a:effectRef idx="0">
+            <a:schemeClr val="accent1"/>
+          </a:effectRef>
+          <a:fontRef idx="minor">
+            <a:schemeClr val="lt1"/>
+          </a:fontRef>
+        </p:style>
+        <p:txBody>
+          <a:bodyPr lIns="36000" rIns="36000" rtlCol="0" anchor="ctr"/>
+          <a:lstStyle/>
+          <a:p>
+            <a:pPr algn="ctr"/>
+            <a:r>
+              <a:rPr lang="en-US" altLang="ko-KR" sz="1400">
+                <a:solidFill>
+                  <a:schemeClr val="tx1"/>
+                </a:solidFill>
+                <a:latin typeface="Consolas" panose="020B0609020204030204" pitchFamily="49" charset="0"/>
+              </a:rPr>
+              <a:t>16</a:t>
+            </a:r>
+            <a:endParaRPr lang="ko-KR" altLang="en-US" sz="1400">
+              <a:solidFill>
+                <a:schemeClr val="tx1"/>
+              </a:solidFill>
+              <a:latin typeface="Consolas" panose="020B0609020204030204" pitchFamily="49" charset="0"/>
+            </a:endParaRPr>
+          </a:p>
+        </p:txBody>
+      </p:sp>
+      <p:sp>
+        <p:nvSpPr>
+          <p:cNvPr id="55" name="직사각형 54">
+            <a:extLst>
+              <a:ext uri="{FF2B5EF4-FFF2-40B4-BE49-F238E27FC236}">
+                <a16:creationId xmlns:a16="http://schemas.microsoft.com/office/drawing/2014/main" id="{153C55A6-22E9-438A-8DF8-728184E6F9C5}"/>
+              </a:ext>
+            </a:extLst>
+          </p:cNvPr>
+          <p:cNvSpPr/>
+          <p:nvPr/>
+        </p:nvSpPr>
+        <p:spPr>
+          <a:xfrm>
+            <a:off x="6386510" y="600076"/>
+            <a:ext cx="339328" cy="339328"/>
+          </a:xfrm>
+          <a:prstGeom prst="rect">
+            <a:avLst/>
+          </a:prstGeom>
+          <a:noFill/>
+          <a:ln>
+            <a:noFill/>
+          </a:ln>
+        </p:spPr>
+        <p:style>
+          <a:lnRef idx="2">
+            <a:schemeClr val="accent1">
+              <a:shade val="50000"/>
+            </a:schemeClr>
+          </a:lnRef>
+          <a:fillRef idx="1">
+            <a:schemeClr val="accent1"/>
+          </a:fillRef>
+          <a:effectRef idx="0">
+            <a:schemeClr val="accent1"/>
+          </a:effectRef>
+          <a:fontRef idx="minor">
+            <a:schemeClr val="lt1"/>
+          </a:fontRef>
+        </p:style>
+        <p:txBody>
+          <a:bodyPr lIns="36000" rIns="36000" rtlCol="0" anchor="ctr"/>
+          <a:lstStyle/>
+          <a:p>
+            <a:pPr algn="ctr"/>
+            <a:r>
+              <a:rPr lang="en-US" altLang="ko-KR" sz="1400">
+                <a:solidFill>
+                  <a:schemeClr val="tx1"/>
+                </a:solidFill>
+                <a:latin typeface="Consolas" panose="020B0609020204030204" pitchFamily="49" charset="0"/>
+              </a:rPr>
+              <a:t>17</a:t>
+            </a:r>
+            <a:endParaRPr lang="ko-KR" altLang="en-US" sz="1400">
+              <a:solidFill>
+                <a:schemeClr val="tx1"/>
+              </a:solidFill>
+              <a:latin typeface="Consolas" panose="020B0609020204030204" pitchFamily="49" charset="0"/>
+            </a:endParaRPr>
+          </a:p>
+        </p:txBody>
+      </p:sp>
+      <p:sp>
+        <p:nvSpPr>
+          <p:cNvPr id="56" name="직사각형 55">
+            <a:extLst>
+              <a:ext uri="{FF2B5EF4-FFF2-40B4-BE49-F238E27FC236}">
+                <a16:creationId xmlns:a16="http://schemas.microsoft.com/office/drawing/2014/main" id="{5EF0B6DB-C1CD-4116-8AE3-9B711188813F}"/>
+              </a:ext>
+            </a:extLst>
+          </p:cNvPr>
+          <p:cNvSpPr/>
+          <p:nvPr/>
+        </p:nvSpPr>
+        <p:spPr>
+          <a:xfrm>
+            <a:off x="6725838" y="600076"/>
+            <a:ext cx="339328" cy="339328"/>
+          </a:xfrm>
+          <a:prstGeom prst="rect">
+            <a:avLst/>
+          </a:prstGeom>
+          <a:noFill/>
+          <a:ln>
+            <a:noFill/>
+          </a:ln>
+        </p:spPr>
+        <p:style>
+          <a:lnRef idx="2">
+            <a:schemeClr val="accent1">
+              <a:shade val="50000"/>
+            </a:schemeClr>
+          </a:lnRef>
+          <a:fillRef idx="1">
+            <a:schemeClr val="accent1"/>
+          </a:fillRef>
+          <a:effectRef idx="0">
+            <a:schemeClr val="accent1"/>
+          </a:effectRef>
+          <a:fontRef idx="minor">
+            <a:schemeClr val="lt1"/>
+          </a:fontRef>
+        </p:style>
+        <p:txBody>
+          <a:bodyPr lIns="36000" rIns="36000" rtlCol="0" anchor="ctr"/>
+          <a:lstStyle/>
+          <a:p>
+            <a:pPr algn="ctr"/>
+            <a:r>
+              <a:rPr lang="en-US" altLang="ko-KR" sz="1400">
+                <a:solidFill>
+                  <a:schemeClr val="tx1"/>
+                </a:solidFill>
+                <a:latin typeface="Consolas" panose="020B0609020204030204" pitchFamily="49" charset="0"/>
+              </a:rPr>
+              <a:t>18</a:t>
+            </a:r>
+            <a:endParaRPr lang="ko-KR" altLang="en-US" sz="1400">
+              <a:solidFill>
+                <a:schemeClr val="tx1"/>
+              </a:solidFill>
+              <a:latin typeface="Consolas" panose="020B0609020204030204" pitchFamily="49" charset="0"/>
+            </a:endParaRPr>
+          </a:p>
+        </p:txBody>
+      </p:sp>
+      <p:sp>
+        <p:nvSpPr>
+          <p:cNvPr id="57" name="직사각형 56">
+            <a:extLst>
+              <a:ext uri="{FF2B5EF4-FFF2-40B4-BE49-F238E27FC236}">
+                <a16:creationId xmlns:a16="http://schemas.microsoft.com/office/drawing/2014/main" id="{040DB5DF-4C51-4D9E-B9A3-2E8F6CAE1640}"/>
+              </a:ext>
+            </a:extLst>
+          </p:cNvPr>
+          <p:cNvSpPr/>
+          <p:nvPr/>
+        </p:nvSpPr>
+        <p:spPr>
+          <a:xfrm>
+            <a:off x="7065166" y="600076"/>
+            <a:ext cx="339328" cy="339328"/>
+          </a:xfrm>
+          <a:prstGeom prst="rect">
+            <a:avLst/>
+          </a:prstGeom>
+          <a:noFill/>
+          <a:ln>
+            <a:noFill/>
+          </a:ln>
+        </p:spPr>
+        <p:style>
+          <a:lnRef idx="2">
+            <a:schemeClr val="accent1">
+              <a:shade val="50000"/>
+            </a:schemeClr>
+          </a:lnRef>
+          <a:fillRef idx="1">
+            <a:schemeClr val="accent1"/>
+          </a:fillRef>
+          <a:effectRef idx="0">
+            <a:schemeClr val="accent1"/>
+          </a:effectRef>
+          <a:fontRef idx="minor">
+            <a:schemeClr val="lt1"/>
+          </a:fontRef>
+        </p:style>
+        <p:txBody>
+          <a:bodyPr lIns="36000" rIns="36000" rtlCol="0" anchor="ctr"/>
+          <a:lstStyle/>
+          <a:p>
+            <a:pPr algn="ctr"/>
+            <a:r>
+              <a:rPr lang="en-US" altLang="ko-KR" sz="1400">
+                <a:solidFill>
+                  <a:schemeClr val="tx1"/>
+                </a:solidFill>
+                <a:latin typeface="Consolas" panose="020B0609020204030204" pitchFamily="49" charset="0"/>
+              </a:rPr>
+              <a:t>19</a:t>
+            </a:r>
+            <a:endParaRPr lang="ko-KR" altLang="en-US" sz="1400">
+              <a:solidFill>
+                <a:schemeClr val="tx1"/>
+              </a:solidFill>
+              <a:latin typeface="Consolas" panose="020B0609020204030204" pitchFamily="49" charset="0"/>
+            </a:endParaRPr>
+          </a:p>
+        </p:txBody>
+      </p:sp>
+      <p:sp>
+        <p:nvSpPr>
+          <p:cNvPr id="58" name="직사각형 57">
+            <a:extLst>
+              <a:ext uri="{FF2B5EF4-FFF2-40B4-BE49-F238E27FC236}">
+                <a16:creationId xmlns:a16="http://schemas.microsoft.com/office/drawing/2014/main" id="{ECA847AA-14A1-40C7-836F-A122AC3A441F}"/>
+              </a:ext>
+            </a:extLst>
+          </p:cNvPr>
+          <p:cNvSpPr/>
+          <p:nvPr/>
+        </p:nvSpPr>
+        <p:spPr>
+          <a:xfrm>
+            <a:off x="7404494" y="600076"/>
+            <a:ext cx="339328" cy="339328"/>
+          </a:xfrm>
+          <a:prstGeom prst="rect">
+            <a:avLst/>
+          </a:prstGeom>
+          <a:noFill/>
+          <a:ln>
+            <a:noFill/>
+          </a:ln>
+        </p:spPr>
+        <p:style>
+          <a:lnRef idx="2">
+            <a:schemeClr val="accent1">
+              <a:shade val="50000"/>
+            </a:schemeClr>
+          </a:lnRef>
+          <a:fillRef idx="1">
+            <a:schemeClr val="accent1"/>
+          </a:fillRef>
+          <a:effectRef idx="0">
+            <a:schemeClr val="accent1"/>
+          </a:effectRef>
+          <a:fontRef idx="minor">
+            <a:schemeClr val="lt1"/>
+          </a:fontRef>
+        </p:style>
+        <p:txBody>
+          <a:bodyPr lIns="36000" rIns="36000" rtlCol="0" anchor="ctr"/>
+          <a:lstStyle/>
+          <a:p>
+            <a:pPr algn="ctr"/>
+            <a:r>
+              <a:rPr lang="en-US" altLang="ko-KR" sz="1400">
+                <a:solidFill>
+                  <a:schemeClr val="tx1"/>
+                </a:solidFill>
+                <a:latin typeface="Consolas" panose="020B0609020204030204" pitchFamily="49" charset="0"/>
+              </a:rPr>
+              <a:t>20</a:t>
+            </a:r>
+            <a:endParaRPr lang="ko-KR" altLang="en-US" sz="1400">
+              <a:solidFill>
+                <a:schemeClr val="tx1"/>
+              </a:solidFill>
+              <a:latin typeface="Consolas" panose="020B0609020204030204" pitchFamily="49" charset="0"/>
+            </a:endParaRPr>
+          </a:p>
+        </p:txBody>
+      </p:sp>
+      <p:sp>
+        <p:nvSpPr>
+          <p:cNvPr id="66" name="직사각형 65">
+            <a:extLst>
+              <a:ext uri="{FF2B5EF4-FFF2-40B4-BE49-F238E27FC236}">
+                <a16:creationId xmlns:a16="http://schemas.microsoft.com/office/drawing/2014/main" id="{3CD25103-4E66-4066-9E33-4E7460AF8B45}"/>
+              </a:ext>
+            </a:extLst>
+          </p:cNvPr>
+          <p:cNvSpPr/>
+          <p:nvPr/>
+        </p:nvSpPr>
+        <p:spPr>
+          <a:xfrm>
+            <a:off x="617934" y="2114550"/>
+            <a:ext cx="683392" cy="339328"/>
+          </a:xfrm>
+          <a:prstGeom prst="rect">
+            <a:avLst/>
+          </a:prstGeom>
+          <a:solidFill>
+            <a:srgbClr val="FFFFCC"/>
+          </a:solidFill>
+          <a:ln>
+            <a:solidFill>
+              <a:schemeClr val="accent4">
+                <a:lumMod val="75000"/>
+              </a:schemeClr>
+            </a:solidFill>
+          </a:ln>
+        </p:spPr>
+        <p:style>
+          <a:lnRef idx="2">
+            <a:schemeClr val="accent1">
+              <a:shade val="50000"/>
+            </a:schemeClr>
+          </a:lnRef>
+          <a:fillRef idx="1">
+            <a:schemeClr val="accent1"/>
+          </a:fillRef>
+          <a:effectRef idx="0">
+            <a:schemeClr val="accent1"/>
+          </a:effectRef>
+          <a:fontRef idx="minor">
+            <a:schemeClr val="lt1"/>
+          </a:fontRef>
+        </p:style>
+        <p:txBody>
+          <a:bodyPr lIns="36000" rIns="36000" rtlCol="0" anchor="ctr"/>
+          <a:lstStyle/>
+          <a:p>
+            <a:pPr algn="ctr"/>
+            <a:r>
+              <a:rPr lang="en-US" altLang="ko-KR" sz="1400">
+                <a:solidFill>
+                  <a:schemeClr val="tx1"/>
+                </a:solidFill>
+                <a:latin typeface="Consolas" panose="020B0609020204030204" pitchFamily="49" charset="0"/>
+              </a:rPr>
+              <a:t>CLS</a:t>
+            </a:r>
+            <a:endParaRPr lang="ko-KR" altLang="en-US" sz="1400">
+              <a:solidFill>
+                <a:schemeClr val="tx1"/>
+              </a:solidFill>
+              <a:latin typeface="Consolas" panose="020B0609020204030204" pitchFamily="49" charset="0"/>
+            </a:endParaRPr>
+          </a:p>
+        </p:txBody>
+      </p:sp>
+      <p:sp>
+        <p:nvSpPr>
+          <p:cNvPr id="67" name="직사각형 66">
+            <a:extLst>
+              <a:ext uri="{FF2B5EF4-FFF2-40B4-BE49-F238E27FC236}">
+                <a16:creationId xmlns:a16="http://schemas.microsoft.com/office/drawing/2014/main" id="{00CAF2A5-4610-4F65-87E4-57425089595C}"/>
+              </a:ext>
+            </a:extLst>
+          </p:cNvPr>
+          <p:cNvSpPr/>
+          <p:nvPr/>
+        </p:nvSpPr>
+        <p:spPr>
+          <a:xfrm>
+            <a:off x="1297528" y="2114550"/>
+            <a:ext cx="683392" cy="339328"/>
+          </a:xfrm>
+          <a:prstGeom prst="rect">
+            <a:avLst/>
+          </a:prstGeom>
+          <a:solidFill>
+            <a:srgbClr val="FFFFCC"/>
+          </a:solidFill>
+          <a:ln>
+            <a:solidFill>
+              <a:schemeClr val="accent4">
+                <a:lumMod val="75000"/>
+              </a:schemeClr>
+            </a:solidFill>
+          </a:ln>
+        </p:spPr>
+        <p:style>
+          <a:lnRef idx="2">
+            <a:schemeClr val="accent1">
+              <a:shade val="50000"/>
+            </a:schemeClr>
+          </a:lnRef>
+          <a:fillRef idx="1">
+            <a:schemeClr val="accent1"/>
+          </a:fillRef>
+          <a:effectRef idx="0">
+            <a:schemeClr val="accent1"/>
+          </a:effectRef>
+          <a:fontRef idx="minor">
+            <a:schemeClr val="lt1"/>
+          </a:fontRef>
+        </p:style>
+        <p:txBody>
+          <a:bodyPr lIns="36000" rIns="36000" rtlCol="0" anchor="ctr"/>
+          <a:lstStyle/>
+          <a:p>
+            <a:pPr algn="ctr"/>
+            <a:r>
+              <a:rPr lang="en-US" altLang="ko-KR" sz="1400">
+                <a:solidFill>
+                  <a:schemeClr val="tx1"/>
+                </a:solidFill>
+                <a:latin typeface="Consolas" panose="020B0609020204030204" pitchFamily="49" charset="0"/>
+              </a:rPr>
+              <a:t>1839</a:t>
+            </a:r>
+            <a:endParaRPr lang="ko-KR" altLang="en-US" sz="1400">
+              <a:solidFill>
+                <a:schemeClr val="tx1"/>
+              </a:solidFill>
+              <a:latin typeface="Consolas" panose="020B0609020204030204" pitchFamily="49" charset="0"/>
+            </a:endParaRPr>
+          </a:p>
+        </p:txBody>
+      </p:sp>
+      <p:sp>
+        <p:nvSpPr>
+          <p:cNvPr id="68" name="직사각형 67">
+            <a:extLst>
+              <a:ext uri="{FF2B5EF4-FFF2-40B4-BE49-F238E27FC236}">
+                <a16:creationId xmlns:a16="http://schemas.microsoft.com/office/drawing/2014/main" id="{20B92A4B-839A-4CEC-BF40-D64BFC0DC0D5}"/>
+              </a:ext>
+            </a:extLst>
+          </p:cNvPr>
+          <p:cNvSpPr/>
+          <p:nvPr/>
+        </p:nvSpPr>
+        <p:spPr>
+          <a:xfrm>
+            <a:off x="1977121" y="2114550"/>
+            <a:ext cx="683392" cy="339328"/>
+          </a:xfrm>
+          <a:prstGeom prst="rect">
+            <a:avLst/>
+          </a:prstGeom>
+          <a:solidFill>
+            <a:srgbClr val="FFFFCC"/>
+          </a:solidFill>
+          <a:ln>
+            <a:solidFill>
+              <a:schemeClr val="accent4">
+                <a:lumMod val="75000"/>
+              </a:schemeClr>
+            </a:solidFill>
+          </a:ln>
+        </p:spPr>
+        <p:style>
+          <a:lnRef idx="2">
+            <a:schemeClr val="accent1">
+              <a:shade val="50000"/>
+            </a:schemeClr>
+          </a:lnRef>
+          <a:fillRef idx="1">
+            <a:schemeClr val="accent1"/>
+          </a:fillRef>
+          <a:effectRef idx="0">
+            <a:schemeClr val="accent1"/>
+          </a:effectRef>
+          <a:fontRef idx="minor">
+            <a:schemeClr val="lt1"/>
+          </a:fontRef>
+        </p:style>
+        <p:txBody>
+          <a:bodyPr lIns="36000" rIns="36000" rtlCol="0" anchor="ctr"/>
+          <a:lstStyle/>
+          <a:p>
+            <a:pPr algn="ctr"/>
+            <a:r>
+              <a:rPr lang="en-US" altLang="ko-KR" sz="1400">
+                <a:solidFill>
+                  <a:schemeClr val="tx1"/>
+                </a:solidFill>
+                <a:latin typeface="Consolas" panose="020B0609020204030204" pitchFamily="49" charset="0"/>
+              </a:rPr>
+              <a:t>##</a:t>
+            </a:r>
+            <a:r>
+              <a:rPr lang="ko-KR" altLang="en-US" sz="1400">
+                <a:solidFill>
+                  <a:schemeClr val="tx1"/>
+                </a:solidFill>
+                <a:latin typeface="Consolas" panose="020B0609020204030204" pitchFamily="49" charset="0"/>
+              </a:rPr>
+              <a:t>년</a:t>
+            </a:r>
+          </a:p>
+        </p:txBody>
+      </p:sp>
+      <p:sp>
+        <p:nvSpPr>
+          <p:cNvPr id="69" name="직사각형 68">
+            <a:extLst>
+              <a:ext uri="{FF2B5EF4-FFF2-40B4-BE49-F238E27FC236}">
+                <a16:creationId xmlns:a16="http://schemas.microsoft.com/office/drawing/2014/main" id="{5F4D9C52-9612-42C6-A238-89AEF13FC884}"/>
+              </a:ext>
+            </a:extLst>
+          </p:cNvPr>
+          <p:cNvSpPr/>
+          <p:nvPr/>
+        </p:nvSpPr>
+        <p:spPr>
+          <a:xfrm>
+            <a:off x="2656715" y="2114550"/>
+            <a:ext cx="683392" cy="339328"/>
+          </a:xfrm>
+          <a:prstGeom prst="rect">
+            <a:avLst/>
+          </a:prstGeom>
+          <a:solidFill>
+            <a:srgbClr val="FFFFCC"/>
+          </a:solidFill>
+          <a:ln>
+            <a:solidFill>
+              <a:schemeClr val="accent4">
+                <a:lumMod val="75000"/>
+              </a:schemeClr>
+            </a:solidFill>
+          </a:ln>
+        </p:spPr>
+        <p:style>
+          <a:lnRef idx="2">
+            <a:schemeClr val="accent1">
+              <a:shade val="50000"/>
+            </a:schemeClr>
+          </a:lnRef>
+          <a:fillRef idx="1">
+            <a:schemeClr val="accent1"/>
+          </a:fillRef>
+          <a:effectRef idx="0">
+            <a:schemeClr val="accent1"/>
+          </a:effectRef>
+          <a:fontRef idx="minor">
+            <a:schemeClr val="lt1"/>
+          </a:fontRef>
+        </p:style>
+        <p:txBody>
+          <a:bodyPr lIns="36000" rIns="36000" rtlCol="0" anchor="ctr"/>
+          <a:lstStyle/>
+          <a:p>
+            <a:pPr algn="ctr"/>
+            <a:r>
+              <a:rPr lang="ko-KR" altLang="en-US" sz="1400">
+                <a:solidFill>
+                  <a:schemeClr val="tx1"/>
+                </a:solidFill>
+                <a:latin typeface="Consolas" panose="020B0609020204030204" pitchFamily="49" charset="0"/>
+              </a:rPr>
+              <a:t>바</a:t>
+            </a:r>
+          </a:p>
+        </p:txBody>
+      </p:sp>
+      <p:sp>
+        <p:nvSpPr>
+          <p:cNvPr id="70" name="직사각형 69">
+            <a:extLst>
+              <a:ext uri="{FF2B5EF4-FFF2-40B4-BE49-F238E27FC236}">
+                <a16:creationId xmlns:a16="http://schemas.microsoft.com/office/drawing/2014/main" id="{16672918-4AA7-4116-AB4E-4C3DE40C21E7}"/>
+              </a:ext>
+            </a:extLst>
+          </p:cNvPr>
+          <p:cNvSpPr/>
+          <p:nvPr/>
+        </p:nvSpPr>
+        <p:spPr>
+          <a:xfrm>
+            <a:off x="3336309" y="2114550"/>
+            <a:ext cx="683392" cy="339328"/>
+          </a:xfrm>
+          <a:prstGeom prst="rect">
+            <a:avLst/>
+          </a:prstGeom>
+          <a:solidFill>
+            <a:srgbClr val="FFFFCC"/>
+          </a:solidFill>
+          <a:ln>
+            <a:solidFill>
+              <a:schemeClr val="accent4">
+                <a:lumMod val="75000"/>
+              </a:schemeClr>
+            </a:solidFill>
+          </a:ln>
+        </p:spPr>
+        <p:style>
+          <a:lnRef idx="2">
+            <a:schemeClr val="accent1">
+              <a:shade val="50000"/>
+            </a:schemeClr>
+          </a:lnRef>
+          <a:fillRef idx="1">
+            <a:schemeClr val="accent1"/>
+          </a:fillRef>
+          <a:effectRef idx="0">
+            <a:schemeClr val="accent1"/>
+          </a:effectRef>
+          <a:fontRef idx="minor">
+            <a:schemeClr val="lt1"/>
+          </a:fontRef>
+        </p:style>
+        <p:txBody>
+          <a:bodyPr lIns="36000" rIns="36000" rtlCol="0" anchor="ctr"/>
+          <a:lstStyle/>
+          <a:p>
+            <a:pPr algn="ctr"/>
+            <a:r>
+              <a:rPr lang="en-US" altLang="ko-KR" sz="1400">
+                <a:solidFill>
+                  <a:schemeClr val="tx1"/>
+                </a:solidFill>
+                <a:latin typeface="Consolas" panose="020B0609020204030204" pitchFamily="49" charset="0"/>
+              </a:rPr>
+              <a:t>##</a:t>
+            </a:r>
+            <a:r>
+              <a:rPr lang="ko-KR" altLang="en-US" sz="1400">
+                <a:solidFill>
+                  <a:schemeClr val="tx1"/>
+                </a:solidFill>
+                <a:latin typeface="Consolas" panose="020B0609020204030204" pitchFamily="49" charset="0"/>
+              </a:rPr>
+              <a:t>그</a:t>
+            </a:r>
+          </a:p>
+        </p:txBody>
+      </p:sp>
+      <p:sp>
+        <p:nvSpPr>
+          <p:cNvPr id="71" name="직사각형 70">
+            <a:extLst>
+              <a:ext uri="{FF2B5EF4-FFF2-40B4-BE49-F238E27FC236}">
+                <a16:creationId xmlns:a16="http://schemas.microsoft.com/office/drawing/2014/main" id="{B3DDA0FB-442C-447A-8D39-332793BC00AD}"/>
+              </a:ext>
+            </a:extLst>
+          </p:cNvPr>
+          <p:cNvSpPr/>
+          <p:nvPr/>
+        </p:nvSpPr>
+        <p:spPr>
+          <a:xfrm>
+            <a:off x="4015903" y="2114550"/>
+            <a:ext cx="683392" cy="339328"/>
+          </a:xfrm>
+          <a:prstGeom prst="rect">
+            <a:avLst/>
+          </a:prstGeom>
+          <a:solidFill>
+            <a:srgbClr val="FFFFCC"/>
+          </a:solidFill>
+          <a:ln>
+            <a:solidFill>
+              <a:schemeClr val="accent4">
+                <a:lumMod val="75000"/>
+              </a:schemeClr>
+            </a:solidFill>
+          </a:ln>
+        </p:spPr>
+        <p:style>
+          <a:lnRef idx="2">
+            <a:schemeClr val="accent1">
+              <a:shade val="50000"/>
+            </a:schemeClr>
+          </a:lnRef>
+          <a:fillRef idx="1">
+            <a:schemeClr val="accent1"/>
+          </a:fillRef>
+          <a:effectRef idx="0">
+            <a:schemeClr val="accent1"/>
+          </a:effectRef>
+          <a:fontRef idx="minor">
+            <a:schemeClr val="lt1"/>
+          </a:fontRef>
+        </p:style>
+        <p:txBody>
+          <a:bodyPr lIns="36000" rIns="36000" rtlCol="0" anchor="ctr"/>
+          <a:lstStyle/>
+          <a:p>
+            <a:pPr algn="ctr"/>
+            <a:r>
+              <a:rPr lang="en-US" altLang="ko-KR" sz="1400">
+                <a:solidFill>
+                  <a:schemeClr val="tx1"/>
+                </a:solidFill>
+                <a:latin typeface="Consolas" panose="020B0609020204030204" pitchFamily="49" charset="0"/>
+              </a:rPr>
+              <a:t>##</a:t>
+            </a:r>
+            <a:r>
+              <a:rPr lang="ko-KR" altLang="en-US" sz="1400">
+                <a:solidFill>
+                  <a:schemeClr val="tx1"/>
+                </a:solidFill>
+                <a:latin typeface="Consolas" panose="020B0609020204030204" pitchFamily="49" charset="0"/>
+              </a:rPr>
+              <a:t>너</a:t>
+            </a:r>
+          </a:p>
+        </p:txBody>
+      </p:sp>
+      <p:sp>
+        <p:nvSpPr>
+          <p:cNvPr id="72" name="직사각형 71">
+            <a:extLst>
+              <a:ext uri="{FF2B5EF4-FFF2-40B4-BE49-F238E27FC236}">
+                <a16:creationId xmlns:a16="http://schemas.microsoft.com/office/drawing/2014/main" id="{E2A72050-C99A-4430-A20B-3E2ACE72E0CC}"/>
+              </a:ext>
+            </a:extLst>
+          </p:cNvPr>
+          <p:cNvSpPr/>
+          <p:nvPr/>
+        </p:nvSpPr>
+        <p:spPr>
+          <a:xfrm>
+            <a:off x="4695496" y="2114550"/>
+            <a:ext cx="683392" cy="339328"/>
+          </a:xfrm>
+          <a:prstGeom prst="rect">
+            <a:avLst/>
+          </a:prstGeom>
+          <a:solidFill>
+            <a:srgbClr val="FFFFCC"/>
+          </a:solidFill>
+          <a:ln>
+            <a:solidFill>
+              <a:schemeClr val="accent4">
+                <a:lumMod val="75000"/>
+              </a:schemeClr>
+            </a:solidFill>
+          </a:ln>
+        </p:spPr>
+        <p:style>
+          <a:lnRef idx="2">
+            <a:schemeClr val="accent1">
+              <a:shade val="50000"/>
+            </a:schemeClr>
+          </a:lnRef>
+          <a:fillRef idx="1">
+            <a:schemeClr val="accent1"/>
+          </a:fillRef>
+          <a:effectRef idx="0">
+            <a:schemeClr val="accent1"/>
+          </a:effectRef>
+          <a:fontRef idx="minor">
+            <a:schemeClr val="lt1"/>
+          </a:fontRef>
+        </p:style>
+        <p:txBody>
+          <a:bodyPr lIns="36000" rIns="36000" rtlCol="0" anchor="ctr"/>
+          <a:lstStyle/>
+          <a:p>
+            <a:pPr algn="ctr"/>
+            <a:r>
+              <a:rPr lang="en-US" altLang="ko-KR" sz="1400">
+                <a:solidFill>
+                  <a:schemeClr val="tx1"/>
+                </a:solidFill>
+                <a:latin typeface="Consolas" panose="020B0609020204030204" pitchFamily="49" charset="0"/>
+              </a:rPr>
+              <a:t>##</a:t>
+            </a:r>
+            <a:r>
+              <a:rPr lang="ko-KR" altLang="en-US" sz="1400">
+                <a:solidFill>
+                  <a:schemeClr val="tx1"/>
+                </a:solidFill>
+                <a:latin typeface="Consolas" panose="020B0609020204030204" pitchFamily="49" charset="0"/>
+              </a:rPr>
+              <a:t>는</a:t>
+            </a:r>
+          </a:p>
+        </p:txBody>
+      </p:sp>
+      <p:sp>
+        <p:nvSpPr>
+          <p:cNvPr id="73" name="직사각형 72">
+            <a:extLst>
+              <a:ext uri="{FF2B5EF4-FFF2-40B4-BE49-F238E27FC236}">
+                <a16:creationId xmlns:a16="http://schemas.microsoft.com/office/drawing/2014/main" id="{246CF6F0-758C-4125-8F6B-718F82BBA860}"/>
+              </a:ext>
+            </a:extLst>
+          </p:cNvPr>
+          <p:cNvSpPr/>
+          <p:nvPr/>
+        </p:nvSpPr>
+        <p:spPr>
+          <a:xfrm>
+            <a:off x="5375090" y="2114550"/>
+            <a:ext cx="683392" cy="339328"/>
+          </a:xfrm>
+          <a:prstGeom prst="rect">
+            <a:avLst/>
+          </a:prstGeom>
+          <a:solidFill>
+            <a:srgbClr val="FFFFCC"/>
+          </a:solidFill>
+          <a:ln>
+            <a:solidFill>
+              <a:schemeClr val="accent4">
+                <a:lumMod val="75000"/>
+              </a:schemeClr>
+            </a:solidFill>
+          </a:ln>
+        </p:spPr>
+        <p:style>
+          <a:lnRef idx="2">
+            <a:schemeClr val="accent1">
+              <a:shade val="50000"/>
+            </a:schemeClr>
+          </a:lnRef>
+          <a:fillRef idx="1">
+            <a:schemeClr val="accent1"/>
+          </a:fillRef>
+          <a:effectRef idx="0">
+            <a:schemeClr val="accent1"/>
+          </a:effectRef>
+          <a:fontRef idx="minor">
+            <a:schemeClr val="lt1"/>
+          </a:fontRef>
+        </p:style>
+        <p:txBody>
+          <a:bodyPr lIns="36000" rIns="36000" rtlCol="0" anchor="ctr"/>
+          <a:lstStyle/>
+          <a:p>
+            <a:pPr algn="ctr"/>
+            <a:r>
+              <a:rPr lang="ko-KR" altLang="en-US" sz="1400">
+                <a:solidFill>
+                  <a:schemeClr val="tx1"/>
+                </a:solidFill>
+                <a:latin typeface="Consolas" panose="020B0609020204030204" pitchFamily="49" charset="0"/>
+              </a:rPr>
+              <a:t>괴</a:t>
+            </a:r>
+          </a:p>
+        </p:txBody>
+      </p:sp>
+      <p:sp>
+        <p:nvSpPr>
+          <p:cNvPr id="74" name="직사각형 73">
+            <a:extLst>
+              <a:ext uri="{FF2B5EF4-FFF2-40B4-BE49-F238E27FC236}">
+                <a16:creationId xmlns:a16="http://schemas.microsoft.com/office/drawing/2014/main" id="{B5254B39-2635-4E01-B761-08B104F006DC}"/>
+              </a:ext>
+            </a:extLst>
+          </p:cNvPr>
+          <p:cNvSpPr/>
+          <p:nvPr/>
+        </p:nvSpPr>
+        <p:spPr>
+          <a:xfrm>
+            <a:off x="6054684" y="2114550"/>
+            <a:ext cx="683392" cy="339328"/>
+          </a:xfrm>
+          <a:prstGeom prst="rect">
+            <a:avLst/>
+          </a:prstGeom>
+          <a:solidFill>
+            <a:srgbClr val="FFFFCC"/>
+          </a:solidFill>
+          <a:ln>
+            <a:solidFill>
+              <a:schemeClr val="accent4">
+                <a:lumMod val="75000"/>
+              </a:schemeClr>
+            </a:solidFill>
+          </a:ln>
+        </p:spPr>
+        <p:style>
+          <a:lnRef idx="2">
+            <a:schemeClr val="accent1">
+              <a:shade val="50000"/>
+            </a:schemeClr>
+          </a:lnRef>
+          <a:fillRef idx="1">
+            <a:schemeClr val="accent1"/>
+          </a:fillRef>
+          <a:effectRef idx="0">
+            <a:schemeClr val="accent1"/>
+          </a:effectRef>
+          <a:fontRef idx="minor">
+            <a:schemeClr val="lt1"/>
+          </a:fontRef>
+        </p:style>
+        <p:txBody>
+          <a:bodyPr lIns="36000" rIns="36000" rtlCol="0" anchor="ctr"/>
+          <a:lstStyle/>
+          <a:p>
+            <a:pPr algn="ctr"/>
+            <a:r>
+              <a:rPr lang="en-US" altLang="ko-KR" sz="1400">
+                <a:solidFill>
+                  <a:schemeClr val="tx1"/>
+                </a:solidFill>
+                <a:latin typeface="Consolas" panose="020B0609020204030204" pitchFamily="49" charset="0"/>
+              </a:rPr>
+              <a:t>##</a:t>
+            </a:r>
+            <a:r>
+              <a:rPr lang="ko-KR" altLang="en-US" sz="1400">
+                <a:solidFill>
+                  <a:schemeClr val="tx1"/>
+                </a:solidFill>
+                <a:latin typeface="Consolas" panose="020B0609020204030204" pitchFamily="49" charset="0"/>
+              </a:rPr>
+              <a:t>테</a:t>
+            </a:r>
+          </a:p>
+        </p:txBody>
+      </p:sp>
+      <p:sp>
+        <p:nvSpPr>
+          <p:cNvPr id="75" name="직사각형 74">
+            <a:extLst>
+              <a:ext uri="{FF2B5EF4-FFF2-40B4-BE49-F238E27FC236}">
+                <a16:creationId xmlns:a16="http://schemas.microsoft.com/office/drawing/2014/main" id="{2E972309-8B85-430D-827C-D8E968078C43}"/>
+              </a:ext>
+            </a:extLst>
+          </p:cNvPr>
+          <p:cNvSpPr/>
+          <p:nvPr/>
+        </p:nvSpPr>
+        <p:spPr>
+          <a:xfrm>
+            <a:off x="6734277" y="2114550"/>
+            <a:ext cx="683392" cy="339328"/>
+          </a:xfrm>
+          <a:prstGeom prst="rect">
+            <a:avLst/>
+          </a:prstGeom>
+          <a:solidFill>
+            <a:srgbClr val="FFFFCC"/>
+          </a:solidFill>
+          <a:ln>
+            <a:solidFill>
+              <a:schemeClr val="accent4">
+                <a:lumMod val="75000"/>
+              </a:schemeClr>
+            </a:solidFill>
+          </a:ln>
+        </p:spPr>
+        <p:style>
+          <a:lnRef idx="2">
+            <a:schemeClr val="accent1">
+              <a:shade val="50000"/>
+            </a:schemeClr>
+          </a:lnRef>
+          <a:fillRef idx="1">
+            <a:schemeClr val="accent1"/>
+          </a:fillRef>
+          <a:effectRef idx="0">
+            <a:schemeClr val="accent1"/>
+          </a:effectRef>
+          <a:fontRef idx="minor">
+            <a:schemeClr val="lt1"/>
+          </a:fontRef>
+        </p:style>
+        <p:txBody>
+          <a:bodyPr lIns="36000" rIns="36000" rtlCol="0" anchor="ctr"/>
+          <a:lstStyle/>
+          <a:p>
+            <a:pPr algn="ctr"/>
+            <a:r>
+              <a:rPr lang="en-US" altLang="ko-KR" sz="1400">
+                <a:solidFill>
+                  <a:schemeClr val="tx1"/>
+                </a:solidFill>
+                <a:latin typeface="Consolas" panose="020B0609020204030204" pitchFamily="49" charset="0"/>
+              </a:rPr>
+              <a:t>##</a:t>
+            </a:r>
+            <a:r>
+              <a:rPr lang="ko-KR" altLang="en-US" sz="1400">
+                <a:solidFill>
+                  <a:schemeClr val="tx1"/>
+                </a:solidFill>
+                <a:latin typeface="Consolas" panose="020B0609020204030204" pitchFamily="49" charset="0"/>
+              </a:rPr>
+              <a:t>의</a:t>
+            </a:r>
+          </a:p>
+        </p:txBody>
+      </p:sp>
+      <p:sp>
+        <p:nvSpPr>
+          <p:cNvPr id="76" name="직사각형 75">
+            <a:extLst>
+              <a:ext uri="{FF2B5EF4-FFF2-40B4-BE49-F238E27FC236}">
+                <a16:creationId xmlns:a16="http://schemas.microsoft.com/office/drawing/2014/main" id="{5230E538-423B-4DBD-87E2-D7FF00C34E7F}"/>
+              </a:ext>
+            </a:extLst>
+          </p:cNvPr>
+          <p:cNvSpPr/>
+          <p:nvPr/>
+        </p:nvSpPr>
+        <p:spPr>
+          <a:xfrm>
+            <a:off x="7413871" y="2114550"/>
+            <a:ext cx="683392" cy="339328"/>
+          </a:xfrm>
+          <a:prstGeom prst="rect">
+            <a:avLst/>
+          </a:prstGeom>
+          <a:solidFill>
+            <a:srgbClr val="FFFFCC"/>
+          </a:solidFill>
+          <a:ln>
+            <a:solidFill>
+              <a:schemeClr val="accent4">
+                <a:lumMod val="75000"/>
+              </a:schemeClr>
+            </a:solidFill>
+          </a:ln>
+        </p:spPr>
+        <p:style>
+          <a:lnRef idx="2">
+            <a:schemeClr val="accent1">
+              <a:shade val="50000"/>
+            </a:schemeClr>
+          </a:lnRef>
+          <a:fillRef idx="1">
+            <a:schemeClr val="accent1"/>
+          </a:fillRef>
+          <a:effectRef idx="0">
+            <a:schemeClr val="accent1"/>
+          </a:effectRef>
+          <a:fontRef idx="minor">
+            <a:schemeClr val="lt1"/>
+          </a:fontRef>
+        </p:style>
+        <p:txBody>
+          <a:bodyPr lIns="36000" rIns="36000" rtlCol="0" anchor="ctr"/>
+          <a:lstStyle/>
+          <a:p>
+            <a:pPr algn="ctr"/>
+            <a:r>
+              <a:rPr lang="ko-KR" altLang="en-US" sz="1400">
+                <a:solidFill>
+                  <a:schemeClr val="tx1"/>
+                </a:solidFill>
+                <a:latin typeface="Consolas" panose="020B0609020204030204" pitchFamily="49" charset="0"/>
+              </a:rPr>
+              <a:t>파</a:t>
+            </a:r>
+          </a:p>
+        </p:txBody>
+      </p:sp>
+      <p:sp>
+        <p:nvSpPr>
+          <p:cNvPr id="77" name="직사각형 76">
+            <a:extLst>
+              <a:ext uri="{FF2B5EF4-FFF2-40B4-BE49-F238E27FC236}">
+                <a16:creationId xmlns:a16="http://schemas.microsoft.com/office/drawing/2014/main" id="{FA6E4E51-6816-4583-B0D6-70F10848E511}"/>
+              </a:ext>
+            </a:extLst>
+          </p:cNvPr>
+          <p:cNvSpPr/>
+          <p:nvPr/>
+        </p:nvSpPr>
+        <p:spPr>
+          <a:xfrm>
+            <a:off x="8093465" y="2114550"/>
+            <a:ext cx="683392" cy="339328"/>
+          </a:xfrm>
+          <a:prstGeom prst="rect">
+            <a:avLst/>
+          </a:prstGeom>
+          <a:solidFill>
+            <a:srgbClr val="FFFFCC"/>
+          </a:solidFill>
+          <a:ln>
+            <a:solidFill>
+              <a:schemeClr val="accent4">
+                <a:lumMod val="75000"/>
+              </a:schemeClr>
+            </a:solidFill>
+          </a:ln>
+        </p:spPr>
+        <p:style>
+          <a:lnRef idx="2">
+            <a:schemeClr val="accent1">
+              <a:shade val="50000"/>
+            </a:schemeClr>
+          </a:lnRef>
+          <a:fillRef idx="1">
+            <a:schemeClr val="accent1"/>
+          </a:fillRef>
+          <a:effectRef idx="0">
+            <a:schemeClr val="accent1"/>
+          </a:effectRef>
+          <a:fontRef idx="minor">
+            <a:schemeClr val="lt1"/>
+          </a:fontRef>
+        </p:style>
+        <p:txBody>
+          <a:bodyPr lIns="36000" rIns="36000" rtlCol="0" anchor="ctr"/>
+          <a:lstStyle/>
+          <a:p>
+            <a:pPr algn="ctr"/>
+            <a:r>
+              <a:rPr lang="en-US" altLang="ko-KR" sz="1400">
+                <a:solidFill>
+                  <a:schemeClr val="tx1"/>
+                </a:solidFill>
+                <a:latin typeface="Consolas" panose="020B0609020204030204" pitchFamily="49" charset="0"/>
+              </a:rPr>
+              <a:t>##</a:t>
+            </a:r>
+            <a:r>
+              <a:rPr lang="ko-KR" altLang="en-US" sz="1400">
+                <a:solidFill>
+                  <a:schemeClr val="tx1"/>
+                </a:solidFill>
+                <a:latin typeface="Consolas" panose="020B0609020204030204" pitchFamily="49" charset="0"/>
+              </a:rPr>
+              <a:t>우스</a:t>
+            </a:r>
+          </a:p>
+        </p:txBody>
+      </p:sp>
+      <p:sp>
+        <p:nvSpPr>
+          <p:cNvPr id="78" name="직사각형 77">
+            <a:extLst>
+              <a:ext uri="{FF2B5EF4-FFF2-40B4-BE49-F238E27FC236}">
+                <a16:creationId xmlns:a16="http://schemas.microsoft.com/office/drawing/2014/main" id="{11F0173F-AF6A-455D-816E-7109895E691E}"/>
+              </a:ext>
+            </a:extLst>
+          </p:cNvPr>
+          <p:cNvSpPr/>
+          <p:nvPr/>
+        </p:nvSpPr>
+        <p:spPr>
+          <a:xfrm>
+            <a:off x="8773058" y="2114550"/>
+            <a:ext cx="683392" cy="339328"/>
+          </a:xfrm>
+          <a:prstGeom prst="rect">
+            <a:avLst/>
+          </a:prstGeom>
+          <a:solidFill>
+            <a:srgbClr val="FFFFCC"/>
+          </a:solidFill>
+          <a:ln>
+            <a:solidFill>
+              <a:schemeClr val="accent4">
+                <a:lumMod val="75000"/>
+              </a:schemeClr>
+            </a:solidFill>
+          </a:ln>
+        </p:spPr>
+        <p:style>
+          <a:lnRef idx="2">
+            <a:schemeClr val="accent1">
+              <a:shade val="50000"/>
+            </a:schemeClr>
+          </a:lnRef>
+          <a:fillRef idx="1">
+            <a:schemeClr val="accent1"/>
+          </a:fillRef>
+          <a:effectRef idx="0">
+            <a:schemeClr val="accent1"/>
+          </a:effectRef>
+          <a:fontRef idx="minor">
+            <a:schemeClr val="lt1"/>
+          </a:fontRef>
+        </p:style>
+        <p:txBody>
+          <a:bodyPr lIns="36000" rIns="36000" rtlCol="0" anchor="ctr"/>
+          <a:lstStyle/>
+          <a:p>
+            <a:pPr algn="ctr"/>
+            <a:r>
+              <a:rPr lang="en-US" altLang="ko-KR" sz="1400">
+                <a:solidFill>
+                  <a:schemeClr val="tx1"/>
+                </a:solidFill>
+                <a:latin typeface="Consolas" panose="020B0609020204030204" pitchFamily="49" charset="0"/>
+              </a:rPr>
+              <a:t>##</a:t>
+            </a:r>
+            <a:r>
+              <a:rPr lang="ko-KR" altLang="en-US" sz="1400">
+                <a:solidFill>
+                  <a:schemeClr val="tx1"/>
+                </a:solidFill>
+                <a:latin typeface="Consolas" panose="020B0609020204030204" pitchFamily="49" charset="0"/>
+              </a:rPr>
+              <a:t>트</a:t>
+            </a:r>
+          </a:p>
+        </p:txBody>
+      </p:sp>
+      <p:sp>
+        <p:nvSpPr>
+          <p:cNvPr id="79" name="직사각형 78">
+            <a:extLst>
+              <a:ext uri="{FF2B5EF4-FFF2-40B4-BE49-F238E27FC236}">
+                <a16:creationId xmlns:a16="http://schemas.microsoft.com/office/drawing/2014/main" id="{A7A5B447-909B-419F-B256-7607569DA437}"/>
+              </a:ext>
+            </a:extLst>
+          </p:cNvPr>
+          <p:cNvSpPr/>
+          <p:nvPr/>
+        </p:nvSpPr>
+        <p:spPr>
+          <a:xfrm>
+            <a:off x="9452652" y="2114550"/>
+            <a:ext cx="683392" cy="339328"/>
+          </a:xfrm>
+          <a:prstGeom prst="rect">
+            <a:avLst/>
+          </a:prstGeom>
+          <a:solidFill>
+            <a:srgbClr val="FFFFCC"/>
+          </a:solidFill>
+          <a:ln>
+            <a:solidFill>
+              <a:schemeClr val="accent4">
+                <a:lumMod val="75000"/>
+              </a:schemeClr>
+            </a:solidFill>
+          </a:ln>
+        </p:spPr>
+        <p:style>
+          <a:lnRef idx="2">
+            <a:schemeClr val="accent1">
+              <a:shade val="50000"/>
+            </a:schemeClr>
+          </a:lnRef>
+          <a:fillRef idx="1">
+            <a:schemeClr val="accent1"/>
+          </a:fillRef>
+          <a:effectRef idx="0">
+            <a:schemeClr val="accent1"/>
+          </a:effectRef>
+          <a:fontRef idx="minor">
+            <a:schemeClr val="lt1"/>
+          </a:fontRef>
+        </p:style>
+        <p:txBody>
+          <a:bodyPr lIns="36000" rIns="36000" rtlCol="0" anchor="ctr"/>
+          <a:lstStyle/>
+          <a:p>
+            <a:pPr algn="ctr"/>
+            <a:r>
+              <a:rPr lang="en-US" altLang="ko-KR" sz="1400">
+                <a:solidFill>
+                  <a:schemeClr val="tx1"/>
+                </a:solidFill>
+                <a:latin typeface="Consolas" panose="020B0609020204030204" pitchFamily="49" charset="0"/>
+              </a:rPr>
+              <a:t>##</a:t>
+            </a:r>
+            <a:r>
+              <a:rPr lang="ko-KR" altLang="en-US" sz="1400">
+                <a:solidFill>
+                  <a:schemeClr val="tx1"/>
+                </a:solidFill>
+                <a:latin typeface="Consolas" panose="020B0609020204030204" pitchFamily="49" charset="0"/>
+              </a:rPr>
+              <a:t>을</a:t>
+            </a:r>
+          </a:p>
+        </p:txBody>
+      </p:sp>
+      <p:sp>
+        <p:nvSpPr>
+          <p:cNvPr id="80" name="직사각형 79">
+            <a:extLst>
+              <a:ext uri="{FF2B5EF4-FFF2-40B4-BE49-F238E27FC236}">
+                <a16:creationId xmlns:a16="http://schemas.microsoft.com/office/drawing/2014/main" id="{6C27CAA1-DE4E-410F-91B7-CA977FCE708C}"/>
+              </a:ext>
+            </a:extLst>
+          </p:cNvPr>
+          <p:cNvSpPr/>
+          <p:nvPr/>
+        </p:nvSpPr>
+        <p:spPr>
+          <a:xfrm>
+            <a:off x="10132246" y="2114550"/>
+            <a:ext cx="683392" cy="339328"/>
+          </a:xfrm>
+          <a:prstGeom prst="rect">
+            <a:avLst/>
+          </a:prstGeom>
+          <a:solidFill>
+            <a:srgbClr val="FFFFCC"/>
+          </a:solidFill>
+          <a:ln>
+            <a:solidFill>
+              <a:schemeClr val="accent4">
+                <a:lumMod val="75000"/>
+              </a:schemeClr>
+            </a:solidFill>
+          </a:ln>
+        </p:spPr>
+        <p:style>
+          <a:lnRef idx="2">
+            <a:schemeClr val="accent1">
+              <a:shade val="50000"/>
+            </a:schemeClr>
+          </a:lnRef>
+          <a:fillRef idx="1">
+            <a:schemeClr val="accent1"/>
+          </a:fillRef>
+          <a:effectRef idx="0">
+            <a:schemeClr val="accent1"/>
+          </a:effectRef>
+          <a:fontRef idx="minor">
+            <a:schemeClr val="lt1"/>
+          </a:fontRef>
+        </p:style>
+        <p:txBody>
+          <a:bodyPr lIns="36000" rIns="36000" rtlCol="0" anchor="ctr"/>
+          <a:lstStyle/>
+          <a:p>
+            <a:pPr algn="ctr"/>
+            <a:endParaRPr lang="ko-KR" altLang="en-US" sz="1400">
+              <a:solidFill>
+                <a:schemeClr val="tx1"/>
+              </a:solidFill>
+              <a:latin typeface="Consolas" panose="020B0609020204030204" pitchFamily="49" charset="0"/>
+            </a:endParaRPr>
+          </a:p>
+        </p:txBody>
+      </p:sp>
+      <p:sp>
+        <p:nvSpPr>
+          <p:cNvPr id="87" name="직사각형 86">
+            <a:extLst>
+              <a:ext uri="{FF2B5EF4-FFF2-40B4-BE49-F238E27FC236}">
+                <a16:creationId xmlns:a16="http://schemas.microsoft.com/office/drawing/2014/main" id="{64D4B8D6-3A35-4C08-8A46-7A89C4BB4339}"/>
+              </a:ext>
+            </a:extLst>
+          </p:cNvPr>
+          <p:cNvSpPr/>
+          <p:nvPr/>
+        </p:nvSpPr>
+        <p:spPr>
+          <a:xfrm>
+            <a:off x="617934" y="1825230"/>
+            <a:ext cx="683392" cy="339328"/>
+          </a:xfrm>
+          <a:prstGeom prst="rect">
+            <a:avLst/>
+          </a:prstGeom>
+          <a:noFill/>
+          <a:ln>
+            <a:noFill/>
+          </a:ln>
+        </p:spPr>
+        <p:style>
+          <a:lnRef idx="2">
+            <a:schemeClr val="accent1">
+              <a:shade val="50000"/>
+            </a:schemeClr>
+          </a:lnRef>
+          <a:fillRef idx="1">
+            <a:schemeClr val="accent1"/>
+          </a:fillRef>
+          <a:effectRef idx="0">
+            <a:schemeClr val="accent1"/>
+          </a:effectRef>
+          <a:fontRef idx="minor">
+            <a:schemeClr val="lt1"/>
+          </a:fontRef>
+        </p:style>
+        <p:txBody>
+          <a:bodyPr lIns="36000" rIns="36000" rtlCol="0" anchor="ctr"/>
+          <a:lstStyle/>
+          <a:p>
+            <a:pPr algn="ctr"/>
+            <a:r>
+              <a:rPr lang="en-US" altLang="ko-KR" sz="1400">
+                <a:solidFill>
+                  <a:schemeClr val="tx1"/>
+                </a:solidFill>
+                <a:latin typeface="Consolas" panose="020B0609020204030204" pitchFamily="49" charset="0"/>
+              </a:rPr>
+              <a:t>0</a:t>
+            </a:r>
+            <a:endParaRPr lang="ko-KR" altLang="en-US" sz="1400">
+              <a:solidFill>
+                <a:schemeClr val="tx1"/>
+              </a:solidFill>
+              <a:latin typeface="Consolas" panose="020B0609020204030204" pitchFamily="49" charset="0"/>
+            </a:endParaRPr>
+          </a:p>
+        </p:txBody>
+      </p:sp>
+      <p:sp>
+        <p:nvSpPr>
+          <p:cNvPr id="88" name="직사각형 87">
+            <a:extLst>
+              <a:ext uri="{FF2B5EF4-FFF2-40B4-BE49-F238E27FC236}">
+                <a16:creationId xmlns:a16="http://schemas.microsoft.com/office/drawing/2014/main" id="{EF1CAF65-AF3F-4E51-BF37-34429C1B4A2D}"/>
+              </a:ext>
+            </a:extLst>
+          </p:cNvPr>
+          <p:cNvSpPr/>
+          <p:nvPr/>
+        </p:nvSpPr>
+        <p:spPr>
+          <a:xfrm>
+            <a:off x="1297528" y="1825230"/>
+            <a:ext cx="683392" cy="339328"/>
+          </a:xfrm>
+          <a:prstGeom prst="rect">
+            <a:avLst/>
+          </a:prstGeom>
+          <a:noFill/>
+          <a:ln>
+            <a:noFill/>
+          </a:ln>
+        </p:spPr>
+        <p:style>
+          <a:lnRef idx="2">
+            <a:schemeClr val="accent1">
+              <a:shade val="50000"/>
+            </a:schemeClr>
+          </a:lnRef>
+          <a:fillRef idx="1">
+            <a:schemeClr val="accent1"/>
+          </a:fillRef>
+          <a:effectRef idx="0">
+            <a:schemeClr val="accent1"/>
+          </a:effectRef>
+          <a:fontRef idx="minor">
+            <a:schemeClr val="lt1"/>
+          </a:fontRef>
+        </p:style>
+        <p:txBody>
+          <a:bodyPr lIns="36000" rIns="36000" rtlCol="0" anchor="ctr"/>
+          <a:lstStyle/>
+          <a:p>
+            <a:pPr algn="ctr"/>
+            <a:r>
+              <a:rPr lang="en-US" altLang="ko-KR" sz="1400">
+                <a:solidFill>
+                  <a:schemeClr val="tx1"/>
+                </a:solidFill>
+                <a:latin typeface="Consolas" panose="020B0609020204030204" pitchFamily="49" charset="0"/>
+              </a:rPr>
+              <a:t>1</a:t>
+            </a:r>
+            <a:endParaRPr lang="ko-KR" altLang="en-US" sz="1400">
+              <a:solidFill>
+                <a:schemeClr val="tx1"/>
+              </a:solidFill>
+              <a:latin typeface="Consolas" panose="020B0609020204030204" pitchFamily="49" charset="0"/>
+            </a:endParaRPr>
+          </a:p>
+        </p:txBody>
+      </p:sp>
+      <p:sp>
+        <p:nvSpPr>
+          <p:cNvPr id="89" name="직사각형 88">
+            <a:extLst>
+              <a:ext uri="{FF2B5EF4-FFF2-40B4-BE49-F238E27FC236}">
+                <a16:creationId xmlns:a16="http://schemas.microsoft.com/office/drawing/2014/main" id="{01CE8E48-87A9-4C13-81D0-E950055C055D}"/>
+              </a:ext>
+            </a:extLst>
+          </p:cNvPr>
+          <p:cNvSpPr/>
+          <p:nvPr/>
+        </p:nvSpPr>
+        <p:spPr>
+          <a:xfrm>
+            <a:off x="1977121" y="1825230"/>
+            <a:ext cx="683392" cy="339328"/>
+          </a:xfrm>
+          <a:prstGeom prst="rect">
+            <a:avLst/>
+          </a:prstGeom>
+          <a:noFill/>
+          <a:ln>
+            <a:noFill/>
+          </a:ln>
+        </p:spPr>
+        <p:style>
+          <a:lnRef idx="2">
+            <a:schemeClr val="accent1">
+              <a:shade val="50000"/>
+            </a:schemeClr>
+          </a:lnRef>
+          <a:fillRef idx="1">
+            <a:schemeClr val="accent1"/>
+          </a:fillRef>
+          <a:effectRef idx="0">
+            <a:schemeClr val="accent1"/>
+          </a:effectRef>
+          <a:fontRef idx="minor">
+            <a:schemeClr val="lt1"/>
+          </a:fontRef>
+        </p:style>
+        <p:txBody>
+          <a:bodyPr lIns="36000" rIns="36000" rtlCol="0" anchor="ctr"/>
+          <a:lstStyle/>
+          <a:p>
+            <a:pPr algn="ctr"/>
+            <a:r>
+              <a:rPr lang="en-US" altLang="ko-KR" sz="1400">
+                <a:solidFill>
+                  <a:schemeClr val="tx1"/>
+                </a:solidFill>
+                <a:latin typeface="Consolas" panose="020B0609020204030204" pitchFamily="49" charset="0"/>
+              </a:rPr>
+              <a:t>2</a:t>
+            </a:r>
+            <a:endParaRPr lang="ko-KR" altLang="en-US" sz="1400">
+              <a:solidFill>
+                <a:schemeClr val="tx1"/>
+              </a:solidFill>
+              <a:latin typeface="Consolas" panose="020B0609020204030204" pitchFamily="49" charset="0"/>
+            </a:endParaRPr>
+          </a:p>
+        </p:txBody>
+      </p:sp>
+      <p:sp>
+        <p:nvSpPr>
+          <p:cNvPr id="90" name="직사각형 89">
+            <a:extLst>
+              <a:ext uri="{FF2B5EF4-FFF2-40B4-BE49-F238E27FC236}">
+                <a16:creationId xmlns:a16="http://schemas.microsoft.com/office/drawing/2014/main" id="{88AECAF6-F85A-45E0-AEEF-31D7A5DDACA9}"/>
+              </a:ext>
+            </a:extLst>
+          </p:cNvPr>
+          <p:cNvSpPr/>
+          <p:nvPr/>
+        </p:nvSpPr>
+        <p:spPr>
+          <a:xfrm>
+            <a:off x="2656715" y="1825230"/>
+            <a:ext cx="683392" cy="339328"/>
+          </a:xfrm>
+          <a:prstGeom prst="rect">
+            <a:avLst/>
+          </a:prstGeom>
+          <a:noFill/>
+          <a:ln>
+            <a:noFill/>
+          </a:ln>
+        </p:spPr>
+        <p:style>
+          <a:lnRef idx="2">
+            <a:schemeClr val="accent1">
+              <a:shade val="50000"/>
+            </a:schemeClr>
+          </a:lnRef>
+          <a:fillRef idx="1">
+            <a:schemeClr val="accent1"/>
+          </a:fillRef>
+          <a:effectRef idx="0">
+            <a:schemeClr val="accent1"/>
+          </a:effectRef>
+          <a:fontRef idx="minor">
+            <a:schemeClr val="lt1"/>
+          </a:fontRef>
+        </p:style>
+        <p:txBody>
+          <a:bodyPr lIns="36000" rIns="36000" rtlCol="0" anchor="ctr"/>
+          <a:lstStyle/>
+          <a:p>
+            <a:pPr algn="ctr"/>
+            <a:r>
+              <a:rPr lang="en-US" altLang="ko-KR" sz="1400">
+                <a:solidFill>
+                  <a:schemeClr val="tx1"/>
+                </a:solidFill>
+                <a:latin typeface="Consolas" panose="020B0609020204030204" pitchFamily="49" charset="0"/>
+              </a:rPr>
+              <a:t>3</a:t>
+            </a:r>
+            <a:endParaRPr lang="ko-KR" altLang="en-US" sz="1400">
+              <a:solidFill>
+                <a:schemeClr val="tx1"/>
+              </a:solidFill>
+              <a:latin typeface="Consolas" panose="020B0609020204030204" pitchFamily="49" charset="0"/>
+            </a:endParaRPr>
+          </a:p>
+        </p:txBody>
+      </p:sp>
+      <p:sp>
+        <p:nvSpPr>
+          <p:cNvPr id="91" name="직사각형 90">
+            <a:extLst>
+              <a:ext uri="{FF2B5EF4-FFF2-40B4-BE49-F238E27FC236}">
+                <a16:creationId xmlns:a16="http://schemas.microsoft.com/office/drawing/2014/main" id="{3E09F9AA-12B8-4815-86C6-8CC4B4DE35C6}"/>
+              </a:ext>
+            </a:extLst>
+          </p:cNvPr>
+          <p:cNvSpPr/>
+          <p:nvPr/>
+        </p:nvSpPr>
+        <p:spPr>
+          <a:xfrm>
+            <a:off x="3336309" y="1825230"/>
+            <a:ext cx="683392" cy="339328"/>
+          </a:xfrm>
+          <a:prstGeom prst="rect">
+            <a:avLst/>
+          </a:prstGeom>
+          <a:noFill/>
+          <a:ln>
+            <a:noFill/>
+          </a:ln>
+        </p:spPr>
+        <p:style>
+          <a:lnRef idx="2">
+            <a:schemeClr val="accent1">
+              <a:shade val="50000"/>
+            </a:schemeClr>
+          </a:lnRef>
+          <a:fillRef idx="1">
+            <a:schemeClr val="accent1"/>
+          </a:fillRef>
+          <a:effectRef idx="0">
+            <a:schemeClr val="accent1"/>
+          </a:effectRef>
+          <a:fontRef idx="minor">
+            <a:schemeClr val="lt1"/>
+          </a:fontRef>
+        </p:style>
+        <p:txBody>
+          <a:bodyPr lIns="36000" rIns="36000" rtlCol="0" anchor="ctr"/>
+          <a:lstStyle/>
+          <a:p>
+            <a:pPr algn="ctr"/>
+            <a:r>
+              <a:rPr lang="en-US" altLang="ko-KR" sz="1400">
+                <a:solidFill>
+                  <a:schemeClr val="tx1"/>
+                </a:solidFill>
+                <a:latin typeface="Consolas" panose="020B0609020204030204" pitchFamily="49" charset="0"/>
+              </a:rPr>
+              <a:t>4</a:t>
+            </a:r>
+            <a:endParaRPr lang="ko-KR" altLang="en-US" sz="1400">
+              <a:solidFill>
+                <a:schemeClr val="tx1"/>
+              </a:solidFill>
+              <a:latin typeface="Consolas" panose="020B0609020204030204" pitchFamily="49" charset="0"/>
+            </a:endParaRPr>
+          </a:p>
+        </p:txBody>
+      </p:sp>
+      <p:sp>
+        <p:nvSpPr>
+          <p:cNvPr id="92" name="직사각형 91">
+            <a:extLst>
+              <a:ext uri="{FF2B5EF4-FFF2-40B4-BE49-F238E27FC236}">
+                <a16:creationId xmlns:a16="http://schemas.microsoft.com/office/drawing/2014/main" id="{B94BEBAB-9F8F-4C55-B434-7046AE8FDD9B}"/>
+              </a:ext>
+            </a:extLst>
+          </p:cNvPr>
+          <p:cNvSpPr/>
+          <p:nvPr/>
+        </p:nvSpPr>
+        <p:spPr>
+          <a:xfrm>
+            <a:off x="4015903" y="1825230"/>
+            <a:ext cx="683392" cy="339328"/>
+          </a:xfrm>
+          <a:prstGeom prst="rect">
+            <a:avLst/>
+          </a:prstGeom>
+          <a:noFill/>
+          <a:ln>
+            <a:noFill/>
+          </a:ln>
+        </p:spPr>
+        <p:style>
+          <a:lnRef idx="2">
+            <a:schemeClr val="accent1">
+              <a:shade val="50000"/>
+            </a:schemeClr>
+          </a:lnRef>
+          <a:fillRef idx="1">
+            <a:schemeClr val="accent1"/>
+          </a:fillRef>
+          <a:effectRef idx="0">
+            <a:schemeClr val="accent1"/>
+          </a:effectRef>
+          <a:fontRef idx="minor">
+            <a:schemeClr val="lt1"/>
+          </a:fontRef>
+        </p:style>
+        <p:txBody>
+          <a:bodyPr lIns="36000" rIns="36000" rtlCol="0" anchor="ctr"/>
+          <a:lstStyle/>
+          <a:p>
+            <a:pPr algn="ctr"/>
+            <a:r>
+              <a:rPr lang="en-US" altLang="ko-KR" sz="1400">
+                <a:solidFill>
+                  <a:schemeClr val="tx1"/>
+                </a:solidFill>
+                <a:latin typeface="Consolas" panose="020B0609020204030204" pitchFamily="49" charset="0"/>
+              </a:rPr>
+              <a:t>5</a:t>
+            </a:r>
+            <a:endParaRPr lang="ko-KR" altLang="en-US" sz="1400">
+              <a:solidFill>
+                <a:schemeClr val="tx1"/>
+              </a:solidFill>
+              <a:latin typeface="Consolas" panose="020B0609020204030204" pitchFamily="49" charset="0"/>
+            </a:endParaRPr>
+          </a:p>
+        </p:txBody>
+      </p:sp>
+      <p:sp>
+        <p:nvSpPr>
+          <p:cNvPr id="93" name="직사각형 92">
+            <a:extLst>
+              <a:ext uri="{FF2B5EF4-FFF2-40B4-BE49-F238E27FC236}">
+                <a16:creationId xmlns:a16="http://schemas.microsoft.com/office/drawing/2014/main" id="{CC586B1C-BE06-4802-AACA-2D9670830787}"/>
+              </a:ext>
+            </a:extLst>
+          </p:cNvPr>
+          <p:cNvSpPr/>
+          <p:nvPr/>
+        </p:nvSpPr>
+        <p:spPr>
+          <a:xfrm>
+            <a:off x="4695496" y="1825230"/>
+            <a:ext cx="683392" cy="339328"/>
+          </a:xfrm>
+          <a:prstGeom prst="rect">
+            <a:avLst/>
+          </a:prstGeom>
+          <a:noFill/>
+          <a:ln>
+            <a:noFill/>
+          </a:ln>
+        </p:spPr>
+        <p:style>
+          <a:lnRef idx="2">
+            <a:schemeClr val="accent1">
+              <a:shade val="50000"/>
+            </a:schemeClr>
+          </a:lnRef>
+          <a:fillRef idx="1">
+            <a:schemeClr val="accent1"/>
+          </a:fillRef>
+          <a:effectRef idx="0">
+            <a:schemeClr val="accent1"/>
+          </a:effectRef>
+          <a:fontRef idx="minor">
+            <a:schemeClr val="lt1"/>
+          </a:fontRef>
+        </p:style>
+        <p:txBody>
+          <a:bodyPr lIns="36000" rIns="36000" rtlCol="0" anchor="ctr"/>
+          <a:lstStyle/>
+          <a:p>
+            <a:pPr algn="ctr"/>
+            <a:r>
+              <a:rPr lang="en-US" altLang="ko-KR" sz="1400">
+                <a:solidFill>
+                  <a:schemeClr val="tx1"/>
+                </a:solidFill>
+                <a:latin typeface="Consolas" panose="020B0609020204030204" pitchFamily="49" charset="0"/>
+              </a:rPr>
+              <a:t>6</a:t>
+            </a:r>
+            <a:endParaRPr lang="ko-KR" altLang="en-US" sz="1400">
+              <a:solidFill>
+                <a:schemeClr val="tx1"/>
+              </a:solidFill>
+              <a:latin typeface="Consolas" panose="020B0609020204030204" pitchFamily="49" charset="0"/>
+            </a:endParaRPr>
+          </a:p>
+        </p:txBody>
+      </p:sp>
+      <p:sp>
+        <p:nvSpPr>
+          <p:cNvPr id="94" name="직사각형 93">
+            <a:extLst>
+              <a:ext uri="{FF2B5EF4-FFF2-40B4-BE49-F238E27FC236}">
+                <a16:creationId xmlns:a16="http://schemas.microsoft.com/office/drawing/2014/main" id="{F14B00A4-63ED-4509-B821-D5259DB298BB}"/>
+              </a:ext>
+            </a:extLst>
+          </p:cNvPr>
+          <p:cNvSpPr/>
+          <p:nvPr/>
+        </p:nvSpPr>
+        <p:spPr>
+          <a:xfrm>
+            <a:off x="5375090" y="1825230"/>
+            <a:ext cx="683392" cy="339328"/>
+          </a:xfrm>
+          <a:prstGeom prst="rect">
+            <a:avLst/>
+          </a:prstGeom>
+          <a:noFill/>
+          <a:ln>
+            <a:noFill/>
+          </a:ln>
+        </p:spPr>
+        <p:style>
+          <a:lnRef idx="2">
+            <a:schemeClr val="accent1">
+              <a:shade val="50000"/>
+            </a:schemeClr>
+          </a:lnRef>
+          <a:fillRef idx="1">
+            <a:schemeClr val="accent1"/>
+          </a:fillRef>
+          <a:effectRef idx="0">
+            <a:schemeClr val="accent1"/>
+          </a:effectRef>
+          <a:fontRef idx="minor">
+            <a:schemeClr val="lt1"/>
+          </a:fontRef>
+        </p:style>
+        <p:txBody>
+          <a:bodyPr lIns="36000" rIns="36000" rtlCol="0" anchor="ctr"/>
+          <a:lstStyle/>
+          <a:p>
+            <a:pPr algn="ctr"/>
+            <a:r>
+              <a:rPr lang="en-US" altLang="ko-KR" sz="1400">
+                <a:solidFill>
+                  <a:schemeClr val="tx1"/>
+                </a:solidFill>
+                <a:latin typeface="Consolas" panose="020B0609020204030204" pitchFamily="49" charset="0"/>
+              </a:rPr>
+              <a:t>7</a:t>
+            </a:r>
+            <a:endParaRPr lang="ko-KR" altLang="en-US" sz="1400">
+              <a:solidFill>
+                <a:schemeClr val="tx1"/>
+              </a:solidFill>
+              <a:latin typeface="Consolas" panose="020B0609020204030204" pitchFamily="49" charset="0"/>
+            </a:endParaRPr>
+          </a:p>
+        </p:txBody>
+      </p:sp>
+      <p:sp>
+        <p:nvSpPr>
+          <p:cNvPr id="95" name="직사각형 94">
+            <a:extLst>
+              <a:ext uri="{FF2B5EF4-FFF2-40B4-BE49-F238E27FC236}">
+                <a16:creationId xmlns:a16="http://schemas.microsoft.com/office/drawing/2014/main" id="{6CAF8FA9-34A7-4513-A6AD-D0F9C933034C}"/>
+              </a:ext>
+            </a:extLst>
+          </p:cNvPr>
+          <p:cNvSpPr/>
+          <p:nvPr/>
+        </p:nvSpPr>
+        <p:spPr>
+          <a:xfrm>
+            <a:off x="6054684" y="1825230"/>
+            <a:ext cx="683392" cy="339328"/>
+          </a:xfrm>
+          <a:prstGeom prst="rect">
+            <a:avLst/>
+          </a:prstGeom>
+          <a:noFill/>
+          <a:ln>
+            <a:noFill/>
+          </a:ln>
+        </p:spPr>
+        <p:style>
+          <a:lnRef idx="2">
+            <a:schemeClr val="accent1">
+              <a:shade val="50000"/>
+            </a:schemeClr>
+          </a:lnRef>
+          <a:fillRef idx="1">
+            <a:schemeClr val="accent1"/>
+          </a:fillRef>
+          <a:effectRef idx="0">
+            <a:schemeClr val="accent1"/>
+          </a:effectRef>
+          <a:fontRef idx="minor">
+            <a:schemeClr val="lt1"/>
+          </a:fontRef>
+        </p:style>
+        <p:txBody>
+          <a:bodyPr lIns="36000" rIns="36000" rtlCol="0" anchor="ctr"/>
+          <a:lstStyle/>
+          <a:p>
+            <a:pPr algn="ctr"/>
+            <a:r>
+              <a:rPr lang="en-US" altLang="ko-KR" sz="1400">
+                <a:solidFill>
+                  <a:schemeClr val="tx1"/>
+                </a:solidFill>
+                <a:latin typeface="Consolas" panose="020B0609020204030204" pitchFamily="49" charset="0"/>
+              </a:rPr>
+              <a:t>8</a:t>
+            </a:r>
+            <a:endParaRPr lang="ko-KR" altLang="en-US" sz="1400">
+              <a:solidFill>
+                <a:schemeClr val="tx1"/>
+              </a:solidFill>
+              <a:latin typeface="Consolas" panose="020B0609020204030204" pitchFamily="49" charset="0"/>
+            </a:endParaRPr>
+          </a:p>
+        </p:txBody>
+      </p:sp>
+      <p:sp>
+        <p:nvSpPr>
+          <p:cNvPr id="96" name="직사각형 95">
+            <a:extLst>
+              <a:ext uri="{FF2B5EF4-FFF2-40B4-BE49-F238E27FC236}">
+                <a16:creationId xmlns:a16="http://schemas.microsoft.com/office/drawing/2014/main" id="{22A18800-6456-4D3D-A3D4-16BD8319A675}"/>
+              </a:ext>
+            </a:extLst>
+          </p:cNvPr>
+          <p:cNvSpPr/>
+          <p:nvPr/>
+        </p:nvSpPr>
+        <p:spPr>
+          <a:xfrm>
+            <a:off x="6734277" y="1825230"/>
+            <a:ext cx="683392" cy="339328"/>
+          </a:xfrm>
+          <a:prstGeom prst="rect">
+            <a:avLst/>
+          </a:prstGeom>
+          <a:noFill/>
+          <a:ln>
+            <a:noFill/>
+          </a:ln>
+        </p:spPr>
+        <p:style>
+          <a:lnRef idx="2">
+            <a:schemeClr val="accent1">
+              <a:shade val="50000"/>
+            </a:schemeClr>
+          </a:lnRef>
+          <a:fillRef idx="1">
+            <a:schemeClr val="accent1"/>
+          </a:fillRef>
+          <a:effectRef idx="0">
+            <a:schemeClr val="accent1"/>
+          </a:effectRef>
+          <a:fontRef idx="minor">
+            <a:schemeClr val="lt1"/>
+          </a:fontRef>
+        </p:style>
+        <p:txBody>
+          <a:bodyPr lIns="36000" rIns="36000" rtlCol="0" anchor="ctr"/>
+          <a:lstStyle/>
+          <a:p>
+            <a:pPr algn="ctr"/>
+            <a:r>
+              <a:rPr lang="en-US" altLang="ko-KR" sz="1400">
+                <a:solidFill>
+                  <a:schemeClr val="tx1"/>
+                </a:solidFill>
+                <a:latin typeface="Consolas" panose="020B0609020204030204" pitchFamily="49" charset="0"/>
+              </a:rPr>
+              <a:t>9</a:t>
+            </a:r>
+            <a:endParaRPr lang="ko-KR" altLang="en-US" sz="1400">
+              <a:solidFill>
+                <a:schemeClr val="tx1"/>
+              </a:solidFill>
+              <a:latin typeface="Consolas" panose="020B0609020204030204" pitchFamily="49" charset="0"/>
+            </a:endParaRPr>
+          </a:p>
+        </p:txBody>
+      </p:sp>
+      <p:sp>
+        <p:nvSpPr>
+          <p:cNvPr id="97" name="직사각형 96">
+            <a:extLst>
+              <a:ext uri="{FF2B5EF4-FFF2-40B4-BE49-F238E27FC236}">
+                <a16:creationId xmlns:a16="http://schemas.microsoft.com/office/drawing/2014/main" id="{D46BFF59-82D7-455D-BF07-9332B4D2F8FD}"/>
+              </a:ext>
+            </a:extLst>
+          </p:cNvPr>
+          <p:cNvSpPr/>
+          <p:nvPr/>
+        </p:nvSpPr>
+        <p:spPr>
+          <a:xfrm>
+            <a:off x="7413871" y="1825230"/>
+            <a:ext cx="683392" cy="339328"/>
+          </a:xfrm>
+          <a:prstGeom prst="rect">
+            <a:avLst/>
+          </a:prstGeom>
+          <a:noFill/>
+          <a:ln>
+            <a:noFill/>
+          </a:ln>
+        </p:spPr>
+        <p:style>
+          <a:lnRef idx="2">
+            <a:schemeClr val="accent1">
+              <a:shade val="50000"/>
+            </a:schemeClr>
+          </a:lnRef>
+          <a:fillRef idx="1">
+            <a:schemeClr val="accent1"/>
+          </a:fillRef>
+          <a:effectRef idx="0">
+            <a:schemeClr val="accent1"/>
+          </a:effectRef>
+          <a:fontRef idx="minor">
+            <a:schemeClr val="lt1"/>
+          </a:fontRef>
+        </p:style>
+        <p:txBody>
+          <a:bodyPr lIns="36000" rIns="36000" rtlCol="0" anchor="ctr"/>
+          <a:lstStyle/>
+          <a:p>
+            <a:pPr algn="ctr"/>
+            <a:r>
+              <a:rPr lang="en-US" altLang="ko-KR" sz="1400">
+                <a:solidFill>
+                  <a:schemeClr val="tx1"/>
+                </a:solidFill>
+                <a:latin typeface="Consolas" panose="020B0609020204030204" pitchFamily="49" charset="0"/>
+              </a:rPr>
+              <a:t>10</a:t>
+            </a:r>
+            <a:endParaRPr lang="ko-KR" altLang="en-US" sz="1400">
+              <a:solidFill>
+                <a:schemeClr val="tx1"/>
+              </a:solidFill>
+              <a:latin typeface="Consolas" panose="020B0609020204030204" pitchFamily="49" charset="0"/>
+            </a:endParaRPr>
+          </a:p>
+        </p:txBody>
+      </p:sp>
+      <p:sp>
+        <p:nvSpPr>
+          <p:cNvPr id="98" name="직사각형 97">
+            <a:extLst>
+              <a:ext uri="{FF2B5EF4-FFF2-40B4-BE49-F238E27FC236}">
+                <a16:creationId xmlns:a16="http://schemas.microsoft.com/office/drawing/2014/main" id="{7A7F3B61-39C8-4070-8694-70C34003E764}"/>
+              </a:ext>
+            </a:extLst>
+          </p:cNvPr>
+          <p:cNvSpPr/>
+          <p:nvPr/>
+        </p:nvSpPr>
+        <p:spPr>
+          <a:xfrm>
+            <a:off x="8093465" y="1825230"/>
+            <a:ext cx="683392" cy="339328"/>
+          </a:xfrm>
+          <a:prstGeom prst="rect">
+            <a:avLst/>
+          </a:prstGeom>
+          <a:noFill/>
+          <a:ln>
+            <a:noFill/>
+          </a:ln>
+        </p:spPr>
+        <p:style>
+          <a:lnRef idx="2">
+            <a:schemeClr val="accent1">
+              <a:shade val="50000"/>
+            </a:schemeClr>
+          </a:lnRef>
+          <a:fillRef idx="1">
+            <a:schemeClr val="accent1"/>
+          </a:fillRef>
+          <a:effectRef idx="0">
+            <a:schemeClr val="accent1"/>
+          </a:effectRef>
+          <a:fontRef idx="minor">
+            <a:schemeClr val="lt1"/>
+          </a:fontRef>
+        </p:style>
+        <p:txBody>
+          <a:bodyPr lIns="36000" rIns="36000" rtlCol="0" anchor="ctr"/>
+          <a:lstStyle/>
+          <a:p>
+            <a:pPr algn="ctr"/>
+            <a:r>
+              <a:rPr lang="en-US" altLang="ko-KR" sz="1400">
+                <a:solidFill>
+                  <a:schemeClr val="tx1"/>
+                </a:solidFill>
+                <a:latin typeface="Consolas" panose="020B0609020204030204" pitchFamily="49" charset="0"/>
+              </a:rPr>
+              <a:t>11</a:t>
+            </a:r>
+            <a:endParaRPr lang="ko-KR" altLang="en-US" sz="1400">
+              <a:solidFill>
+                <a:schemeClr val="tx1"/>
+              </a:solidFill>
+              <a:latin typeface="Consolas" panose="020B0609020204030204" pitchFamily="49" charset="0"/>
+            </a:endParaRPr>
+          </a:p>
+        </p:txBody>
+      </p:sp>
+      <p:sp>
+        <p:nvSpPr>
+          <p:cNvPr id="99" name="직사각형 98">
+            <a:extLst>
+              <a:ext uri="{FF2B5EF4-FFF2-40B4-BE49-F238E27FC236}">
+                <a16:creationId xmlns:a16="http://schemas.microsoft.com/office/drawing/2014/main" id="{81912EEF-59E7-43F6-9D26-8FEA67D8124E}"/>
+              </a:ext>
+            </a:extLst>
+          </p:cNvPr>
+          <p:cNvSpPr/>
+          <p:nvPr/>
+        </p:nvSpPr>
+        <p:spPr>
+          <a:xfrm>
+            <a:off x="8773058" y="1825230"/>
+            <a:ext cx="683392" cy="339328"/>
+          </a:xfrm>
+          <a:prstGeom prst="rect">
+            <a:avLst/>
+          </a:prstGeom>
+          <a:noFill/>
+          <a:ln>
+            <a:noFill/>
+          </a:ln>
+        </p:spPr>
+        <p:style>
+          <a:lnRef idx="2">
+            <a:schemeClr val="accent1">
+              <a:shade val="50000"/>
+            </a:schemeClr>
+          </a:lnRef>
+          <a:fillRef idx="1">
+            <a:schemeClr val="accent1"/>
+          </a:fillRef>
+          <a:effectRef idx="0">
+            <a:schemeClr val="accent1"/>
+          </a:effectRef>
+          <a:fontRef idx="minor">
+            <a:schemeClr val="lt1"/>
+          </a:fontRef>
+        </p:style>
+        <p:txBody>
+          <a:bodyPr lIns="36000" rIns="36000" rtlCol="0" anchor="ctr"/>
+          <a:lstStyle/>
+          <a:p>
+            <a:pPr algn="ctr"/>
+            <a:r>
+              <a:rPr lang="en-US" altLang="ko-KR" sz="1400">
+                <a:solidFill>
+                  <a:schemeClr val="tx1"/>
+                </a:solidFill>
+                <a:latin typeface="Consolas" panose="020B0609020204030204" pitchFamily="49" charset="0"/>
+              </a:rPr>
+              <a:t>12</a:t>
+            </a:r>
+            <a:endParaRPr lang="ko-KR" altLang="en-US" sz="1400">
+              <a:solidFill>
+                <a:schemeClr val="tx1"/>
+              </a:solidFill>
+              <a:latin typeface="Consolas" panose="020B0609020204030204" pitchFamily="49" charset="0"/>
+            </a:endParaRPr>
+          </a:p>
+        </p:txBody>
+      </p:sp>
+      <p:sp>
+        <p:nvSpPr>
+          <p:cNvPr id="100" name="직사각형 99">
+            <a:extLst>
+              <a:ext uri="{FF2B5EF4-FFF2-40B4-BE49-F238E27FC236}">
+                <a16:creationId xmlns:a16="http://schemas.microsoft.com/office/drawing/2014/main" id="{CF48624B-41FA-4CCD-B2E6-1187F38910AF}"/>
+              </a:ext>
+            </a:extLst>
+          </p:cNvPr>
+          <p:cNvSpPr/>
+          <p:nvPr/>
+        </p:nvSpPr>
+        <p:spPr>
+          <a:xfrm>
+            <a:off x="9452652" y="1825230"/>
+            <a:ext cx="683392" cy="339328"/>
+          </a:xfrm>
+          <a:prstGeom prst="rect">
+            <a:avLst/>
+          </a:prstGeom>
+          <a:noFill/>
+          <a:ln>
+            <a:noFill/>
+          </a:ln>
+        </p:spPr>
+        <p:style>
+          <a:lnRef idx="2">
+            <a:schemeClr val="accent1">
+              <a:shade val="50000"/>
+            </a:schemeClr>
+          </a:lnRef>
+          <a:fillRef idx="1">
+            <a:schemeClr val="accent1"/>
+          </a:fillRef>
+          <a:effectRef idx="0">
+            <a:schemeClr val="accent1"/>
+          </a:effectRef>
+          <a:fontRef idx="minor">
+            <a:schemeClr val="lt1"/>
+          </a:fontRef>
+        </p:style>
+        <p:txBody>
+          <a:bodyPr lIns="36000" rIns="36000" rtlCol="0" anchor="ctr"/>
+          <a:lstStyle/>
+          <a:p>
+            <a:pPr algn="ctr"/>
+            <a:r>
+              <a:rPr lang="en-US" altLang="ko-KR" sz="1400">
+                <a:solidFill>
+                  <a:schemeClr val="tx1"/>
+                </a:solidFill>
+                <a:latin typeface="Consolas" panose="020B0609020204030204" pitchFamily="49" charset="0"/>
+              </a:rPr>
+              <a:t>13</a:t>
+            </a:r>
+            <a:endParaRPr lang="ko-KR" altLang="en-US" sz="1400">
+              <a:solidFill>
+                <a:schemeClr val="tx1"/>
+              </a:solidFill>
+              <a:latin typeface="Consolas" panose="020B0609020204030204" pitchFamily="49" charset="0"/>
+            </a:endParaRPr>
+          </a:p>
+        </p:txBody>
+      </p:sp>
+      <p:sp>
+        <p:nvSpPr>
+          <p:cNvPr id="101" name="직사각형 100">
+            <a:extLst>
+              <a:ext uri="{FF2B5EF4-FFF2-40B4-BE49-F238E27FC236}">
+                <a16:creationId xmlns:a16="http://schemas.microsoft.com/office/drawing/2014/main" id="{283E20E4-B38C-4D41-B7F7-E0946B7B20DF}"/>
+              </a:ext>
+            </a:extLst>
+          </p:cNvPr>
+          <p:cNvSpPr/>
+          <p:nvPr/>
+        </p:nvSpPr>
+        <p:spPr>
+          <a:xfrm>
+            <a:off x="10132246" y="1825230"/>
+            <a:ext cx="683392" cy="339328"/>
+          </a:xfrm>
+          <a:prstGeom prst="rect">
+            <a:avLst/>
+          </a:prstGeom>
+          <a:noFill/>
+          <a:ln>
+            <a:noFill/>
+          </a:ln>
+        </p:spPr>
+        <p:style>
+          <a:lnRef idx="2">
+            <a:schemeClr val="accent1">
+              <a:shade val="50000"/>
+            </a:schemeClr>
+          </a:lnRef>
+          <a:fillRef idx="1">
+            <a:schemeClr val="accent1"/>
+          </a:fillRef>
+          <a:effectRef idx="0">
+            <a:schemeClr val="accent1"/>
+          </a:effectRef>
+          <a:fontRef idx="minor">
+            <a:schemeClr val="lt1"/>
+          </a:fontRef>
+        </p:style>
+        <p:txBody>
+          <a:bodyPr lIns="36000" rIns="36000" rtlCol="0" anchor="ctr"/>
+          <a:lstStyle/>
+          <a:p>
+            <a:pPr algn="ctr"/>
+            <a:r>
+              <a:rPr lang="en-US" altLang="ko-KR" sz="1400">
+                <a:solidFill>
+                  <a:schemeClr val="tx1"/>
+                </a:solidFill>
+                <a:latin typeface="Consolas" panose="020B0609020204030204" pitchFamily="49" charset="0"/>
+              </a:rPr>
+              <a:t>14</a:t>
+            </a:r>
+            <a:endParaRPr lang="ko-KR" altLang="en-US" sz="1400">
+              <a:solidFill>
+                <a:schemeClr val="tx1"/>
+              </a:solidFill>
+              <a:latin typeface="Consolas" panose="020B0609020204030204" pitchFamily="49" charset="0"/>
+            </a:endParaRPr>
+          </a:p>
+        </p:txBody>
+      </p:sp>
+      <p:sp>
+        <p:nvSpPr>
+          <p:cNvPr id="108" name="TextBox 107">
+            <a:extLst>
+              <a:ext uri="{FF2B5EF4-FFF2-40B4-BE49-F238E27FC236}">
+                <a16:creationId xmlns:a16="http://schemas.microsoft.com/office/drawing/2014/main" id="{5D908DEE-16E5-4C68-B2A7-CDCEA1B9EA09}"/>
+              </a:ext>
+            </a:extLst>
+          </p:cNvPr>
+          <p:cNvSpPr txBox="1"/>
+          <p:nvPr/>
+        </p:nvSpPr>
+        <p:spPr>
+          <a:xfrm>
+            <a:off x="543304" y="1479829"/>
+            <a:ext cx="10171374" cy="307777"/>
+          </a:xfrm>
+          <a:prstGeom prst="rect">
+            <a:avLst/>
+          </a:prstGeom>
+          <a:noFill/>
+        </p:spPr>
+        <p:txBody>
+          <a:bodyPr wrap="none" rtlCol="0">
+            <a:spAutoFit/>
+          </a:bodyPr>
+          <a:lstStyle/>
+          <a:p>
+            <a:pPr algn="l"/>
+            <a:r>
+              <a:rPr lang="en-US" altLang="ko-KR" sz="1400">
+                <a:latin typeface="Consolas" panose="020B0609020204030204" pitchFamily="49" charset="0"/>
+              </a:rPr>
+              <a:t>['', '1839', '##</a:t>
+            </a:r>
+            <a:r>
+              <a:rPr lang="ko-KR" altLang="en-US" sz="1400">
+                <a:latin typeface="Consolas" panose="020B0609020204030204" pitchFamily="49" charset="0"/>
+              </a:rPr>
+              <a:t>년</a:t>
+            </a:r>
+            <a:r>
+              <a:rPr lang="en-US" altLang="ko-KR" sz="1400">
+                <a:latin typeface="Consolas" panose="020B0609020204030204" pitchFamily="49" charset="0"/>
+              </a:rPr>
+              <a:t>', '</a:t>
+            </a:r>
+            <a:r>
+              <a:rPr lang="ko-KR" altLang="en-US" sz="1400">
+                <a:latin typeface="Consolas" panose="020B0609020204030204" pitchFamily="49" charset="0"/>
+              </a:rPr>
+              <a:t>바</a:t>
+            </a:r>
+            <a:r>
+              <a:rPr lang="en-US" altLang="ko-KR" sz="1400">
+                <a:latin typeface="Consolas" panose="020B0609020204030204" pitchFamily="49" charset="0"/>
+              </a:rPr>
+              <a:t>', '##</a:t>
+            </a:r>
+            <a:r>
+              <a:rPr lang="ko-KR" altLang="en-US" sz="1400">
+                <a:latin typeface="Consolas" panose="020B0609020204030204" pitchFamily="49" charset="0"/>
+              </a:rPr>
+              <a:t>그</a:t>
+            </a:r>
+            <a:r>
+              <a:rPr lang="en-US" altLang="ko-KR" sz="1400">
+                <a:latin typeface="Consolas" panose="020B0609020204030204" pitchFamily="49" charset="0"/>
+              </a:rPr>
+              <a:t>', '##</a:t>
+            </a:r>
+            <a:r>
+              <a:rPr lang="ko-KR" altLang="en-US" sz="1400">
+                <a:latin typeface="Consolas" panose="020B0609020204030204" pitchFamily="49" charset="0"/>
+              </a:rPr>
+              <a:t>너</a:t>
+            </a:r>
+            <a:r>
+              <a:rPr lang="en-US" altLang="ko-KR" sz="1400">
+                <a:latin typeface="Consolas" panose="020B0609020204030204" pitchFamily="49" charset="0"/>
+              </a:rPr>
+              <a:t>', '##</a:t>
+            </a:r>
+            <a:r>
+              <a:rPr lang="ko-KR" altLang="en-US" sz="1400">
+                <a:latin typeface="Consolas" panose="020B0609020204030204" pitchFamily="49" charset="0"/>
+              </a:rPr>
+              <a:t>는</a:t>
+            </a:r>
+            <a:r>
+              <a:rPr lang="en-US" altLang="ko-KR" sz="1400">
+                <a:latin typeface="Consolas" panose="020B0609020204030204" pitchFamily="49" charset="0"/>
+              </a:rPr>
+              <a:t>', '</a:t>
+            </a:r>
+            <a:r>
+              <a:rPr lang="ko-KR" altLang="en-US" sz="1400">
+                <a:latin typeface="Consolas" panose="020B0609020204030204" pitchFamily="49" charset="0"/>
+              </a:rPr>
+              <a:t>괴</a:t>
+            </a:r>
+            <a:r>
+              <a:rPr lang="en-US" altLang="ko-KR" sz="1400">
+                <a:latin typeface="Consolas" panose="020B0609020204030204" pitchFamily="49" charset="0"/>
+              </a:rPr>
+              <a:t>', '##</a:t>
+            </a:r>
+            <a:r>
+              <a:rPr lang="ko-KR" altLang="en-US" sz="1400">
+                <a:latin typeface="Consolas" panose="020B0609020204030204" pitchFamily="49" charset="0"/>
+              </a:rPr>
+              <a:t>테</a:t>
+            </a:r>
+            <a:r>
+              <a:rPr lang="en-US" altLang="ko-KR" sz="1400">
+                <a:latin typeface="Consolas" panose="020B0609020204030204" pitchFamily="49" charset="0"/>
+              </a:rPr>
+              <a:t>', '##</a:t>
+            </a:r>
+            <a:r>
+              <a:rPr lang="ko-KR" altLang="en-US" sz="1400">
+                <a:latin typeface="Consolas" panose="020B0609020204030204" pitchFamily="49" charset="0"/>
+              </a:rPr>
+              <a:t>의</a:t>
+            </a:r>
+            <a:r>
+              <a:rPr lang="en-US" altLang="ko-KR" sz="1400">
+                <a:latin typeface="Consolas" panose="020B0609020204030204" pitchFamily="49" charset="0"/>
+              </a:rPr>
+              <a:t>', '</a:t>
+            </a:r>
+            <a:r>
+              <a:rPr lang="ko-KR" altLang="en-US" sz="1400">
+                <a:latin typeface="Consolas" panose="020B0609020204030204" pitchFamily="49" charset="0"/>
+              </a:rPr>
+              <a:t>파</a:t>
+            </a:r>
+            <a:r>
+              <a:rPr lang="en-US" altLang="ko-KR" sz="1400">
+                <a:latin typeface="Consolas" panose="020B0609020204030204" pitchFamily="49" charset="0"/>
+              </a:rPr>
+              <a:t>', '##</a:t>
+            </a:r>
+            <a:r>
+              <a:rPr lang="ko-KR" altLang="en-US" sz="1400">
+                <a:latin typeface="Consolas" panose="020B0609020204030204" pitchFamily="49" charset="0"/>
+              </a:rPr>
+              <a:t>우스</a:t>
+            </a:r>
+            <a:r>
+              <a:rPr lang="en-US" altLang="ko-KR" sz="1400">
+                <a:latin typeface="Consolas" panose="020B0609020204030204" pitchFamily="49" charset="0"/>
+              </a:rPr>
+              <a:t>', '##</a:t>
+            </a:r>
+            <a:r>
+              <a:rPr lang="ko-KR" altLang="en-US" sz="1400">
+                <a:latin typeface="Consolas" panose="020B0609020204030204" pitchFamily="49" charset="0"/>
+              </a:rPr>
+              <a:t>트</a:t>
+            </a:r>
+            <a:r>
+              <a:rPr lang="en-US" altLang="ko-KR" sz="1400">
+                <a:latin typeface="Consolas" panose="020B0609020204030204" pitchFamily="49" charset="0"/>
+              </a:rPr>
+              <a:t>', '##</a:t>
+            </a:r>
+            <a:r>
+              <a:rPr lang="ko-KR" altLang="en-US" sz="1400">
+                <a:latin typeface="Consolas" panose="020B0609020204030204" pitchFamily="49" charset="0"/>
+              </a:rPr>
+              <a:t>을</a:t>
+            </a:r>
+            <a:r>
+              <a:rPr lang="en-US" altLang="ko-KR" sz="1400">
+                <a:latin typeface="Consolas" panose="020B0609020204030204" pitchFamily="49" charset="0"/>
+              </a:rPr>
+              <a:t>'</a:t>
+            </a:r>
+            <a:endParaRPr lang="ko-KR" altLang="en-US" sz="1400">
+              <a:latin typeface="Consolas" panose="020B0609020204030204" pitchFamily="49" charset="0"/>
+            </a:endParaRPr>
+          </a:p>
+        </p:txBody>
+      </p:sp>
+    </p:spTree>
+    <p:extLst>
+      <p:ext uri="{BB962C8B-B14F-4D97-AF65-F5344CB8AC3E}">
+        <p14:creationId xmlns:p14="http://schemas.microsoft.com/office/powerpoint/2010/main" val="357055298"/>
       </p:ext>
     </p:extLst>
   </p:cSld>
